--- a/Calculator.pptx
+++ b/Calculator.pptx
@@ -2,10 +2,19 @@
 <file path=ppt/presentation.xml><?xml version="1.0" encoding="utf-8"?>
 <p:presentation xmlns:a="http://schemas.openxmlformats.org/drawingml/2006/main" xmlns:r="http://schemas.openxmlformats.org/officeDocument/2006/relationships" xmlns:p="http://schemas.openxmlformats.org/presentationml/2006/main" saveSubsetFonts="1">
   <p:sldMasterIdLst>
-    <p:sldMasterId id="2147483648" r:id="rId1"/>
+    <p:sldMasterId id="2147483660" r:id="rId1"/>
   </p:sldMasterIdLst>
+  <p:notesMasterIdLst>
+    <p:notesMasterId r:id="rId9"/>
+  </p:notesMasterIdLst>
   <p:sldIdLst>
     <p:sldId id="256" r:id="rId2"/>
+    <p:sldId id="257" r:id="rId3"/>
+    <p:sldId id="258" r:id="rId4"/>
+    <p:sldId id="259" r:id="rId5"/>
+    <p:sldId id="260" r:id="rId6"/>
+    <p:sldId id="261" r:id="rId7"/>
+    <p:sldId id="262" r:id="rId8"/>
   </p:sldIdLst>
   <p:sldSz cx="12192000" cy="6858000"/>
   <p:notesSz cx="6858000" cy="9144000"/>
@@ -13,7 +22,7 @@
     <a:defPPr>
       <a:defRPr lang="en-US"/>
     </a:defPPr>
-    <a:lvl1pPr marL="0" algn="l" defTabSz="914400" rtl="0" eaLnBrk="1" latinLnBrk="0" hangingPunct="1">
+    <a:lvl1pPr marL="0" algn="l" defTabSz="457200" rtl="0" eaLnBrk="1" latinLnBrk="0" hangingPunct="1">
       <a:defRPr sz="1800" kern="1200">
         <a:solidFill>
           <a:schemeClr val="tx1"/>
@@ -23,7 +32,7 @@
         <a:cs typeface="+mn-cs"/>
       </a:defRPr>
     </a:lvl1pPr>
-    <a:lvl2pPr marL="457200" algn="l" defTabSz="914400" rtl="0" eaLnBrk="1" latinLnBrk="0" hangingPunct="1">
+    <a:lvl2pPr marL="457200" algn="l" defTabSz="457200" rtl="0" eaLnBrk="1" latinLnBrk="0" hangingPunct="1">
       <a:defRPr sz="1800" kern="1200">
         <a:solidFill>
           <a:schemeClr val="tx1"/>
@@ -33,7 +42,7 @@
         <a:cs typeface="+mn-cs"/>
       </a:defRPr>
     </a:lvl2pPr>
-    <a:lvl3pPr marL="914400" algn="l" defTabSz="914400" rtl="0" eaLnBrk="1" latinLnBrk="0" hangingPunct="1">
+    <a:lvl3pPr marL="914400" algn="l" defTabSz="457200" rtl="0" eaLnBrk="1" latinLnBrk="0" hangingPunct="1">
       <a:defRPr sz="1800" kern="1200">
         <a:solidFill>
           <a:schemeClr val="tx1"/>
@@ -43,7 +52,7 @@
         <a:cs typeface="+mn-cs"/>
       </a:defRPr>
     </a:lvl3pPr>
-    <a:lvl4pPr marL="1371600" algn="l" defTabSz="914400" rtl="0" eaLnBrk="1" latinLnBrk="0" hangingPunct="1">
+    <a:lvl4pPr marL="1371600" algn="l" defTabSz="457200" rtl="0" eaLnBrk="1" latinLnBrk="0" hangingPunct="1">
       <a:defRPr sz="1800" kern="1200">
         <a:solidFill>
           <a:schemeClr val="tx1"/>
@@ -53,7 +62,7 @@
         <a:cs typeface="+mn-cs"/>
       </a:defRPr>
     </a:lvl4pPr>
-    <a:lvl5pPr marL="1828800" algn="l" defTabSz="914400" rtl="0" eaLnBrk="1" latinLnBrk="0" hangingPunct="1">
+    <a:lvl5pPr marL="1828800" algn="l" defTabSz="457200" rtl="0" eaLnBrk="1" latinLnBrk="0" hangingPunct="1">
       <a:defRPr sz="1800" kern="1200">
         <a:solidFill>
           <a:schemeClr val="tx1"/>
@@ -63,7 +72,7 @@
         <a:cs typeface="+mn-cs"/>
       </a:defRPr>
     </a:lvl5pPr>
-    <a:lvl6pPr marL="2286000" algn="l" defTabSz="914400" rtl="0" eaLnBrk="1" latinLnBrk="0" hangingPunct="1">
+    <a:lvl6pPr marL="2286000" algn="l" defTabSz="457200" rtl="0" eaLnBrk="1" latinLnBrk="0" hangingPunct="1">
       <a:defRPr sz="1800" kern="1200">
         <a:solidFill>
           <a:schemeClr val="tx1"/>
@@ -73,7 +82,7 @@
         <a:cs typeface="+mn-cs"/>
       </a:defRPr>
     </a:lvl6pPr>
-    <a:lvl7pPr marL="2743200" algn="l" defTabSz="914400" rtl="0" eaLnBrk="1" latinLnBrk="0" hangingPunct="1">
+    <a:lvl7pPr marL="2743200" algn="l" defTabSz="457200" rtl="0" eaLnBrk="1" latinLnBrk="0" hangingPunct="1">
       <a:defRPr sz="1800" kern="1200">
         <a:solidFill>
           <a:schemeClr val="tx1"/>
@@ -83,7 +92,7 @@
         <a:cs typeface="+mn-cs"/>
       </a:defRPr>
     </a:lvl7pPr>
-    <a:lvl8pPr marL="3200400" algn="l" defTabSz="914400" rtl="0" eaLnBrk="1" latinLnBrk="0" hangingPunct="1">
+    <a:lvl8pPr marL="3200400" algn="l" defTabSz="457200" rtl="0" eaLnBrk="1" latinLnBrk="0" hangingPunct="1">
       <a:defRPr sz="1800" kern="1200">
         <a:solidFill>
           <a:schemeClr val="tx1"/>
@@ -93,7 +102,7 @@
         <a:cs typeface="+mn-cs"/>
       </a:defRPr>
     </a:lvl8pPr>
-    <a:lvl9pPr marL="3657600" algn="l" defTabSz="914400" rtl="0" eaLnBrk="1" latinLnBrk="0" hangingPunct="1">
+    <a:lvl9pPr marL="3657600" algn="l" defTabSz="457200" rtl="0" eaLnBrk="1" latinLnBrk="0" hangingPunct="1">
       <a:defRPr sz="1800" kern="1200">
         <a:solidFill>
           <a:schemeClr val="tx1"/>
@@ -112,8 +121,736 @@
 </p:presentation>
 </file>
 
+<file path=ppt/revisionInfo.xml><?xml version="1.0" encoding="utf-8"?>
+<p1510:revInfo xmlns:a="http://schemas.openxmlformats.org/drawingml/2006/main" xmlns:r="http://schemas.openxmlformats.org/officeDocument/2006/relationships" xmlns:p1510="http://schemas.microsoft.com/office/powerpoint/2015/10/main">
+  <p1510:revLst>
+    <p1510:client id="{FD623F3F-CA1F-4096-B56F-0A243F0F0132}" v="10" dt="2024-09-05T08:30:31.731"/>
+  </p1510:revLst>
+</p1510:revInfo>
+</file>
+
+<file path=ppt/changesInfos/changesInfo1.xml><?xml version="1.0" encoding="utf-8"?>
+<pc:chgInfo xmlns:a="http://schemas.openxmlformats.org/drawingml/2006/main" xmlns:r="http://schemas.openxmlformats.org/officeDocument/2006/relationships" xmlns:ac="http://schemas.microsoft.com/office/drawing/2013/main/command" xmlns:pc="http://schemas.microsoft.com/office/powerpoint/2013/main/command">
+  <pc:docChgLst>
+    <pc:chgData name="Prateek Agrawal" userId="034f4c05861bf91d" providerId="LiveId" clId="{FD623F3F-CA1F-4096-B56F-0A243F0F0132}"/>
+    <pc:docChg chg="undo redo custSel addSld delSld modSld">
+      <pc:chgData name="Prateek Agrawal" userId="034f4c05861bf91d" providerId="LiveId" clId="{FD623F3F-CA1F-4096-B56F-0A243F0F0132}" dt="2024-09-05T08:35:36.630" v="1039" actId="403"/>
+      <pc:docMkLst>
+        <pc:docMk/>
+      </pc:docMkLst>
+      <pc:sldChg chg="modSp mod">
+        <pc:chgData name="Prateek Agrawal" userId="034f4c05861bf91d" providerId="LiveId" clId="{FD623F3F-CA1F-4096-B56F-0A243F0F0132}" dt="2024-09-05T07:10:29.746" v="103" actId="27636"/>
+        <pc:sldMkLst>
+          <pc:docMk/>
+          <pc:sldMk cId="2171312296" sldId="256"/>
+        </pc:sldMkLst>
+        <pc:spChg chg="mod">
+          <ac:chgData name="Prateek Agrawal" userId="034f4c05861bf91d" providerId="LiveId" clId="{FD623F3F-CA1F-4096-B56F-0A243F0F0132}" dt="2024-09-05T06:56:56.130" v="101" actId="27636"/>
+          <ac:spMkLst>
+            <pc:docMk/>
+            <pc:sldMk cId="2171312296" sldId="256"/>
+            <ac:spMk id="2" creationId="{32631F74-DB51-D240-E9E3-CC19A998C694}"/>
+          </ac:spMkLst>
+        </pc:spChg>
+        <pc:spChg chg="mod">
+          <ac:chgData name="Prateek Agrawal" userId="034f4c05861bf91d" providerId="LiveId" clId="{FD623F3F-CA1F-4096-B56F-0A243F0F0132}" dt="2024-09-05T07:10:29.746" v="103" actId="27636"/>
+          <ac:spMkLst>
+            <pc:docMk/>
+            <pc:sldMk cId="2171312296" sldId="256"/>
+            <ac:spMk id="3" creationId="{5C705E62-1194-84E2-CEA0-5F790DCB831E}"/>
+          </ac:spMkLst>
+        </pc:spChg>
+      </pc:sldChg>
+      <pc:sldChg chg="addSp modSp new mod">
+        <pc:chgData name="Prateek Agrawal" userId="034f4c05861bf91d" providerId="LiveId" clId="{FD623F3F-CA1F-4096-B56F-0A243F0F0132}" dt="2024-09-05T07:49:04.295" v="438" actId="14100"/>
+        <pc:sldMkLst>
+          <pc:docMk/>
+          <pc:sldMk cId="3397925081" sldId="257"/>
+        </pc:sldMkLst>
+        <pc:spChg chg="mod">
+          <ac:chgData name="Prateek Agrawal" userId="034f4c05861bf91d" providerId="LiveId" clId="{FD623F3F-CA1F-4096-B56F-0A243F0F0132}" dt="2024-09-05T07:42:25.465" v="124" actId="403"/>
+          <ac:spMkLst>
+            <pc:docMk/>
+            <pc:sldMk cId="3397925081" sldId="257"/>
+            <ac:spMk id="2" creationId="{A9F5E820-FD58-E86A-58EE-15577E445BA1}"/>
+          </ac:spMkLst>
+        </pc:spChg>
+        <pc:spChg chg="mod">
+          <ac:chgData name="Prateek Agrawal" userId="034f4c05861bf91d" providerId="LiveId" clId="{FD623F3F-CA1F-4096-B56F-0A243F0F0132}" dt="2024-09-05T07:47:38.892" v="433" actId="14100"/>
+          <ac:spMkLst>
+            <pc:docMk/>
+            <pc:sldMk cId="3397925081" sldId="257"/>
+            <ac:spMk id="3" creationId="{C5D3EBFF-7E73-253F-5207-EDDED6CFF92B}"/>
+          </ac:spMkLst>
+        </pc:spChg>
+        <pc:picChg chg="add mod">
+          <ac:chgData name="Prateek Agrawal" userId="034f4c05861bf91d" providerId="LiveId" clId="{FD623F3F-CA1F-4096-B56F-0A243F0F0132}" dt="2024-09-05T07:49:04.295" v="438" actId="14100"/>
+          <ac:picMkLst>
+            <pc:docMk/>
+            <pc:sldMk cId="3397925081" sldId="257"/>
+            <ac:picMk id="5" creationId="{7E3022B1-832D-DCE3-EF72-5A3ED99A804D}"/>
+          </ac:picMkLst>
+        </pc:picChg>
+      </pc:sldChg>
+      <pc:sldChg chg="addSp delSp modSp new mod">
+        <pc:chgData name="Prateek Agrawal" userId="034f4c05861bf91d" providerId="LiveId" clId="{FD623F3F-CA1F-4096-B56F-0A243F0F0132}" dt="2024-09-05T07:55:17.231" v="618" actId="113"/>
+        <pc:sldMkLst>
+          <pc:docMk/>
+          <pc:sldMk cId="4028395510" sldId="258"/>
+        </pc:sldMkLst>
+        <pc:spChg chg="mod">
+          <ac:chgData name="Prateek Agrawal" userId="034f4c05861bf91d" providerId="LiveId" clId="{FD623F3F-CA1F-4096-B56F-0A243F0F0132}" dt="2024-09-05T07:51:49.215" v="496" actId="403"/>
+          <ac:spMkLst>
+            <pc:docMk/>
+            <pc:sldMk cId="4028395510" sldId="258"/>
+            <ac:spMk id="2" creationId="{570A0492-BA76-1F46-3767-74E60BD0B942}"/>
+          </ac:spMkLst>
+        </pc:spChg>
+        <pc:spChg chg="mod">
+          <ac:chgData name="Prateek Agrawal" userId="034f4c05861bf91d" providerId="LiveId" clId="{FD623F3F-CA1F-4096-B56F-0A243F0F0132}" dt="2024-09-05T07:55:17.231" v="618" actId="113"/>
+          <ac:spMkLst>
+            <pc:docMk/>
+            <pc:sldMk cId="4028395510" sldId="258"/>
+            <ac:spMk id="3" creationId="{C510A7B3-8333-461D-BCC6-31749FCA9F73}"/>
+          </ac:spMkLst>
+        </pc:spChg>
+        <pc:picChg chg="add del">
+          <ac:chgData name="Prateek Agrawal" userId="034f4c05861bf91d" providerId="LiveId" clId="{FD623F3F-CA1F-4096-B56F-0A243F0F0132}" dt="2024-09-05T07:55:13.572" v="617" actId="22"/>
+          <ac:picMkLst>
+            <pc:docMk/>
+            <pc:sldMk cId="4028395510" sldId="258"/>
+            <ac:picMk id="5" creationId="{A06F45C8-767B-3E50-DA57-AA0905654E2D}"/>
+          </ac:picMkLst>
+        </pc:picChg>
+      </pc:sldChg>
+      <pc:sldChg chg="addSp modSp new mod">
+        <pc:chgData name="Prateek Agrawal" userId="034f4c05861bf91d" providerId="LiveId" clId="{FD623F3F-CA1F-4096-B56F-0A243F0F0132}" dt="2024-09-05T08:22:21.217" v="725" actId="404"/>
+        <pc:sldMkLst>
+          <pc:docMk/>
+          <pc:sldMk cId="3793839044" sldId="259"/>
+        </pc:sldMkLst>
+        <pc:spChg chg="mod">
+          <ac:chgData name="Prateek Agrawal" userId="034f4c05861bf91d" providerId="LiveId" clId="{FD623F3F-CA1F-4096-B56F-0A243F0F0132}" dt="2024-09-05T07:59:52.849" v="687" actId="14100"/>
+          <ac:spMkLst>
+            <pc:docMk/>
+            <pc:sldMk cId="3793839044" sldId="259"/>
+            <ac:spMk id="2" creationId="{E17B7289-0B5F-2EC1-6A72-A05FA28E90F0}"/>
+          </ac:spMkLst>
+        </pc:spChg>
+        <pc:spChg chg="mod">
+          <ac:chgData name="Prateek Agrawal" userId="034f4c05861bf91d" providerId="LiveId" clId="{FD623F3F-CA1F-4096-B56F-0A243F0F0132}" dt="2024-09-05T08:22:21.217" v="725" actId="404"/>
+          <ac:spMkLst>
+            <pc:docMk/>
+            <pc:sldMk cId="3793839044" sldId="259"/>
+            <ac:spMk id="3" creationId="{7CC52B31-2711-DE6D-9F1B-843805B74452}"/>
+          </ac:spMkLst>
+        </pc:spChg>
+        <pc:spChg chg="add">
+          <ac:chgData name="Prateek Agrawal" userId="034f4c05861bf91d" providerId="LiveId" clId="{FD623F3F-CA1F-4096-B56F-0A243F0F0132}" dt="2024-09-05T08:00:44.966" v="697" actId="11529"/>
+          <ac:spMkLst>
+            <pc:docMk/>
+            <pc:sldMk cId="3793839044" sldId="259"/>
+            <ac:spMk id="8" creationId="{4F18266B-E03B-50D7-CE8F-A929E66E41A6}"/>
+          </ac:spMkLst>
+        </pc:spChg>
+        <pc:spChg chg="add">
+          <ac:chgData name="Prateek Agrawal" userId="034f4c05861bf91d" providerId="LiveId" clId="{FD623F3F-CA1F-4096-B56F-0A243F0F0132}" dt="2024-09-05T08:19:52.910" v="713" actId="11529"/>
+          <ac:spMkLst>
+            <pc:docMk/>
+            <pc:sldMk cId="3793839044" sldId="259"/>
+            <ac:spMk id="11" creationId="{5687C08E-08E7-6B14-C6BC-59AADAE082D4}"/>
+          </ac:spMkLst>
+        </pc:spChg>
+        <pc:picChg chg="add mod">
+          <ac:chgData name="Prateek Agrawal" userId="034f4c05861bf91d" providerId="LiveId" clId="{FD623F3F-CA1F-4096-B56F-0A243F0F0132}" dt="2024-09-05T08:00:31.084" v="696" actId="1076"/>
+          <ac:picMkLst>
+            <pc:docMk/>
+            <pc:sldMk cId="3793839044" sldId="259"/>
+            <ac:picMk id="5" creationId="{8C047923-0FFB-DAD4-75F2-0F19CB4B92E8}"/>
+          </ac:picMkLst>
+        </pc:picChg>
+        <pc:picChg chg="add mod">
+          <ac:chgData name="Prateek Agrawal" userId="034f4c05861bf91d" providerId="LiveId" clId="{FD623F3F-CA1F-4096-B56F-0A243F0F0132}" dt="2024-09-05T08:19:06.771" v="705" actId="1076"/>
+          <ac:picMkLst>
+            <pc:docMk/>
+            <pc:sldMk cId="3793839044" sldId="259"/>
+            <ac:picMk id="6" creationId="{D5B4A927-4653-44F8-5E81-DFC8A36378CB}"/>
+          </ac:picMkLst>
+        </pc:picChg>
+        <pc:picChg chg="add mod">
+          <ac:chgData name="Prateek Agrawal" userId="034f4c05861bf91d" providerId="LiveId" clId="{FD623F3F-CA1F-4096-B56F-0A243F0F0132}" dt="2024-09-05T08:00:28.654" v="695" actId="1076"/>
+          <ac:picMkLst>
+            <pc:docMk/>
+            <pc:sldMk cId="3793839044" sldId="259"/>
+            <ac:picMk id="7" creationId="{5BEFC06B-6AB0-6F55-3AAD-B0C4FED56E77}"/>
+          </ac:picMkLst>
+        </pc:picChg>
+        <pc:picChg chg="add mod">
+          <ac:chgData name="Prateek Agrawal" userId="034f4c05861bf91d" providerId="LiveId" clId="{FD623F3F-CA1F-4096-B56F-0A243F0F0132}" dt="2024-09-05T08:19:39.272" v="712" actId="1076"/>
+          <ac:picMkLst>
+            <pc:docMk/>
+            <pc:sldMk cId="3793839044" sldId="259"/>
+            <ac:picMk id="10" creationId="{DEEECD0A-533D-C1D2-FFFC-794F4E16D8DB}"/>
+          </ac:picMkLst>
+        </pc:picChg>
+      </pc:sldChg>
+      <pc:sldChg chg="addSp modSp new mod">
+        <pc:chgData name="Prateek Agrawal" userId="034f4c05861bf91d" providerId="LiveId" clId="{FD623F3F-CA1F-4096-B56F-0A243F0F0132}" dt="2024-09-05T08:30:57.906" v="836" actId="11529"/>
+        <pc:sldMkLst>
+          <pc:docMk/>
+          <pc:sldMk cId="2691806028" sldId="260"/>
+        </pc:sldMkLst>
+        <pc:spChg chg="mod">
+          <ac:chgData name="Prateek Agrawal" userId="034f4c05861bf91d" providerId="LiveId" clId="{FD623F3F-CA1F-4096-B56F-0A243F0F0132}" dt="2024-09-05T08:23:14.787" v="793" actId="20577"/>
+          <ac:spMkLst>
+            <pc:docMk/>
+            <pc:sldMk cId="2691806028" sldId="260"/>
+            <ac:spMk id="2" creationId="{81595BF3-5FBA-A4B8-986D-D6D6CBB7CC77}"/>
+          </ac:spMkLst>
+        </pc:spChg>
+        <pc:spChg chg="mod">
+          <ac:chgData name="Prateek Agrawal" userId="034f4c05861bf91d" providerId="LiveId" clId="{FD623F3F-CA1F-4096-B56F-0A243F0F0132}" dt="2024-09-05T08:23:51.315" v="806" actId="403"/>
+          <ac:spMkLst>
+            <pc:docMk/>
+            <pc:sldMk cId="2691806028" sldId="260"/>
+            <ac:spMk id="3" creationId="{1534D1BC-0D1A-604A-42B2-539D5B841DC7}"/>
+          </ac:spMkLst>
+        </pc:spChg>
+        <pc:spChg chg="add">
+          <ac:chgData name="Prateek Agrawal" userId="034f4c05861bf91d" providerId="LiveId" clId="{FD623F3F-CA1F-4096-B56F-0A243F0F0132}" dt="2024-09-05T08:27:31.316" v="822" actId="11529"/>
+          <ac:spMkLst>
+            <pc:docMk/>
+            <pc:sldMk cId="2691806028" sldId="260"/>
+            <ac:spMk id="8" creationId="{130F766D-E921-595D-E02C-BD1BC212FD94}"/>
+          </ac:spMkLst>
+        </pc:spChg>
+        <pc:spChg chg="add">
+          <ac:chgData name="Prateek Agrawal" userId="034f4c05861bf91d" providerId="LiveId" clId="{FD623F3F-CA1F-4096-B56F-0A243F0F0132}" dt="2024-09-05T08:30:57.906" v="836" actId="11529"/>
+          <ac:spMkLst>
+            <pc:docMk/>
+            <pc:sldMk cId="2691806028" sldId="260"/>
+            <ac:spMk id="13" creationId="{954495F7-DBAF-77D3-AC45-9CCAB87BF5C2}"/>
+          </ac:spMkLst>
+        </pc:spChg>
+        <pc:picChg chg="add mod">
+          <ac:chgData name="Prateek Agrawal" userId="034f4c05861bf91d" providerId="LiveId" clId="{FD623F3F-CA1F-4096-B56F-0A243F0F0132}" dt="2024-09-05T08:26:36.555" v="812" actId="14100"/>
+          <ac:picMkLst>
+            <pc:docMk/>
+            <pc:sldMk cId="2691806028" sldId="260"/>
+            <ac:picMk id="5" creationId="{6BE1EDFB-A4F2-236C-B8F7-DB96E0F2925A}"/>
+          </ac:picMkLst>
+        </pc:picChg>
+        <pc:picChg chg="add mod">
+          <ac:chgData name="Prateek Agrawal" userId="034f4c05861bf91d" providerId="LiveId" clId="{FD623F3F-CA1F-4096-B56F-0A243F0F0132}" dt="2024-09-05T08:27:18.150" v="821" actId="14100"/>
+          <ac:picMkLst>
+            <pc:docMk/>
+            <pc:sldMk cId="2691806028" sldId="260"/>
+            <ac:picMk id="7" creationId="{73B93447-7CFF-8356-7994-6AD2CC401965}"/>
+          </ac:picMkLst>
+        </pc:picChg>
+        <pc:picChg chg="add mod">
+          <ac:chgData name="Prateek Agrawal" userId="034f4c05861bf91d" providerId="LiveId" clId="{FD623F3F-CA1F-4096-B56F-0A243F0F0132}" dt="2024-09-05T08:30:15.711" v="827" actId="14100"/>
+          <ac:picMkLst>
+            <pc:docMk/>
+            <pc:sldMk cId="2691806028" sldId="260"/>
+            <ac:picMk id="10" creationId="{A31574CF-6768-E9CF-EDB8-8F6C022F9C58}"/>
+          </ac:picMkLst>
+        </pc:picChg>
+        <pc:picChg chg="add mod">
+          <ac:chgData name="Prateek Agrawal" userId="034f4c05861bf91d" providerId="LiveId" clId="{FD623F3F-CA1F-4096-B56F-0A243F0F0132}" dt="2024-09-05T08:30:46.750" v="835" actId="1076"/>
+          <ac:picMkLst>
+            <pc:docMk/>
+            <pc:sldMk cId="2691806028" sldId="260"/>
+            <ac:picMk id="12" creationId="{8482CC3F-8076-E437-F791-22BDC18108B0}"/>
+          </ac:picMkLst>
+        </pc:picChg>
+      </pc:sldChg>
+      <pc:sldChg chg="modSp new mod">
+        <pc:chgData name="Prateek Agrawal" userId="034f4c05861bf91d" providerId="LiveId" clId="{FD623F3F-CA1F-4096-B56F-0A243F0F0132}" dt="2024-09-05T08:34:41.208" v="1012" actId="20577"/>
+        <pc:sldMkLst>
+          <pc:docMk/>
+          <pc:sldMk cId="2648616868" sldId="261"/>
+        </pc:sldMkLst>
+        <pc:spChg chg="mod">
+          <ac:chgData name="Prateek Agrawal" userId="034f4c05861bf91d" providerId="LiveId" clId="{FD623F3F-CA1F-4096-B56F-0A243F0F0132}" dt="2024-09-05T08:31:37.466" v="854" actId="403"/>
+          <ac:spMkLst>
+            <pc:docMk/>
+            <pc:sldMk cId="2648616868" sldId="261"/>
+            <ac:spMk id="2" creationId="{7BE2E920-A9FA-F995-D619-E26A48C3CA49}"/>
+          </ac:spMkLst>
+        </pc:spChg>
+        <pc:spChg chg="mod">
+          <ac:chgData name="Prateek Agrawal" userId="034f4c05861bf91d" providerId="LiveId" clId="{FD623F3F-CA1F-4096-B56F-0A243F0F0132}" dt="2024-09-05T08:34:41.208" v="1012" actId="20577"/>
+          <ac:spMkLst>
+            <pc:docMk/>
+            <pc:sldMk cId="2648616868" sldId="261"/>
+            <ac:spMk id="3" creationId="{35775857-E316-8E4B-F52B-105D58F00445}"/>
+          </ac:spMkLst>
+        </pc:spChg>
+      </pc:sldChg>
+      <pc:sldChg chg="new del">
+        <pc:chgData name="Prateek Agrawal" userId="034f4c05861bf91d" providerId="LiveId" clId="{FD623F3F-CA1F-4096-B56F-0A243F0F0132}" dt="2024-09-05T08:35:02.199" v="1014" actId="2696"/>
+        <pc:sldMkLst>
+          <pc:docMk/>
+          <pc:sldMk cId="1260750483" sldId="262"/>
+        </pc:sldMkLst>
+      </pc:sldChg>
+      <pc:sldChg chg="modSp new mod">
+        <pc:chgData name="Prateek Agrawal" userId="034f4c05861bf91d" providerId="LiveId" clId="{FD623F3F-CA1F-4096-B56F-0A243F0F0132}" dt="2024-09-05T08:35:36.630" v="1039" actId="403"/>
+        <pc:sldMkLst>
+          <pc:docMk/>
+          <pc:sldMk cId="2687693465" sldId="262"/>
+        </pc:sldMkLst>
+        <pc:spChg chg="mod">
+          <ac:chgData name="Prateek Agrawal" userId="034f4c05861bf91d" providerId="LiveId" clId="{FD623F3F-CA1F-4096-B56F-0A243F0F0132}" dt="2024-09-05T08:35:36.630" v="1039" actId="403"/>
+          <ac:spMkLst>
+            <pc:docMk/>
+            <pc:sldMk cId="2687693465" sldId="262"/>
+            <ac:spMk id="2" creationId="{4E86F6C3-84F5-E90D-E311-A68693F5F11F}"/>
+          </ac:spMkLst>
+        </pc:spChg>
+      </pc:sldChg>
+    </pc:docChg>
+  </pc:docChgLst>
+</pc:chgInfo>
+</file>
+
+<file path=ppt/notesMasters/notesMaster1.xml><?xml version="1.0" encoding="utf-8"?>
+<p:notesMaster xmlns:a="http://schemas.openxmlformats.org/drawingml/2006/main" xmlns:r="http://schemas.openxmlformats.org/officeDocument/2006/relationships" xmlns:p="http://schemas.openxmlformats.org/presentationml/2006/main">
+  <p:cSld>
+    <p:bg>
+      <p:bgRef idx="1001">
+        <a:schemeClr val="bg1"/>
+      </p:bgRef>
+    </p:bg>
+    <p:spTree>
+      <p:nvGrpSpPr>
+        <p:cNvPr id="1" name=""/>
+        <p:cNvGrpSpPr/>
+        <p:nvPr/>
+      </p:nvGrpSpPr>
+      <p:grpSpPr>
+        <a:xfrm>
+          <a:off x="0" y="0"/>
+          <a:ext cx="0" cy="0"/>
+          <a:chOff x="0" y="0"/>
+          <a:chExt cx="0" cy="0"/>
+        </a:xfrm>
+      </p:grpSpPr>
+      <p:sp>
+        <p:nvSpPr>
+          <p:cNvPr id="2" name="Header Placeholder 1"/>
+          <p:cNvSpPr>
+            <a:spLocks noGrp="1"/>
+          </p:cNvSpPr>
+          <p:nvPr>
+            <p:ph type="hdr" sz="quarter"/>
+          </p:nvPr>
+        </p:nvSpPr>
+        <p:spPr>
+          <a:xfrm>
+            <a:off x="0" y="0"/>
+            <a:ext cx="2971800" cy="458788"/>
+          </a:xfrm>
+          <a:prstGeom prst="rect">
+            <a:avLst/>
+          </a:prstGeom>
+        </p:spPr>
+        <p:txBody>
+          <a:bodyPr vert="horz" lIns="91440" tIns="45720" rIns="91440" bIns="45720" rtlCol="0"/>
+          <a:lstStyle>
+            <a:lvl1pPr algn="l">
+              <a:defRPr sz="1200"/>
+            </a:lvl1pPr>
+          </a:lstStyle>
+          <a:p>
+            <a:endParaRPr lang="en-IN"/>
+          </a:p>
+        </p:txBody>
+      </p:sp>
+      <p:sp>
+        <p:nvSpPr>
+          <p:cNvPr id="3" name="Date Placeholder 2"/>
+          <p:cNvSpPr>
+            <a:spLocks noGrp="1"/>
+          </p:cNvSpPr>
+          <p:nvPr>
+            <p:ph type="dt" idx="1"/>
+          </p:nvPr>
+        </p:nvSpPr>
+        <p:spPr>
+          <a:xfrm>
+            <a:off x="3884613" y="0"/>
+            <a:ext cx="2971800" cy="458788"/>
+          </a:xfrm>
+          <a:prstGeom prst="rect">
+            <a:avLst/>
+          </a:prstGeom>
+        </p:spPr>
+        <p:txBody>
+          <a:bodyPr vert="horz" lIns="91440" tIns="45720" rIns="91440" bIns="45720" rtlCol="0"/>
+          <a:lstStyle>
+            <a:lvl1pPr algn="r">
+              <a:defRPr sz="1200"/>
+            </a:lvl1pPr>
+          </a:lstStyle>
+          <a:p>
+            <a:fld id="{0652C462-2DED-4DB9-8AEC-263834B4D300}" type="datetimeFigureOut">
+              <a:rPr lang="en-IN" smtClean="0"/>
+              <a:t>05-09-2024</a:t>
+            </a:fld>
+            <a:endParaRPr lang="en-IN"/>
+          </a:p>
+        </p:txBody>
+      </p:sp>
+      <p:sp>
+        <p:nvSpPr>
+          <p:cNvPr id="4" name="Slide Image Placeholder 3"/>
+          <p:cNvSpPr>
+            <a:spLocks noGrp="1" noRot="1" noChangeAspect="1"/>
+          </p:cNvSpPr>
+          <p:nvPr>
+            <p:ph type="sldImg" idx="2"/>
+          </p:nvPr>
+        </p:nvSpPr>
+        <p:spPr>
+          <a:xfrm>
+            <a:off x="685800" y="1143000"/>
+            <a:ext cx="5486400" cy="3086100"/>
+          </a:xfrm>
+          <a:prstGeom prst="rect">
+            <a:avLst/>
+          </a:prstGeom>
+          <a:noFill/>
+          <a:ln w="12700">
+            <a:solidFill>
+              <a:prstClr val="black"/>
+            </a:solidFill>
+          </a:ln>
+        </p:spPr>
+        <p:txBody>
+          <a:bodyPr vert="horz" lIns="91440" tIns="45720" rIns="91440" bIns="45720" rtlCol="0" anchor="ctr"/>
+          <a:lstStyle/>
+          <a:p>
+            <a:endParaRPr lang="en-IN"/>
+          </a:p>
+        </p:txBody>
+      </p:sp>
+      <p:sp>
+        <p:nvSpPr>
+          <p:cNvPr id="5" name="Notes Placeholder 4"/>
+          <p:cNvSpPr>
+            <a:spLocks noGrp="1"/>
+          </p:cNvSpPr>
+          <p:nvPr>
+            <p:ph type="body" sz="quarter" idx="3"/>
+          </p:nvPr>
+        </p:nvSpPr>
+        <p:spPr>
+          <a:xfrm>
+            <a:off x="685800" y="4400550"/>
+            <a:ext cx="5486400" cy="3600450"/>
+          </a:xfrm>
+          <a:prstGeom prst="rect">
+            <a:avLst/>
+          </a:prstGeom>
+        </p:spPr>
+        <p:txBody>
+          <a:bodyPr vert="horz" lIns="91440" tIns="45720" rIns="91440" bIns="45720" rtlCol="0"/>
+          <a:lstStyle/>
+          <a:p>
+            <a:pPr lvl="0"/>
+            <a:r>
+              <a:rPr lang="en-US"/>
+              <a:t>Click to edit Master text styles</a:t>
+            </a:r>
+          </a:p>
+          <a:p>
+            <a:pPr lvl="1"/>
+            <a:r>
+              <a:rPr lang="en-US"/>
+              <a:t>Second level</a:t>
+            </a:r>
+          </a:p>
+          <a:p>
+            <a:pPr lvl="2"/>
+            <a:r>
+              <a:rPr lang="en-US"/>
+              <a:t>Third level</a:t>
+            </a:r>
+          </a:p>
+          <a:p>
+            <a:pPr lvl="3"/>
+            <a:r>
+              <a:rPr lang="en-US"/>
+              <a:t>Fourth level</a:t>
+            </a:r>
+          </a:p>
+          <a:p>
+            <a:pPr lvl="4"/>
+            <a:r>
+              <a:rPr lang="en-US"/>
+              <a:t>Fifth level</a:t>
+            </a:r>
+            <a:endParaRPr lang="en-IN"/>
+          </a:p>
+        </p:txBody>
+      </p:sp>
+      <p:sp>
+        <p:nvSpPr>
+          <p:cNvPr id="6" name="Footer Placeholder 5"/>
+          <p:cNvSpPr>
+            <a:spLocks noGrp="1"/>
+          </p:cNvSpPr>
+          <p:nvPr>
+            <p:ph type="ftr" sz="quarter" idx="4"/>
+          </p:nvPr>
+        </p:nvSpPr>
+        <p:spPr>
+          <a:xfrm>
+            <a:off x="0" y="8685213"/>
+            <a:ext cx="2971800" cy="458787"/>
+          </a:xfrm>
+          <a:prstGeom prst="rect">
+            <a:avLst/>
+          </a:prstGeom>
+        </p:spPr>
+        <p:txBody>
+          <a:bodyPr vert="horz" lIns="91440" tIns="45720" rIns="91440" bIns="45720" rtlCol="0" anchor="b"/>
+          <a:lstStyle>
+            <a:lvl1pPr algn="l">
+              <a:defRPr sz="1200"/>
+            </a:lvl1pPr>
+          </a:lstStyle>
+          <a:p>
+            <a:endParaRPr lang="en-IN"/>
+          </a:p>
+        </p:txBody>
+      </p:sp>
+      <p:sp>
+        <p:nvSpPr>
+          <p:cNvPr id="7" name="Slide Number Placeholder 6"/>
+          <p:cNvSpPr>
+            <a:spLocks noGrp="1"/>
+          </p:cNvSpPr>
+          <p:nvPr>
+            <p:ph type="sldNum" sz="quarter" idx="5"/>
+          </p:nvPr>
+        </p:nvSpPr>
+        <p:spPr>
+          <a:xfrm>
+            <a:off x="3884613" y="8685213"/>
+            <a:ext cx="2971800" cy="458787"/>
+          </a:xfrm>
+          <a:prstGeom prst="rect">
+            <a:avLst/>
+          </a:prstGeom>
+        </p:spPr>
+        <p:txBody>
+          <a:bodyPr vert="horz" lIns="91440" tIns="45720" rIns="91440" bIns="45720" rtlCol="0" anchor="b"/>
+          <a:lstStyle>
+            <a:lvl1pPr algn="r">
+              <a:defRPr sz="1200"/>
+            </a:lvl1pPr>
+          </a:lstStyle>
+          <a:p>
+            <a:fld id="{D9013E9C-26B8-4414-9AFD-BF19A6467B90}" type="slidenum">
+              <a:rPr lang="en-IN" smtClean="0"/>
+              <a:t>‹#›</a:t>
+            </a:fld>
+            <a:endParaRPr lang="en-IN"/>
+          </a:p>
+        </p:txBody>
+      </p:sp>
+    </p:spTree>
+    <p:extLst>
+      <p:ext uri="{BB962C8B-B14F-4D97-AF65-F5344CB8AC3E}">
+        <p14:creationId xmlns:p14="http://schemas.microsoft.com/office/powerpoint/2010/main" val="1470909437"/>
+      </p:ext>
+    </p:extLst>
+  </p:cSld>
+  <p:clrMap bg1="lt1" tx1="dk1" bg2="lt2" tx2="dk2" accent1="accent1" accent2="accent2" accent3="accent3" accent4="accent4" accent5="accent5" accent6="accent6" hlink="hlink" folHlink="folHlink"/>
+  <p:notesStyle>
+    <a:lvl1pPr marL="0" algn="l" defTabSz="914400" rtl="0" eaLnBrk="1" latinLnBrk="0" hangingPunct="1">
+      <a:defRPr sz="1200" kern="1200">
+        <a:solidFill>
+          <a:schemeClr val="tx1"/>
+        </a:solidFill>
+        <a:latin typeface="+mn-lt"/>
+        <a:ea typeface="+mn-ea"/>
+        <a:cs typeface="+mn-cs"/>
+      </a:defRPr>
+    </a:lvl1pPr>
+    <a:lvl2pPr marL="457200" algn="l" defTabSz="914400" rtl="0" eaLnBrk="1" latinLnBrk="0" hangingPunct="1">
+      <a:defRPr sz="1200" kern="1200">
+        <a:solidFill>
+          <a:schemeClr val="tx1"/>
+        </a:solidFill>
+        <a:latin typeface="+mn-lt"/>
+        <a:ea typeface="+mn-ea"/>
+        <a:cs typeface="+mn-cs"/>
+      </a:defRPr>
+    </a:lvl2pPr>
+    <a:lvl3pPr marL="914400" algn="l" defTabSz="914400" rtl="0" eaLnBrk="1" latinLnBrk="0" hangingPunct="1">
+      <a:defRPr sz="1200" kern="1200">
+        <a:solidFill>
+          <a:schemeClr val="tx1"/>
+        </a:solidFill>
+        <a:latin typeface="+mn-lt"/>
+        <a:ea typeface="+mn-ea"/>
+        <a:cs typeface="+mn-cs"/>
+      </a:defRPr>
+    </a:lvl3pPr>
+    <a:lvl4pPr marL="1371600" algn="l" defTabSz="914400" rtl="0" eaLnBrk="1" latinLnBrk="0" hangingPunct="1">
+      <a:defRPr sz="1200" kern="1200">
+        <a:solidFill>
+          <a:schemeClr val="tx1"/>
+        </a:solidFill>
+        <a:latin typeface="+mn-lt"/>
+        <a:ea typeface="+mn-ea"/>
+        <a:cs typeface="+mn-cs"/>
+      </a:defRPr>
+    </a:lvl4pPr>
+    <a:lvl5pPr marL="1828800" algn="l" defTabSz="914400" rtl="0" eaLnBrk="1" latinLnBrk="0" hangingPunct="1">
+      <a:defRPr sz="1200" kern="1200">
+        <a:solidFill>
+          <a:schemeClr val="tx1"/>
+        </a:solidFill>
+        <a:latin typeface="+mn-lt"/>
+        <a:ea typeface="+mn-ea"/>
+        <a:cs typeface="+mn-cs"/>
+      </a:defRPr>
+    </a:lvl5pPr>
+    <a:lvl6pPr marL="2286000" algn="l" defTabSz="914400" rtl="0" eaLnBrk="1" latinLnBrk="0" hangingPunct="1">
+      <a:defRPr sz="1200" kern="1200">
+        <a:solidFill>
+          <a:schemeClr val="tx1"/>
+        </a:solidFill>
+        <a:latin typeface="+mn-lt"/>
+        <a:ea typeface="+mn-ea"/>
+        <a:cs typeface="+mn-cs"/>
+      </a:defRPr>
+    </a:lvl6pPr>
+    <a:lvl7pPr marL="2743200" algn="l" defTabSz="914400" rtl="0" eaLnBrk="1" latinLnBrk="0" hangingPunct="1">
+      <a:defRPr sz="1200" kern="1200">
+        <a:solidFill>
+          <a:schemeClr val="tx1"/>
+        </a:solidFill>
+        <a:latin typeface="+mn-lt"/>
+        <a:ea typeface="+mn-ea"/>
+        <a:cs typeface="+mn-cs"/>
+      </a:defRPr>
+    </a:lvl7pPr>
+    <a:lvl8pPr marL="3200400" algn="l" defTabSz="914400" rtl="0" eaLnBrk="1" latinLnBrk="0" hangingPunct="1">
+      <a:defRPr sz="1200" kern="1200">
+        <a:solidFill>
+          <a:schemeClr val="tx1"/>
+        </a:solidFill>
+        <a:latin typeface="+mn-lt"/>
+        <a:ea typeface="+mn-ea"/>
+        <a:cs typeface="+mn-cs"/>
+      </a:defRPr>
+    </a:lvl8pPr>
+    <a:lvl9pPr marL="3657600" algn="l" defTabSz="914400" rtl="0" eaLnBrk="1" latinLnBrk="0" hangingPunct="1">
+      <a:defRPr sz="1200" kern="1200">
+        <a:solidFill>
+          <a:schemeClr val="tx1"/>
+        </a:solidFill>
+        <a:latin typeface="+mn-lt"/>
+        <a:ea typeface="+mn-ea"/>
+        <a:cs typeface="+mn-cs"/>
+      </a:defRPr>
+    </a:lvl9pPr>
+  </p:notesStyle>
+</p:notesMaster>
+</file>
+
+<file path=ppt/notesSlides/notesSlide1.xml><?xml version="1.0" encoding="utf-8"?>
+<p:notes xmlns:a="http://schemas.openxmlformats.org/drawingml/2006/main" xmlns:r="http://schemas.openxmlformats.org/officeDocument/2006/relationships" xmlns:p="http://schemas.openxmlformats.org/presentationml/2006/main">
+  <p:cSld>
+    <p:spTree>
+      <p:nvGrpSpPr>
+        <p:cNvPr id="1" name=""/>
+        <p:cNvGrpSpPr/>
+        <p:nvPr/>
+      </p:nvGrpSpPr>
+      <p:grpSpPr>
+        <a:xfrm>
+          <a:off x="0" y="0"/>
+          <a:ext cx="0" cy="0"/>
+          <a:chOff x="0" y="0"/>
+          <a:chExt cx="0" cy="0"/>
+        </a:xfrm>
+      </p:grpSpPr>
+      <p:sp>
+        <p:nvSpPr>
+          <p:cNvPr id="2" name="Slide Image Placeholder 1"/>
+          <p:cNvSpPr>
+            <a:spLocks noGrp="1" noRot="1" noChangeAspect="1"/>
+          </p:cNvSpPr>
+          <p:nvPr>
+            <p:ph type="sldImg"/>
+          </p:nvPr>
+        </p:nvSpPr>
+        <p:spPr/>
+      </p:sp>
+      <p:sp>
+        <p:nvSpPr>
+          <p:cNvPr id="3" name="Notes Placeholder 2"/>
+          <p:cNvSpPr>
+            <a:spLocks noGrp="1"/>
+          </p:cNvSpPr>
+          <p:nvPr>
+            <p:ph type="body" idx="1"/>
+          </p:nvPr>
+        </p:nvSpPr>
+        <p:spPr/>
+        <p:txBody>
+          <a:bodyPr/>
+          <a:lstStyle/>
+          <a:p>
+            <a:endParaRPr lang="en-IN" dirty="0"/>
+          </a:p>
+        </p:txBody>
+      </p:sp>
+      <p:sp>
+        <p:nvSpPr>
+          <p:cNvPr id="4" name="Slide Number Placeholder 3"/>
+          <p:cNvSpPr>
+            <a:spLocks noGrp="1"/>
+          </p:cNvSpPr>
+          <p:nvPr>
+            <p:ph type="sldNum" sz="quarter" idx="5"/>
+          </p:nvPr>
+        </p:nvSpPr>
+        <p:spPr/>
+        <p:txBody>
+          <a:bodyPr/>
+          <a:lstStyle/>
+          <a:p>
+            <a:fld id="{D9013E9C-26B8-4414-9AFD-BF19A6467B90}" type="slidenum">
+              <a:rPr lang="en-IN" smtClean="0"/>
+              <a:t>1</a:t>
+            </a:fld>
+            <a:endParaRPr lang="en-IN"/>
+          </a:p>
+        </p:txBody>
+      </p:sp>
+    </p:spTree>
+    <p:extLst>
+      <p:ext uri="{BB962C8B-B14F-4D97-AF65-F5344CB8AC3E}">
+        <p14:creationId xmlns:p14="http://schemas.microsoft.com/office/powerpoint/2010/main" val="601917036"/>
+      </p:ext>
+    </p:extLst>
+  </p:cSld>
+  <p:clrMapOvr>
+    <a:masterClrMapping/>
+  </p:clrMapOvr>
+</p:notes>
+</file>
+
 <file path=ppt/slideLayouts/slideLayout1.xml><?xml version="1.0" encoding="utf-8"?>
-<p:sldLayout xmlns:a="http://schemas.openxmlformats.org/drawingml/2006/main" xmlns:r="http://schemas.openxmlformats.org/officeDocument/2006/relationships" xmlns:p="http://schemas.openxmlformats.org/presentationml/2006/main" type="title" preserve="1">
+<p:sldLayout xmlns:a="http://schemas.openxmlformats.org/drawingml/2006/main" xmlns:r="http://schemas.openxmlformats.org/officeDocument/2006/relationships" xmlns:p="http://schemas.openxmlformats.org/presentationml/2006/main" showMasterSp="0" type="title" preserve="1">
   <p:cSld name="Title Slide">
     <p:spTree>
       <p:nvGrpSpPr>
@@ -129,15 +866,322 @@
           <a:chExt cx="0" cy="0"/>
         </a:xfrm>
       </p:grpSpPr>
-      <p:sp>
-        <p:nvSpPr>
-          <p:cNvPr id="2" name="Title 1">
-            <a:extLst>
-              <a:ext uri="{FF2B5EF4-FFF2-40B4-BE49-F238E27FC236}">
-                <a16:creationId xmlns:a16="http://schemas.microsoft.com/office/drawing/2014/main" id="{676AC2C9-65B4-FE44-F0E9-45D7852A6533}"/>
-              </a:ext>
-            </a:extLst>
-          </p:cNvPr>
+      <p:grpSp>
+        <p:nvGrpSpPr>
+          <p:cNvPr id="19" name="Group 18"/>
+          <p:cNvGrpSpPr/>
+          <p:nvPr/>
+        </p:nvGrpSpPr>
+        <p:grpSpPr>
+          <a:xfrm>
+            <a:off x="546100" y="-4763"/>
+            <a:ext cx="5014912" cy="6862763"/>
+            <a:chOff x="2928938" y="-4763"/>
+            <a:chExt cx="5014912" cy="6862763"/>
+          </a:xfrm>
+        </p:grpSpPr>
+        <p:sp>
+          <p:nvSpPr>
+            <p:cNvPr id="22" name="Freeform 6"/>
+            <p:cNvSpPr/>
+            <p:nvPr/>
+          </p:nvSpPr>
+          <p:spPr bwMode="auto">
+            <a:xfrm>
+              <a:off x="3367088" y="-4763"/>
+              <a:ext cx="1063625" cy="2782888"/>
+            </a:xfrm>
+            <a:custGeom>
+              <a:avLst/>
+              <a:gdLst/>
+              <a:ahLst/>
+              <a:cxnLst/>
+              <a:rect l="0" t="0" r="r" b="b"/>
+              <a:pathLst>
+                <a:path w="670" h="1753">
+                  <a:moveTo>
+                    <a:pt x="0" y="1696"/>
+                  </a:moveTo>
+                  <a:lnTo>
+                    <a:pt x="225" y="1753"/>
+                  </a:lnTo>
+                  <a:lnTo>
+                    <a:pt x="670" y="0"/>
+                  </a:lnTo>
+                  <a:lnTo>
+                    <a:pt x="430" y="0"/>
+                  </a:lnTo>
+                  <a:lnTo>
+                    <a:pt x="0" y="1696"/>
+                  </a:lnTo>
+                  <a:close/>
+                </a:path>
+              </a:pathLst>
+            </a:custGeom>
+            <a:solidFill>
+              <a:schemeClr val="accent1"/>
+            </a:solidFill>
+            <a:ln>
+              <a:noFill/>
+            </a:ln>
+          </p:spPr>
+        </p:sp>
+        <p:sp>
+          <p:nvSpPr>
+            <p:cNvPr id="23" name="Freeform 7"/>
+            <p:cNvSpPr/>
+            <p:nvPr/>
+          </p:nvSpPr>
+          <p:spPr bwMode="auto">
+            <a:xfrm>
+              <a:off x="2928938" y="-4763"/>
+              <a:ext cx="1035050" cy="2673350"/>
+            </a:xfrm>
+            <a:custGeom>
+              <a:avLst/>
+              <a:gdLst/>
+              <a:ahLst/>
+              <a:cxnLst/>
+              <a:rect l="0" t="0" r="r" b="b"/>
+              <a:pathLst>
+                <a:path w="652" h="1684">
+                  <a:moveTo>
+                    <a:pt x="225" y="1684"/>
+                  </a:moveTo>
+                  <a:lnTo>
+                    <a:pt x="652" y="0"/>
+                  </a:lnTo>
+                  <a:lnTo>
+                    <a:pt x="411" y="0"/>
+                  </a:lnTo>
+                  <a:lnTo>
+                    <a:pt x="0" y="1627"/>
+                  </a:lnTo>
+                  <a:lnTo>
+                    <a:pt x="219" y="1681"/>
+                  </a:lnTo>
+                  <a:lnTo>
+                    <a:pt x="225" y="1684"/>
+                  </a:lnTo>
+                  <a:close/>
+                </a:path>
+              </a:pathLst>
+            </a:custGeom>
+            <a:solidFill>
+              <a:schemeClr val="tx1">
+                <a:lumMod val="65000"/>
+                <a:lumOff val="35000"/>
+              </a:schemeClr>
+            </a:solidFill>
+            <a:ln>
+              <a:noFill/>
+            </a:ln>
+          </p:spPr>
+        </p:sp>
+        <p:sp>
+          <p:nvSpPr>
+            <p:cNvPr id="24" name="Freeform 9"/>
+            <p:cNvSpPr/>
+            <p:nvPr/>
+          </p:nvSpPr>
+          <p:spPr bwMode="auto">
+            <a:xfrm>
+              <a:off x="2928938" y="2582862"/>
+              <a:ext cx="2693987" cy="4275138"/>
+            </a:xfrm>
+            <a:custGeom>
+              <a:avLst/>
+              <a:gdLst/>
+              <a:ahLst/>
+              <a:cxnLst/>
+              <a:rect l="0" t="0" r="r" b="b"/>
+              <a:pathLst>
+                <a:path w="1697" h="2693">
+                  <a:moveTo>
+                    <a:pt x="0" y="0"/>
+                  </a:moveTo>
+                  <a:lnTo>
+                    <a:pt x="1622" y="2693"/>
+                  </a:lnTo>
+                  <a:lnTo>
+                    <a:pt x="1697" y="2693"/>
+                  </a:lnTo>
+                  <a:lnTo>
+                    <a:pt x="0" y="0"/>
+                  </a:lnTo>
+                  <a:close/>
+                </a:path>
+              </a:pathLst>
+            </a:custGeom>
+            <a:solidFill>
+              <a:schemeClr val="tx1">
+                <a:lumMod val="85000"/>
+                <a:lumOff val="15000"/>
+              </a:schemeClr>
+            </a:solidFill>
+            <a:ln>
+              <a:noFill/>
+            </a:ln>
+          </p:spPr>
+        </p:sp>
+        <p:sp>
+          <p:nvSpPr>
+            <p:cNvPr id="25" name="Freeform 10"/>
+            <p:cNvSpPr/>
+            <p:nvPr/>
+          </p:nvSpPr>
+          <p:spPr bwMode="auto">
+            <a:xfrm>
+              <a:off x="3371850" y="2692400"/>
+              <a:ext cx="3332162" cy="4165600"/>
+            </a:xfrm>
+            <a:custGeom>
+              <a:avLst/>
+              <a:gdLst/>
+              <a:ahLst/>
+              <a:cxnLst/>
+              <a:rect l="0" t="0" r="r" b="b"/>
+              <a:pathLst>
+                <a:path w="2099" h="2624">
+                  <a:moveTo>
+                    <a:pt x="2099" y="2624"/>
+                  </a:moveTo>
+                  <a:lnTo>
+                    <a:pt x="0" y="0"/>
+                  </a:lnTo>
+                  <a:lnTo>
+                    <a:pt x="2021" y="2624"/>
+                  </a:lnTo>
+                  <a:lnTo>
+                    <a:pt x="2099" y="2624"/>
+                  </a:lnTo>
+                  <a:close/>
+                </a:path>
+              </a:pathLst>
+            </a:custGeom>
+            <a:solidFill>
+              <a:schemeClr val="accent1">
+                <a:lumMod val="50000"/>
+              </a:schemeClr>
+            </a:solidFill>
+            <a:ln>
+              <a:noFill/>
+            </a:ln>
+          </p:spPr>
+        </p:sp>
+        <p:sp>
+          <p:nvSpPr>
+            <p:cNvPr id="26" name="Freeform 11"/>
+            <p:cNvSpPr/>
+            <p:nvPr/>
+          </p:nvSpPr>
+          <p:spPr bwMode="auto">
+            <a:xfrm>
+              <a:off x="3367088" y="2687637"/>
+              <a:ext cx="4576762" cy="4170363"/>
+            </a:xfrm>
+            <a:custGeom>
+              <a:avLst/>
+              <a:gdLst/>
+              <a:ahLst/>
+              <a:cxnLst/>
+              <a:rect l="0" t="0" r="r" b="b"/>
+              <a:pathLst>
+                <a:path w="2883" h="2627">
+                  <a:moveTo>
+                    <a:pt x="0" y="0"/>
+                  </a:moveTo>
+                  <a:lnTo>
+                    <a:pt x="3" y="3"/>
+                  </a:lnTo>
+                  <a:lnTo>
+                    <a:pt x="2102" y="2627"/>
+                  </a:lnTo>
+                  <a:lnTo>
+                    <a:pt x="2883" y="2627"/>
+                  </a:lnTo>
+                  <a:lnTo>
+                    <a:pt x="225" y="57"/>
+                  </a:lnTo>
+                  <a:lnTo>
+                    <a:pt x="0" y="0"/>
+                  </a:lnTo>
+                  <a:close/>
+                </a:path>
+              </a:pathLst>
+            </a:custGeom>
+            <a:solidFill>
+              <a:schemeClr val="accent1">
+                <a:lumMod val="75000"/>
+              </a:schemeClr>
+            </a:solidFill>
+            <a:ln>
+              <a:noFill/>
+            </a:ln>
+          </p:spPr>
+        </p:sp>
+        <p:sp>
+          <p:nvSpPr>
+            <p:cNvPr id="27" name="Freeform 12"/>
+            <p:cNvSpPr/>
+            <p:nvPr/>
+          </p:nvSpPr>
+          <p:spPr bwMode="auto">
+            <a:xfrm>
+              <a:off x="2928938" y="2578100"/>
+              <a:ext cx="3584575" cy="4279900"/>
+            </a:xfrm>
+            <a:custGeom>
+              <a:avLst/>
+              <a:gdLst/>
+              <a:ahLst/>
+              <a:cxnLst/>
+              <a:rect l="0" t="0" r="r" b="b"/>
+              <a:pathLst>
+                <a:path w="2258" h="2696">
+                  <a:moveTo>
+                    <a:pt x="2258" y="2696"/>
+                  </a:moveTo>
+                  <a:lnTo>
+                    <a:pt x="264" y="111"/>
+                  </a:lnTo>
+                  <a:lnTo>
+                    <a:pt x="228" y="60"/>
+                  </a:lnTo>
+                  <a:lnTo>
+                    <a:pt x="225" y="57"/>
+                  </a:lnTo>
+                  <a:lnTo>
+                    <a:pt x="0" y="0"/>
+                  </a:lnTo>
+                  <a:lnTo>
+                    <a:pt x="0" y="3"/>
+                  </a:lnTo>
+                  <a:lnTo>
+                    <a:pt x="1697" y="2696"/>
+                  </a:lnTo>
+                  <a:lnTo>
+                    <a:pt x="2258" y="2696"/>
+                  </a:lnTo>
+                  <a:close/>
+                </a:path>
+              </a:pathLst>
+            </a:custGeom>
+            <a:solidFill>
+              <a:schemeClr val="tx1">
+                <a:lumMod val="75000"/>
+                <a:lumOff val="25000"/>
+              </a:schemeClr>
+            </a:solidFill>
+            <a:ln>
+              <a:noFill/>
+            </a:ln>
+          </p:spPr>
+        </p:sp>
+      </p:grpSp>
+      <p:sp>
+        <p:nvSpPr>
+          <p:cNvPr id="2" name="Title 1"/>
           <p:cNvSpPr>
             <a:spLocks noGrp="1"/>
           </p:cNvSpPr>
@@ -147,15 +1191,19 @@
         </p:nvSpPr>
         <p:spPr>
           <a:xfrm>
-            <a:off x="1524000" y="1122363"/>
-            <a:ext cx="9144000" cy="2387600"/>
+            <a:off x="2928401" y="1380068"/>
+            <a:ext cx="8574622" cy="2616199"/>
           </a:xfrm>
         </p:spPr>
         <p:txBody>
-          <a:bodyPr anchor="b"/>
+          <a:bodyPr anchor="b">
+            <a:normAutofit/>
+          </a:bodyPr>
           <a:lstStyle>
-            <a:lvl1pPr algn="ctr">
-              <a:defRPr sz="6000"/>
+            <a:lvl1pPr algn="r">
+              <a:defRPr sz="6000">
+                <a:effectLst/>
+              </a:defRPr>
             </a:lvl1pPr>
           </a:lstStyle>
           <a:p>
@@ -163,19 +1211,13 @@
               <a:rPr lang="en-US"/>
               <a:t>Click to edit Master title style</a:t>
             </a:r>
-            <a:endParaRPr lang="en-IN"/>
-          </a:p>
-        </p:txBody>
-      </p:sp>
-      <p:sp>
-        <p:nvSpPr>
-          <p:cNvPr id="3" name="Subtitle 2">
-            <a:extLst>
-              <a:ext uri="{FF2B5EF4-FFF2-40B4-BE49-F238E27FC236}">
-                <a16:creationId xmlns:a16="http://schemas.microsoft.com/office/drawing/2014/main" id="{04C9269A-E66B-5BCF-6AA3-F97D6F71B85B}"/>
-              </a:ext>
-            </a:extLst>
-          </p:cNvPr>
+            <a:endParaRPr lang="en-US" dirty="0"/>
+          </a:p>
+        </p:txBody>
+      </p:sp>
+      <p:sp>
+        <p:nvSpPr>
+          <p:cNvPr id="3" name="Subtitle 2"/>
           <p:cNvSpPr>
             <a:spLocks noGrp="1"/>
           </p:cNvSpPr>
@@ -185,48 +1227,102 @@
         </p:nvSpPr>
         <p:spPr>
           <a:xfrm>
-            <a:off x="1524000" y="3602038"/>
-            <a:ext cx="9144000" cy="1655762"/>
+            <a:off x="4515377" y="3996267"/>
+            <a:ext cx="6987645" cy="1388534"/>
           </a:xfrm>
         </p:spPr>
         <p:txBody>
-          <a:bodyPr/>
+          <a:bodyPr anchor="t">
+            <a:normAutofit/>
+          </a:bodyPr>
           <a:lstStyle>
-            <a:lvl1pPr marL="0" indent="0" algn="ctr">
-              <a:buNone/>
-              <a:defRPr sz="2400"/>
+            <a:lvl1pPr marL="0" indent="0" algn="r">
+              <a:buNone/>
+              <a:defRPr sz="2100">
+                <a:solidFill>
+                  <a:schemeClr val="tx1"/>
+                </a:solidFill>
+              </a:defRPr>
             </a:lvl1pPr>
             <a:lvl2pPr marL="457200" indent="0" algn="ctr">
               <a:buNone/>
-              <a:defRPr sz="2000"/>
+              <a:defRPr>
+                <a:solidFill>
+                  <a:schemeClr val="tx1">
+                    <a:tint val="75000"/>
+                  </a:schemeClr>
+                </a:solidFill>
+              </a:defRPr>
             </a:lvl2pPr>
             <a:lvl3pPr marL="914400" indent="0" algn="ctr">
               <a:buNone/>
-              <a:defRPr sz="1800"/>
+              <a:defRPr>
+                <a:solidFill>
+                  <a:schemeClr val="tx1">
+                    <a:tint val="75000"/>
+                  </a:schemeClr>
+                </a:solidFill>
+              </a:defRPr>
             </a:lvl3pPr>
             <a:lvl4pPr marL="1371600" indent="0" algn="ctr">
               <a:buNone/>
-              <a:defRPr sz="1600"/>
+              <a:defRPr>
+                <a:solidFill>
+                  <a:schemeClr val="tx1">
+                    <a:tint val="75000"/>
+                  </a:schemeClr>
+                </a:solidFill>
+              </a:defRPr>
             </a:lvl4pPr>
             <a:lvl5pPr marL="1828800" indent="0" algn="ctr">
               <a:buNone/>
-              <a:defRPr sz="1600"/>
+              <a:defRPr>
+                <a:solidFill>
+                  <a:schemeClr val="tx1">
+                    <a:tint val="75000"/>
+                  </a:schemeClr>
+                </a:solidFill>
+              </a:defRPr>
             </a:lvl5pPr>
             <a:lvl6pPr marL="2286000" indent="0" algn="ctr">
               <a:buNone/>
-              <a:defRPr sz="1600"/>
+              <a:defRPr>
+                <a:solidFill>
+                  <a:schemeClr val="tx1">
+                    <a:tint val="75000"/>
+                  </a:schemeClr>
+                </a:solidFill>
+              </a:defRPr>
             </a:lvl6pPr>
             <a:lvl7pPr marL="2743200" indent="0" algn="ctr">
               <a:buNone/>
-              <a:defRPr sz="1600"/>
+              <a:defRPr>
+                <a:solidFill>
+                  <a:schemeClr val="tx1">
+                    <a:tint val="75000"/>
+                  </a:schemeClr>
+                </a:solidFill>
+              </a:defRPr>
             </a:lvl7pPr>
             <a:lvl8pPr marL="3200400" indent="0" algn="ctr">
               <a:buNone/>
-              <a:defRPr sz="1600"/>
+              <a:defRPr>
+                <a:solidFill>
+                  <a:schemeClr val="tx1">
+                    <a:tint val="75000"/>
+                  </a:schemeClr>
+                </a:solidFill>
+              </a:defRPr>
             </a:lvl8pPr>
             <a:lvl9pPr marL="3657600" indent="0" algn="ctr">
               <a:buNone/>
-              <a:defRPr sz="1600"/>
+              <a:defRPr>
+                <a:solidFill>
+                  <a:schemeClr val="tx1">
+                    <a:tint val="75000"/>
+                  </a:schemeClr>
+                </a:solidFill>
+              </a:defRPr>
             </a:lvl9pPr>
           </a:lstStyle>
           <a:p>
@@ -234,19 +1330,13 @@
               <a:rPr lang="en-US"/>
               <a:t>Click to edit Master subtitle style</a:t>
             </a:r>
-            <a:endParaRPr lang="en-IN"/>
-          </a:p>
-        </p:txBody>
-      </p:sp>
-      <p:sp>
-        <p:nvSpPr>
-          <p:cNvPr id="4" name="Date Placeholder 3">
-            <a:extLst>
-              <a:ext uri="{FF2B5EF4-FFF2-40B4-BE49-F238E27FC236}">
-                <a16:creationId xmlns:a16="http://schemas.microsoft.com/office/drawing/2014/main" id="{059C3259-F0C9-2E50-8159-CB7A60D0E394}"/>
-              </a:ext>
-            </a:extLst>
-          </p:cNvPr>
+            <a:endParaRPr lang="en-US" dirty="0"/>
+          </a:p>
+        </p:txBody>
+      </p:sp>
+      <p:sp>
+        <p:nvSpPr>
+          <p:cNvPr id="4" name="Date Placeholder 3"/>
           <p:cNvSpPr>
             <a:spLocks noGrp="1"/>
           </p:cNvSpPr>
@@ -269,13 +1359,7 @@
       </p:sp>
       <p:sp>
         <p:nvSpPr>
-          <p:cNvPr id="5" name="Footer Placeholder 4">
-            <a:extLst>
-              <a:ext uri="{FF2B5EF4-FFF2-40B4-BE49-F238E27FC236}">
-                <a16:creationId xmlns:a16="http://schemas.microsoft.com/office/drawing/2014/main" id="{425593BA-B3D3-CC76-5FCB-3027E47C1617}"/>
-              </a:ext>
-            </a:extLst>
-          </p:cNvPr>
+          <p:cNvPr id="5" name="Footer Placeholder 4"/>
           <p:cNvSpPr>
             <a:spLocks noGrp="1"/>
           </p:cNvSpPr>
@@ -283,7 +1367,12 @@
             <p:ph type="ftr" sz="quarter" idx="11"/>
           </p:nvPr>
         </p:nvSpPr>
-        <p:spPr/>
+        <p:spPr>
+          <a:xfrm>
+            <a:off x="5332412" y="5883275"/>
+            <a:ext cx="4324044" cy="365125"/>
+          </a:xfrm>
+        </p:spPr>
         <p:txBody>
           <a:bodyPr/>
           <a:lstStyle/>
@@ -294,13 +1383,7 @@
       </p:sp>
       <p:sp>
         <p:nvSpPr>
-          <p:cNvPr id="6" name="Slide Number Placeholder 5">
-            <a:extLst>
-              <a:ext uri="{FF2B5EF4-FFF2-40B4-BE49-F238E27FC236}">
-                <a16:creationId xmlns:a16="http://schemas.microsoft.com/office/drawing/2014/main" id="{1ACA94FB-3D2B-9EF3-840F-50FEB55698F2}"/>
-              </a:ext>
-            </a:extLst>
-          </p:cNvPr>
+          <p:cNvPr id="6" name="Slide Number Placeholder 5"/>
           <p:cNvSpPr>
             <a:spLocks noGrp="1"/>
           </p:cNvSpPr>
@@ -324,7 +1407,7 @@
     </p:spTree>
     <p:extLst>
       <p:ext uri="{BB962C8B-B14F-4D97-AF65-F5344CB8AC3E}">
-        <p14:creationId xmlns:p14="http://schemas.microsoft.com/office/powerpoint/2010/main" val="3421509033"/>
+        <p14:creationId xmlns:p14="http://schemas.microsoft.com/office/powerpoint/2010/main" val="154636980"/>
       </p:ext>
     </p:extLst>
   </p:cSld>
@@ -335,6 +1418,2162 @@
 </file>
 
 <file path=ppt/slideLayouts/slideLayout10.xml><?xml version="1.0" encoding="utf-8"?>
+<p:sldLayout xmlns:a="http://schemas.openxmlformats.org/drawingml/2006/main" xmlns:r="http://schemas.openxmlformats.org/officeDocument/2006/relationships" xmlns:p="http://schemas.openxmlformats.org/presentationml/2006/main" preserve="1">
+  <p:cSld name="Panoramic Picture with Caption">
+    <p:spTree>
+      <p:nvGrpSpPr>
+        <p:cNvPr id="1" name=""/>
+        <p:cNvGrpSpPr/>
+        <p:nvPr/>
+      </p:nvGrpSpPr>
+      <p:grpSpPr>
+        <a:xfrm>
+          <a:off x="0" y="0"/>
+          <a:ext cx="0" cy="0"/>
+          <a:chOff x="0" y="0"/>
+          <a:chExt cx="0" cy="0"/>
+        </a:xfrm>
+      </p:grpSpPr>
+      <p:sp>
+        <p:nvSpPr>
+          <p:cNvPr id="2" name="Title 1"/>
+          <p:cNvSpPr>
+            <a:spLocks noGrp="1"/>
+          </p:cNvSpPr>
+          <p:nvPr>
+            <p:ph type="title"/>
+          </p:nvPr>
+        </p:nvSpPr>
+        <p:spPr>
+          <a:xfrm>
+            <a:off x="1484311" y="4732865"/>
+            <a:ext cx="10018711" cy="566738"/>
+          </a:xfrm>
+        </p:spPr>
+        <p:txBody>
+          <a:bodyPr anchor="b">
+            <a:normAutofit/>
+          </a:bodyPr>
+          <a:lstStyle>
+            <a:lvl1pPr algn="ctr">
+              <a:defRPr sz="2400" b="0"/>
+            </a:lvl1pPr>
+          </a:lstStyle>
+          <a:p>
+            <a:r>
+              <a:rPr lang="en-US"/>
+              <a:t>Click to edit Master title style</a:t>
+            </a:r>
+            <a:endParaRPr lang="en-US" dirty="0"/>
+          </a:p>
+        </p:txBody>
+      </p:sp>
+      <p:sp>
+        <p:nvSpPr>
+          <p:cNvPr id="3" name="Picture Placeholder 2"/>
+          <p:cNvSpPr>
+            <a:spLocks noGrp="1" noChangeAspect="1"/>
+          </p:cNvSpPr>
+          <p:nvPr>
+            <p:ph type="pic" idx="1"/>
+          </p:nvPr>
+        </p:nvSpPr>
+        <p:spPr>
+          <a:xfrm>
+            <a:off x="2386012" y="932112"/>
+            <a:ext cx="8225944" cy="3164976"/>
+          </a:xfrm>
+          <a:prstGeom prst="roundRect">
+            <a:avLst>
+              <a:gd name="adj" fmla="val 4380"/>
+            </a:avLst>
+          </a:prstGeom>
+          <a:ln w="38100">
+            <a:gradFill flip="none" rotWithShape="1">
+              <a:gsLst>
+                <a:gs pos="0">
+                  <a:schemeClr val="bg2"/>
+                </a:gs>
+                <a:gs pos="100000">
+                  <a:schemeClr val="bg2">
+                    <a:lumMod val="75000"/>
+                  </a:schemeClr>
+                </a:gs>
+              </a:gsLst>
+              <a:lin ang="5400000" scaled="0"/>
+              <a:tileRect/>
+            </a:gradFill>
+          </a:ln>
+          <a:effectLst>
+            <a:innerShdw blurRad="57150" dist="38100" dir="14460000">
+              <a:srgbClr val="000000">
+                <a:alpha val="70000"/>
+              </a:srgbClr>
+            </a:innerShdw>
+          </a:effectLst>
+        </p:spPr>
+        <p:txBody>
+          <a:bodyPr anchor="t">
+            <a:normAutofit/>
+          </a:bodyPr>
+          <a:lstStyle>
+            <a:lvl1pPr marL="0" indent="0" algn="ctr">
+              <a:buNone/>
+              <a:defRPr sz="1600"/>
+            </a:lvl1pPr>
+            <a:lvl2pPr marL="457200" indent="0">
+              <a:buNone/>
+              <a:defRPr sz="1600"/>
+            </a:lvl2pPr>
+            <a:lvl3pPr marL="914400" indent="0">
+              <a:buNone/>
+              <a:defRPr sz="1600"/>
+            </a:lvl3pPr>
+            <a:lvl4pPr marL="1371600" indent="0">
+              <a:buNone/>
+              <a:defRPr sz="1600"/>
+            </a:lvl4pPr>
+            <a:lvl5pPr marL="1828800" indent="0">
+              <a:buNone/>
+              <a:defRPr sz="1600"/>
+            </a:lvl5pPr>
+            <a:lvl6pPr marL="2286000" indent="0">
+              <a:buNone/>
+              <a:defRPr sz="1600"/>
+            </a:lvl6pPr>
+            <a:lvl7pPr marL="2743200" indent="0">
+              <a:buNone/>
+              <a:defRPr sz="1600"/>
+            </a:lvl7pPr>
+            <a:lvl8pPr marL="3200400" indent="0">
+              <a:buNone/>
+              <a:defRPr sz="1600"/>
+            </a:lvl8pPr>
+            <a:lvl9pPr marL="3657600" indent="0">
+              <a:buNone/>
+              <a:defRPr sz="1600"/>
+            </a:lvl9pPr>
+          </a:lstStyle>
+          <a:p>
+            <a:r>
+              <a:rPr lang="en-US"/>
+              <a:t>Click icon to add picture</a:t>
+            </a:r>
+            <a:endParaRPr lang="en-US" dirty="0"/>
+          </a:p>
+        </p:txBody>
+      </p:sp>
+      <p:sp>
+        <p:nvSpPr>
+          <p:cNvPr id="4" name="Text Placeholder 3"/>
+          <p:cNvSpPr>
+            <a:spLocks noGrp="1"/>
+          </p:cNvSpPr>
+          <p:nvPr>
+            <p:ph type="body" sz="half" idx="2"/>
+          </p:nvPr>
+        </p:nvSpPr>
+        <p:spPr>
+          <a:xfrm>
+            <a:off x="1484311" y="5299603"/>
+            <a:ext cx="10018711" cy="493712"/>
+          </a:xfrm>
+        </p:spPr>
+        <p:txBody>
+          <a:bodyPr>
+            <a:normAutofit/>
+          </a:bodyPr>
+          <a:lstStyle>
+            <a:lvl1pPr marL="0" indent="0" algn="ctr">
+              <a:buNone/>
+              <a:defRPr sz="1400"/>
+            </a:lvl1pPr>
+            <a:lvl2pPr marL="457200" indent="0">
+              <a:buNone/>
+              <a:defRPr sz="1200"/>
+            </a:lvl2pPr>
+            <a:lvl3pPr marL="914400" indent="0">
+              <a:buNone/>
+              <a:defRPr sz="1000"/>
+            </a:lvl3pPr>
+            <a:lvl4pPr marL="1371600" indent="0">
+              <a:buNone/>
+              <a:defRPr sz="900"/>
+            </a:lvl4pPr>
+            <a:lvl5pPr marL="1828800" indent="0">
+              <a:buNone/>
+              <a:defRPr sz="900"/>
+            </a:lvl5pPr>
+            <a:lvl6pPr marL="2286000" indent="0">
+              <a:buNone/>
+              <a:defRPr sz="900"/>
+            </a:lvl6pPr>
+            <a:lvl7pPr marL="2743200" indent="0">
+              <a:buNone/>
+              <a:defRPr sz="900"/>
+            </a:lvl7pPr>
+            <a:lvl8pPr marL="3200400" indent="0">
+              <a:buNone/>
+              <a:defRPr sz="900"/>
+            </a:lvl8pPr>
+            <a:lvl9pPr marL="3657600" indent="0">
+              <a:buNone/>
+              <a:defRPr sz="900"/>
+            </a:lvl9pPr>
+          </a:lstStyle>
+          <a:p>
+            <a:pPr lvl="0"/>
+            <a:r>
+              <a:rPr lang="en-US"/>
+              <a:t>Click to edit Master text styles</a:t>
+            </a:r>
+          </a:p>
+        </p:txBody>
+      </p:sp>
+      <p:sp>
+        <p:nvSpPr>
+          <p:cNvPr id="5" name="Date Placeholder 4"/>
+          <p:cNvSpPr>
+            <a:spLocks noGrp="1"/>
+          </p:cNvSpPr>
+          <p:nvPr>
+            <p:ph type="dt" sz="half" idx="10"/>
+          </p:nvPr>
+        </p:nvSpPr>
+        <p:spPr/>
+        <p:txBody>
+          <a:bodyPr/>
+          <a:lstStyle/>
+          <a:p>
+            <a:fld id="{D0906437-A5E1-4E1B-A09D-BCF0755147BA}" type="datetimeFigureOut">
+              <a:rPr lang="en-IN" smtClean="0"/>
+              <a:t>05-09-2024</a:t>
+            </a:fld>
+            <a:endParaRPr lang="en-IN"/>
+          </a:p>
+        </p:txBody>
+      </p:sp>
+      <p:sp>
+        <p:nvSpPr>
+          <p:cNvPr id="6" name="Footer Placeholder 5"/>
+          <p:cNvSpPr>
+            <a:spLocks noGrp="1"/>
+          </p:cNvSpPr>
+          <p:nvPr>
+            <p:ph type="ftr" sz="quarter" idx="11"/>
+          </p:nvPr>
+        </p:nvSpPr>
+        <p:spPr/>
+        <p:txBody>
+          <a:bodyPr/>
+          <a:lstStyle/>
+          <a:p>
+            <a:endParaRPr lang="en-IN"/>
+          </a:p>
+        </p:txBody>
+      </p:sp>
+      <p:sp>
+        <p:nvSpPr>
+          <p:cNvPr id="7" name="Slide Number Placeholder 6"/>
+          <p:cNvSpPr>
+            <a:spLocks noGrp="1"/>
+          </p:cNvSpPr>
+          <p:nvPr>
+            <p:ph type="sldNum" sz="quarter" idx="12"/>
+          </p:nvPr>
+        </p:nvSpPr>
+        <p:spPr/>
+        <p:txBody>
+          <a:bodyPr/>
+          <a:lstStyle/>
+          <a:p>
+            <a:fld id="{EF5BF3B7-84A1-4624-874C-E65B320A9A32}" type="slidenum">
+              <a:rPr lang="en-IN" smtClean="0"/>
+              <a:t>‹#›</a:t>
+            </a:fld>
+            <a:endParaRPr lang="en-IN"/>
+          </a:p>
+        </p:txBody>
+      </p:sp>
+    </p:spTree>
+    <p:extLst>
+      <p:ext uri="{BB962C8B-B14F-4D97-AF65-F5344CB8AC3E}">
+        <p14:creationId xmlns:p14="http://schemas.microsoft.com/office/powerpoint/2010/main" val="878352928"/>
+      </p:ext>
+    </p:extLst>
+  </p:cSld>
+  <p:clrMapOvr>
+    <a:masterClrMapping/>
+  </p:clrMapOvr>
+</p:sldLayout>
+</file>
+
+<file path=ppt/slideLayouts/slideLayout11.xml><?xml version="1.0" encoding="utf-8"?>
+<p:sldLayout xmlns:a="http://schemas.openxmlformats.org/drawingml/2006/main" xmlns:r="http://schemas.openxmlformats.org/officeDocument/2006/relationships" xmlns:p="http://schemas.openxmlformats.org/presentationml/2006/main" preserve="1">
+  <p:cSld name="Title and Caption">
+    <p:spTree>
+      <p:nvGrpSpPr>
+        <p:cNvPr id="1" name=""/>
+        <p:cNvGrpSpPr/>
+        <p:nvPr/>
+      </p:nvGrpSpPr>
+      <p:grpSpPr>
+        <a:xfrm>
+          <a:off x="0" y="0"/>
+          <a:ext cx="0" cy="0"/>
+          <a:chOff x="0" y="0"/>
+          <a:chExt cx="0" cy="0"/>
+        </a:xfrm>
+      </p:grpSpPr>
+      <p:sp>
+        <p:nvSpPr>
+          <p:cNvPr id="2" name="Title 1"/>
+          <p:cNvSpPr>
+            <a:spLocks noGrp="1"/>
+          </p:cNvSpPr>
+          <p:nvPr>
+            <p:ph type="title"/>
+          </p:nvPr>
+        </p:nvSpPr>
+        <p:spPr>
+          <a:xfrm>
+            <a:off x="1484312" y="685800"/>
+            <a:ext cx="10018711" cy="3048000"/>
+          </a:xfrm>
+        </p:spPr>
+        <p:txBody>
+          <a:bodyPr anchor="ctr">
+            <a:normAutofit/>
+          </a:bodyPr>
+          <a:lstStyle>
+            <a:lvl1pPr algn="ctr">
+              <a:defRPr sz="3200" b="0" cap="none"/>
+            </a:lvl1pPr>
+          </a:lstStyle>
+          <a:p>
+            <a:r>
+              <a:rPr lang="en-US"/>
+              <a:t>Click to edit Master title style</a:t>
+            </a:r>
+            <a:endParaRPr lang="en-US" dirty="0"/>
+          </a:p>
+        </p:txBody>
+      </p:sp>
+      <p:sp>
+        <p:nvSpPr>
+          <p:cNvPr id="3" name="Text Placeholder 2"/>
+          <p:cNvSpPr>
+            <a:spLocks noGrp="1"/>
+          </p:cNvSpPr>
+          <p:nvPr>
+            <p:ph type="body" idx="1"/>
+          </p:nvPr>
+        </p:nvSpPr>
+        <p:spPr>
+          <a:xfrm>
+            <a:off x="1484312" y="4343400"/>
+            <a:ext cx="10018713" cy="1447800"/>
+          </a:xfrm>
+        </p:spPr>
+        <p:txBody>
+          <a:bodyPr anchor="ctr">
+            <a:normAutofit/>
+          </a:bodyPr>
+          <a:lstStyle>
+            <a:lvl1pPr marL="0" indent="0" algn="ctr">
+              <a:buNone/>
+              <a:defRPr sz="2000">
+                <a:solidFill>
+                  <a:schemeClr val="tx1"/>
+                </a:solidFill>
+              </a:defRPr>
+            </a:lvl1pPr>
+            <a:lvl2pPr marL="457200" indent="0">
+              <a:buNone/>
+              <a:defRPr sz="1800">
+                <a:solidFill>
+                  <a:schemeClr val="tx1">
+                    <a:tint val="75000"/>
+                  </a:schemeClr>
+                </a:solidFill>
+              </a:defRPr>
+            </a:lvl2pPr>
+            <a:lvl3pPr marL="914400" indent="0">
+              <a:buNone/>
+              <a:defRPr sz="1600">
+                <a:solidFill>
+                  <a:schemeClr val="tx1">
+                    <a:tint val="75000"/>
+                  </a:schemeClr>
+                </a:solidFill>
+              </a:defRPr>
+            </a:lvl3pPr>
+            <a:lvl4pPr marL="1371600" indent="0">
+              <a:buNone/>
+              <a:defRPr sz="1400">
+                <a:solidFill>
+                  <a:schemeClr val="tx1">
+                    <a:tint val="75000"/>
+                  </a:schemeClr>
+                </a:solidFill>
+              </a:defRPr>
+            </a:lvl4pPr>
+            <a:lvl5pPr marL="1828800" indent="0">
+              <a:buNone/>
+              <a:defRPr sz="1400">
+                <a:solidFill>
+                  <a:schemeClr val="tx1">
+                    <a:tint val="75000"/>
+                  </a:schemeClr>
+                </a:solidFill>
+              </a:defRPr>
+            </a:lvl5pPr>
+            <a:lvl6pPr marL="2286000" indent="0">
+              <a:buNone/>
+              <a:defRPr sz="1400">
+                <a:solidFill>
+                  <a:schemeClr val="tx1">
+                    <a:tint val="75000"/>
+                  </a:schemeClr>
+                </a:solidFill>
+              </a:defRPr>
+            </a:lvl6pPr>
+            <a:lvl7pPr marL="2743200" indent="0">
+              <a:buNone/>
+              <a:defRPr sz="1400">
+                <a:solidFill>
+                  <a:schemeClr val="tx1">
+                    <a:tint val="75000"/>
+                  </a:schemeClr>
+                </a:solidFill>
+              </a:defRPr>
+            </a:lvl7pPr>
+            <a:lvl8pPr marL="3200400" indent="0">
+              <a:buNone/>
+              <a:defRPr sz="1400">
+                <a:solidFill>
+                  <a:schemeClr val="tx1">
+                    <a:tint val="75000"/>
+                  </a:schemeClr>
+                </a:solidFill>
+              </a:defRPr>
+            </a:lvl8pPr>
+            <a:lvl9pPr marL="3657600" indent="0">
+              <a:buNone/>
+              <a:defRPr sz="1400">
+                <a:solidFill>
+                  <a:schemeClr val="tx1">
+                    <a:tint val="75000"/>
+                  </a:schemeClr>
+                </a:solidFill>
+              </a:defRPr>
+            </a:lvl9pPr>
+          </a:lstStyle>
+          <a:p>
+            <a:pPr lvl="0"/>
+            <a:r>
+              <a:rPr lang="en-US"/>
+              <a:t>Click to edit Master text styles</a:t>
+            </a:r>
+          </a:p>
+        </p:txBody>
+      </p:sp>
+      <p:sp>
+        <p:nvSpPr>
+          <p:cNvPr id="4" name="Date Placeholder 3"/>
+          <p:cNvSpPr>
+            <a:spLocks noGrp="1"/>
+          </p:cNvSpPr>
+          <p:nvPr>
+            <p:ph type="dt" sz="half" idx="10"/>
+          </p:nvPr>
+        </p:nvSpPr>
+        <p:spPr/>
+        <p:txBody>
+          <a:bodyPr/>
+          <a:lstStyle/>
+          <a:p>
+            <a:fld id="{D0906437-A5E1-4E1B-A09D-BCF0755147BA}" type="datetimeFigureOut">
+              <a:rPr lang="en-IN" smtClean="0"/>
+              <a:t>05-09-2024</a:t>
+            </a:fld>
+            <a:endParaRPr lang="en-IN"/>
+          </a:p>
+        </p:txBody>
+      </p:sp>
+      <p:sp>
+        <p:nvSpPr>
+          <p:cNvPr id="5" name="Footer Placeholder 4"/>
+          <p:cNvSpPr>
+            <a:spLocks noGrp="1"/>
+          </p:cNvSpPr>
+          <p:nvPr>
+            <p:ph type="ftr" sz="quarter" idx="11"/>
+          </p:nvPr>
+        </p:nvSpPr>
+        <p:spPr/>
+        <p:txBody>
+          <a:bodyPr/>
+          <a:lstStyle/>
+          <a:p>
+            <a:endParaRPr lang="en-IN"/>
+          </a:p>
+        </p:txBody>
+      </p:sp>
+      <p:sp>
+        <p:nvSpPr>
+          <p:cNvPr id="6" name="Slide Number Placeholder 5"/>
+          <p:cNvSpPr>
+            <a:spLocks noGrp="1"/>
+          </p:cNvSpPr>
+          <p:nvPr>
+            <p:ph type="sldNum" sz="quarter" idx="12"/>
+          </p:nvPr>
+        </p:nvSpPr>
+        <p:spPr/>
+        <p:txBody>
+          <a:bodyPr/>
+          <a:lstStyle/>
+          <a:p>
+            <a:fld id="{EF5BF3B7-84A1-4624-874C-E65B320A9A32}" type="slidenum">
+              <a:rPr lang="en-IN" smtClean="0"/>
+              <a:t>‹#›</a:t>
+            </a:fld>
+            <a:endParaRPr lang="en-IN"/>
+          </a:p>
+        </p:txBody>
+      </p:sp>
+    </p:spTree>
+    <p:extLst>
+      <p:ext uri="{BB962C8B-B14F-4D97-AF65-F5344CB8AC3E}">
+        <p14:creationId xmlns:p14="http://schemas.microsoft.com/office/powerpoint/2010/main" val="1975322414"/>
+      </p:ext>
+    </p:extLst>
+  </p:cSld>
+  <p:clrMapOvr>
+    <a:masterClrMapping/>
+  </p:clrMapOvr>
+</p:sldLayout>
+</file>
+
+<file path=ppt/slideLayouts/slideLayout12.xml><?xml version="1.0" encoding="utf-8"?>
+<p:sldLayout xmlns:a="http://schemas.openxmlformats.org/drawingml/2006/main" xmlns:r="http://schemas.openxmlformats.org/officeDocument/2006/relationships" xmlns:p="http://schemas.openxmlformats.org/presentationml/2006/main" preserve="1">
+  <p:cSld name="Quote with Caption">
+    <p:spTree>
+      <p:nvGrpSpPr>
+        <p:cNvPr id="1" name=""/>
+        <p:cNvGrpSpPr/>
+        <p:nvPr/>
+      </p:nvGrpSpPr>
+      <p:grpSpPr>
+        <a:xfrm>
+          <a:off x="0" y="0"/>
+          <a:ext cx="0" cy="0"/>
+          <a:chOff x="0" y="0"/>
+          <a:chExt cx="0" cy="0"/>
+        </a:xfrm>
+      </p:grpSpPr>
+      <p:sp>
+        <p:nvSpPr>
+          <p:cNvPr id="14" name="TextBox 13"/>
+          <p:cNvSpPr txBox="1"/>
+          <p:nvPr/>
+        </p:nvSpPr>
+        <p:spPr>
+          <a:xfrm>
+            <a:off x="1598612" y="863023"/>
+            <a:ext cx="609600" cy="584776"/>
+          </a:xfrm>
+          <a:prstGeom prst="rect">
+            <a:avLst/>
+          </a:prstGeom>
+        </p:spPr>
+        <p:txBody>
+          <a:bodyPr vert="horz" lIns="91440" tIns="45720" rIns="91440" bIns="45720" rtlCol="0" anchor="ctr">
+            <a:noAutofit/>
+          </a:bodyPr>
+          <a:lstStyle>
+            <a:lvl1pPr>
+              <a:spcBef>
+                <a:spcPct val="0"/>
+              </a:spcBef>
+              <a:buNone/>
+              <a:defRPr sz="3200" b="0" cap="all">
+                <a:ln w="3175" cmpd="sng">
+                  <a:noFill/>
+                </a:ln>
+                <a:effectLst>
+                  <a:glow rad="38100">
+                    <a:schemeClr val="bg1">
+                      <a:lumMod val="65000"/>
+                      <a:lumOff val="35000"/>
+                      <a:alpha val="40000"/>
+                    </a:schemeClr>
+                  </a:glow>
+                  <a:outerShdw blurRad="28575" dist="38100" dir="14040000" algn="tl" rotWithShape="0">
+                    <a:srgbClr val="000000">
+                      <a:alpha val="25000"/>
+                    </a:srgbClr>
+                  </a:outerShdw>
+                </a:effectLst>
+              </a:defRPr>
+            </a:lvl1pPr>
+            <a:lvl2pPr>
+              <a:defRPr>
+                <a:solidFill>
+                  <a:schemeClr val="tx2"/>
+                </a:solidFill>
+              </a:defRPr>
+            </a:lvl2pPr>
+            <a:lvl3pPr>
+              <a:defRPr>
+                <a:solidFill>
+                  <a:schemeClr val="tx2"/>
+                </a:solidFill>
+              </a:defRPr>
+            </a:lvl3pPr>
+            <a:lvl4pPr>
+              <a:defRPr>
+                <a:solidFill>
+                  <a:schemeClr val="tx2"/>
+                </a:solidFill>
+              </a:defRPr>
+            </a:lvl4pPr>
+            <a:lvl5pPr>
+              <a:defRPr>
+                <a:solidFill>
+                  <a:schemeClr val="tx2"/>
+                </a:solidFill>
+              </a:defRPr>
+            </a:lvl5pPr>
+            <a:lvl6pPr>
+              <a:defRPr>
+                <a:solidFill>
+                  <a:schemeClr val="tx2"/>
+                </a:solidFill>
+              </a:defRPr>
+            </a:lvl6pPr>
+            <a:lvl7pPr>
+              <a:defRPr>
+                <a:solidFill>
+                  <a:schemeClr val="tx2"/>
+                </a:solidFill>
+              </a:defRPr>
+            </a:lvl7pPr>
+            <a:lvl8pPr>
+              <a:defRPr>
+                <a:solidFill>
+                  <a:schemeClr val="tx2"/>
+                </a:solidFill>
+              </a:defRPr>
+            </a:lvl8pPr>
+            <a:lvl9pPr>
+              <a:defRPr>
+                <a:solidFill>
+                  <a:schemeClr val="tx2"/>
+                </a:solidFill>
+              </a:defRPr>
+            </a:lvl9pPr>
+          </a:lstStyle>
+          <a:p>
+            <a:pPr lvl="0"/>
+            <a:r>
+              <a:rPr lang="en-US" sz="8000" dirty="0">
+                <a:solidFill>
+                  <a:schemeClr val="tx1"/>
+                </a:solidFill>
+                <a:effectLst/>
+              </a:rPr>
+              <a:t>“</a:t>
+            </a:r>
+          </a:p>
+        </p:txBody>
+      </p:sp>
+      <p:sp>
+        <p:nvSpPr>
+          <p:cNvPr id="15" name="TextBox 14"/>
+          <p:cNvSpPr txBox="1"/>
+          <p:nvPr/>
+        </p:nvSpPr>
+        <p:spPr>
+          <a:xfrm>
+            <a:off x="10893425" y="2819399"/>
+            <a:ext cx="609600" cy="584776"/>
+          </a:xfrm>
+          <a:prstGeom prst="rect">
+            <a:avLst/>
+          </a:prstGeom>
+        </p:spPr>
+        <p:txBody>
+          <a:bodyPr vert="horz" lIns="91440" tIns="45720" rIns="91440" bIns="45720" rtlCol="0" anchor="ctr">
+            <a:noAutofit/>
+          </a:bodyPr>
+          <a:lstStyle>
+            <a:lvl1pPr>
+              <a:spcBef>
+                <a:spcPct val="0"/>
+              </a:spcBef>
+              <a:buNone/>
+              <a:defRPr sz="3200" b="0" cap="all">
+                <a:ln w="3175" cmpd="sng">
+                  <a:noFill/>
+                </a:ln>
+                <a:effectLst>
+                  <a:glow rad="38100">
+                    <a:schemeClr val="bg1">
+                      <a:lumMod val="65000"/>
+                      <a:lumOff val="35000"/>
+                      <a:alpha val="40000"/>
+                    </a:schemeClr>
+                  </a:glow>
+                  <a:outerShdw blurRad="28575" dist="38100" dir="14040000" algn="tl" rotWithShape="0">
+                    <a:srgbClr val="000000">
+                      <a:alpha val="25000"/>
+                    </a:srgbClr>
+                  </a:outerShdw>
+                </a:effectLst>
+              </a:defRPr>
+            </a:lvl1pPr>
+            <a:lvl2pPr>
+              <a:defRPr>
+                <a:solidFill>
+                  <a:schemeClr val="tx2"/>
+                </a:solidFill>
+              </a:defRPr>
+            </a:lvl2pPr>
+            <a:lvl3pPr>
+              <a:defRPr>
+                <a:solidFill>
+                  <a:schemeClr val="tx2"/>
+                </a:solidFill>
+              </a:defRPr>
+            </a:lvl3pPr>
+            <a:lvl4pPr>
+              <a:defRPr>
+                <a:solidFill>
+                  <a:schemeClr val="tx2"/>
+                </a:solidFill>
+              </a:defRPr>
+            </a:lvl4pPr>
+            <a:lvl5pPr>
+              <a:defRPr>
+                <a:solidFill>
+                  <a:schemeClr val="tx2"/>
+                </a:solidFill>
+              </a:defRPr>
+            </a:lvl5pPr>
+            <a:lvl6pPr>
+              <a:defRPr>
+                <a:solidFill>
+                  <a:schemeClr val="tx2"/>
+                </a:solidFill>
+              </a:defRPr>
+            </a:lvl6pPr>
+            <a:lvl7pPr>
+              <a:defRPr>
+                <a:solidFill>
+                  <a:schemeClr val="tx2"/>
+                </a:solidFill>
+              </a:defRPr>
+            </a:lvl7pPr>
+            <a:lvl8pPr>
+              <a:defRPr>
+                <a:solidFill>
+                  <a:schemeClr val="tx2"/>
+                </a:solidFill>
+              </a:defRPr>
+            </a:lvl8pPr>
+            <a:lvl9pPr>
+              <a:defRPr>
+                <a:solidFill>
+                  <a:schemeClr val="tx2"/>
+                </a:solidFill>
+              </a:defRPr>
+            </a:lvl9pPr>
+          </a:lstStyle>
+          <a:p>
+            <a:pPr lvl="0" algn="r"/>
+            <a:r>
+              <a:rPr lang="en-US" sz="8000" dirty="0">
+                <a:solidFill>
+                  <a:schemeClr val="tx1"/>
+                </a:solidFill>
+                <a:effectLst/>
+              </a:rPr>
+              <a:t>”</a:t>
+            </a:r>
+          </a:p>
+        </p:txBody>
+      </p:sp>
+      <p:sp>
+        <p:nvSpPr>
+          <p:cNvPr id="2" name="Title 1"/>
+          <p:cNvSpPr>
+            <a:spLocks noGrp="1"/>
+          </p:cNvSpPr>
+          <p:nvPr>
+            <p:ph type="title"/>
+          </p:nvPr>
+        </p:nvSpPr>
+        <p:spPr>
+          <a:xfrm>
+            <a:off x="2208212" y="685800"/>
+            <a:ext cx="8990012" cy="2743199"/>
+          </a:xfrm>
+        </p:spPr>
+        <p:txBody>
+          <a:bodyPr anchor="ctr">
+            <a:normAutofit/>
+          </a:bodyPr>
+          <a:lstStyle>
+            <a:lvl1pPr algn="ctr">
+              <a:defRPr sz="3200" b="0" cap="none">
+                <a:solidFill>
+                  <a:schemeClr val="tx1"/>
+                </a:solidFill>
+              </a:defRPr>
+            </a:lvl1pPr>
+          </a:lstStyle>
+          <a:p>
+            <a:r>
+              <a:rPr lang="en-US"/>
+              <a:t>Click to edit Master title style</a:t>
+            </a:r>
+            <a:endParaRPr lang="en-US" dirty="0"/>
+          </a:p>
+        </p:txBody>
+      </p:sp>
+      <p:sp>
+        <p:nvSpPr>
+          <p:cNvPr id="10" name="Text Placeholder 9"/>
+          <p:cNvSpPr>
+            <a:spLocks noGrp="1"/>
+          </p:cNvSpPr>
+          <p:nvPr>
+            <p:ph type="body" sz="quarter" idx="13"/>
+          </p:nvPr>
+        </p:nvSpPr>
+        <p:spPr>
+          <a:xfrm>
+            <a:off x="2436811" y="3428999"/>
+            <a:ext cx="8532815" cy="381000"/>
+          </a:xfrm>
+        </p:spPr>
+        <p:txBody>
+          <a:bodyPr anchor="ctr">
+            <a:normAutofit/>
+          </a:bodyPr>
+          <a:lstStyle>
+            <a:lvl1pPr marL="0" indent="0">
+              <a:buFontTx/>
+              <a:buNone/>
+              <a:defRPr sz="1800"/>
+            </a:lvl1pPr>
+            <a:lvl2pPr marL="457200" indent="0">
+              <a:buFontTx/>
+              <a:buNone/>
+              <a:defRPr/>
+            </a:lvl2pPr>
+            <a:lvl3pPr marL="914400" indent="0">
+              <a:buFontTx/>
+              <a:buNone/>
+              <a:defRPr/>
+            </a:lvl3pPr>
+            <a:lvl4pPr marL="1371600" indent="0">
+              <a:buFontTx/>
+              <a:buNone/>
+              <a:defRPr/>
+            </a:lvl4pPr>
+            <a:lvl5pPr marL="1828800" indent="0">
+              <a:buFontTx/>
+              <a:buNone/>
+              <a:defRPr/>
+            </a:lvl5pPr>
+          </a:lstStyle>
+          <a:p>
+            <a:pPr lvl="0"/>
+            <a:r>
+              <a:rPr lang="en-US"/>
+              <a:t>Click to edit Master text styles</a:t>
+            </a:r>
+          </a:p>
+        </p:txBody>
+      </p:sp>
+      <p:sp>
+        <p:nvSpPr>
+          <p:cNvPr id="3" name="Text Placeholder 2"/>
+          <p:cNvSpPr>
+            <a:spLocks noGrp="1"/>
+          </p:cNvSpPr>
+          <p:nvPr>
+            <p:ph type="body" idx="1"/>
+          </p:nvPr>
+        </p:nvSpPr>
+        <p:spPr>
+          <a:xfrm>
+            <a:off x="1484311" y="4343400"/>
+            <a:ext cx="10018711" cy="1447800"/>
+          </a:xfrm>
+        </p:spPr>
+        <p:txBody>
+          <a:bodyPr anchor="ctr">
+            <a:normAutofit/>
+          </a:bodyPr>
+          <a:lstStyle>
+            <a:lvl1pPr marL="0" indent="0" algn="ctr">
+              <a:buNone/>
+              <a:defRPr sz="2000">
+                <a:solidFill>
+                  <a:schemeClr val="tx1"/>
+                </a:solidFill>
+              </a:defRPr>
+            </a:lvl1pPr>
+            <a:lvl2pPr marL="457200" indent="0">
+              <a:buNone/>
+              <a:defRPr sz="1800">
+                <a:solidFill>
+                  <a:schemeClr val="tx1">
+                    <a:tint val="75000"/>
+                  </a:schemeClr>
+                </a:solidFill>
+              </a:defRPr>
+            </a:lvl2pPr>
+            <a:lvl3pPr marL="914400" indent="0">
+              <a:buNone/>
+              <a:defRPr sz="1600">
+                <a:solidFill>
+                  <a:schemeClr val="tx1">
+                    <a:tint val="75000"/>
+                  </a:schemeClr>
+                </a:solidFill>
+              </a:defRPr>
+            </a:lvl3pPr>
+            <a:lvl4pPr marL="1371600" indent="0">
+              <a:buNone/>
+              <a:defRPr sz="1400">
+                <a:solidFill>
+                  <a:schemeClr val="tx1">
+                    <a:tint val="75000"/>
+                  </a:schemeClr>
+                </a:solidFill>
+              </a:defRPr>
+            </a:lvl4pPr>
+            <a:lvl5pPr marL="1828800" indent="0">
+              <a:buNone/>
+              <a:defRPr sz="1400">
+                <a:solidFill>
+                  <a:schemeClr val="tx1">
+                    <a:tint val="75000"/>
+                  </a:schemeClr>
+                </a:solidFill>
+              </a:defRPr>
+            </a:lvl5pPr>
+            <a:lvl6pPr marL="2286000" indent="0">
+              <a:buNone/>
+              <a:defRPr sz="1400">
+                <a:solidFill>
+                  <a:schemeClr val="tx1">
+                    <a:tint val="75000"/>
+                  </a:schemeClr>
+                </a:solidFill>
+              </a:defRPr>
+            </a:lvl6pPr>
+            <a:lvl7pPr marL="2743200" indent="0">
+              <a:buNone/>
+              <a:defRPr sz="1400">
+                <a:solidFill>
+                  <a:schemeClr val="tx1">
+                    <a:tint val="75000"/>
+                  </a:schemeClr>
+                </a:solidFill>
+              </a:defRPr>
+            </a:lvl7pPr>
+            <a:lvl8pPr marL="3200400" indent="0">
+              <a:buNone/>
+              <a:defRPr sz="1400">
+                <a:solidFill>
+                  <a:schemeClr val="tx1">
+                    <a:tint val="75000"/>
+                  </a:schemeClr>
+                </a:solidFill>
+              </a:defRPr>
+            </a:lvl8pPr>
+            <a:lvl9pPr marL="3657600" indent="0">
+              <a:buNone/>
+              <a:defRPr sz="1400">
+                <a:solidFill>
+                  <a:schemeClr val="tx1">
+                    <a:tint val="75000"/>
+                  </a:schemeClr>
+                </a:solidFill>
+              </a:defRPr>
+            </a:lvl9pPr>
+          </a:lstStyle>
+          <a:p>
+            <a:pPr lvl="0"/>
+            <a:r>
+              <a:rPr lang="en-US"/>
+              <a:t>Click to edit Master text styles</a:t>
+            </a:r>
+          </a:p>
+        </p:txBody>
+      </p:sp>
+      <p:sp>
+        <p:nvSpPr>
+          <p:cNvPr id="4" name="Date Placeholder 3"/>
+          <p:cNvSpPr>
+            <a:spLocks noGrp="1"/>
+          </p:cNvSpPr>
+          <p:nvPr>
+            <p:ph type="dt" sz="half" idx="10"/>
+          </p:nvPr>
+        </p:nvSpPr>
+        <p:spPr/>
+        <p:txBody>
+          <a:bodyPr/>
+          <a:lstStyle/>
+          <a:p>
+            <a:fld id="{D0906437-A5E1-4E1B-A09D-BCF0755147BA}" type="datetimeFigureOut">
+              <a:rPr lang="en-IN" smtClean="0"/>
+              <a:t>05-09-2024</a:t>
+            </a:fld>
+            <a:endParaRPr lang="en-IN"/>
+          </a:p>
+        </p:txBody>
+      </p:sp>
+      <p:sp>
+        <p:nvSpPr>
+          <p:cNvPr id="5" name="Footer Placeholder 4"/>
+          <p:cNvSpPr>
+            <a:spLocks noGrp="1"/>
+          </p:cNvSpPr>
+          <p:nvPr>
+            <p:ph type="ftr" sz="quarter" idx="11"/>
+          </p:nvPr>
+        </p:nvSpPr>
+        <p:spPr/>
+        <p:txBody>
+          <a:bodyPr/>
+          <a:lstStyle/>
+          <a:p>
+            <a:endParaRPr lang="en-IN"/>
+          </a:p>
+        </p:txBody>
+      </p:sp>
+      <p:sp>
+        <p:nvSpPr>
+          <p:cNvPr id="6" name="Slide Number Placeholder 5"/>
+          <p:cNvSpPr>
+            <a:spLocks noGrp="1"/>
+          </p:cNvSpPr>
+          <p:nvPr>
+            <p:ph type="sldNum" sz="quarter" idx="12"/>
+          </p:nvPr>
+        </p:nvSpPr>
+        <p:spPr/>
+        <p:txBody>
+          <a:bodyPr/>
+          <a:lstStyle/>
+          <a:p>
+            <a:fld id="{EF5BF3B7-84A1-4624-874C-E65B320A9A32}" type="slidenum">
+              <a:rPr lang="en-IN" smtClean="0"/>
+              <a:t>‹#›</a:t>
+            </a:fld>
+            <a:endParaRPr lang="en-IN"/>
+          </a:p>
+        </p:txBody>
+      </p:sp>
+    </p:spTree>
+    <p:extLst>
+      <p:ext uri="{BB962C8B-B14F-4D97-AF65-F5344CB8AC3E}">
+        <p14:creationId xmlns:p14="http://schemas.microsoft.com/office/powerpoint/2010/main" val="170453617"/>
+      </p:ext>
+    </p:extLst>
+  </p:cSld>
+  <p:clrMapOvr>
+    <a:masterClrMapping/>
+  </p:clrMapOvr>
+</p:sldLayout>
+</file>
+
+<file path=ppt/slideLayouts/slideLayout13.xml><?xml version="1.0" encoding="utf-8"?>
+<p:sldLayout xmlns:a="http://schemas.openxmlformats.org/drawingml/2006/main" xmlns:r="http://schemas.openxmlformats.org/officeDocument/2006/relationships" xmlns:p="http://schemas.openxmlformats.org/presentationml/2006/main" preserve="1">
+  <p:cSld name="Name Card">
+    <p:spTree>
+      <p:nvGrpSpPr>
+        <p:cNvPr id="1" name=""/>
+        <p:cNvGrpSpPr/>
+        <p:nvPr/>
+      </p:nvGrpSpPr>
+      <p:grpSpPr>
+        <a:xfrm>
+          <a:off x="0" y="0"/>
+          <a:ext cx="0" cy="0"/>
+          <a:chOff x="0" y="0"/>
+          <a:chExt cx="0" cy="0"/>
+        </a:xfrm>
+      </p:grpSpPr>
+      <p:sp>
+        <p:nvSpPr>
+          <p:cNvPr id="2" name="Title 1"/>
+          <p:cNvSpPr>
+            <a:spLocks noGrp="1"/>
+          </p:cNvSpPr>
+          <p:nvPr>
+            <p:ph type="title"/>
+          </p:nvPr>
+        </p:nvSpPr>
+        <p:spPr>
+          <a:xfrm>
+            <a:off x="1484313" y="3308581"/>
+            <a:ext cx="10018709" cy="1468800"/>
+          </a:xfrm>
+        </p:spPr>
+        <p:txBody>
+          <a:bodyPr anchor="b">
+            <a:normAutofit/>
+          </a:bodyPr>
+          <a:lstStyle>
+            <a:lvl1pPr algn="r">
+              <a:defRPr sz="3200" b="0" cap="none"/>
+            </a:lvl1pPr>
+          </a:lstStyle>
+          <a:p>
+            <a:r>
+              <a:rPr lang="en-US"/>
+              <a:t>Click to edit Master title style</a:t>
+            </a:r>
+            <a:endParaRPr lang="en-US" dirty="0"/>
+          </a:p>
+        </p:txBody>
+      </p:sp>
+      <p:sp>
+        <p:nvSpPr>
+          <p:cNvPr id="3" name="Text Placeholder 2"/>
+          <p:cNvSpPr>
+            <a:spLocks noGrp="1"/>
+          </p:cNvSpPr>
+          <p:nvPr>
+            <p:ph type="body" idx="1"/>
+          </p:nvPr>
+        </p:nvSpPr>
+        <p:spPr>
+          <a:xfrm>
+            <a:off x="1484312" y="4777381"/>
+            <a:ext cx="10018710" cy="860400"/>
+          </a:xfrm>
+        </p:spPr>
+        <p:txBody>
+          <a:bodyPr anchor="t">
+            <a:normAutofit/>
+          </a:bodyPr>
+          <a:lstStyle>
+            <a:lvl1pPr marL="0" indent="0" algn="r">
+              <a:buNone/>
+              <a:defRPr sz="2000">
+                <a:solidFill>
+                  <a:schemeClr val="tx1"/>
+                </a:solidFill>
+              </a:defRPr>
+            </a:lvl1pPr>
+            <a:lvl2pPr marL="457200" indent="0">
+              <a:buNone/>
+              <a:defRPr sz="1800">
+                <a:solidFill>
+                  <a:schemeClr val="tx1">
+                    <a:tint val="75000"/>
+                  </a:schemeClr>
+                </a:solidFill>
+              </a:defRPr>
+            </a:lvl2pPr>
+            <a:lvl3pPr marL="914400" indent="0">
+              <a:buNone/>
+              <a:defRPr sz="1600">
+                <a:solidFill>
+                  <a:schemeClr val="tx1">
+                    <a:tint val="75000"/>
+                  </a:schemeClr>
+                </a:solidFill>
+              </a:defRPr>
+            </a:lvl3pPr>
+            <a:lvl4pPr marL="1371600" indent="0">
+              <a:buNone/>
+              <a:defRPr sz="1400">
+                <a:solidFill>
+                  <a:schemeClr val="tx1">
+                    <a:tint val="75000"/>
+                  </a:schemeClr>
+                </a:solidFill>
+              </a:defRPr>
+            </a:lvl4pPr>
+            <a:lvl5pPr marL="1828800" indent="0">
+              <a:buNone/>
+              <a:defRPr sz="1400">
+                <a:solidFill>
+                  <a:schemeClr val="tx1">
+                    <a:tint val="75000"/>
+                  </a:schemeClr>
+                </a:solidFill>
+              </a:defRPr>
+            </a:lvl5pPr>
+            <a:lvl6pPr marL="2286000" indent="0">
+              <a:buNone/>
+              <a:defRPr sz="1400">
+                <a:solidFill>
+                  <a:schemeClr val="tx1">
+                    <a:tint val="75000"/>
+                  </a:schemeClr>
+                </a:solidFill>
+              </a:defRPr>
+            </a:lvl6pPr>
+            <a:lvl7pPr marL="2743200" indent="0">
+              <a:buNone/>
+              <a:defRPr sz="1400">
+                <a:solidFill>
+                  <a:schemeClr val="tx1">
+                    <a:tint val="75000"/>
+                  </a:schemeClr>
+                </a:solidFill>
+              </a:defRPr>
+            </a:lvl7pPr>
+            <a:lvl8pPr marL="3200400" indent="0">
+              <a:buNone/>
+              <a:defRPr sz="1400">
+                <a:solidFill>
+                  <a:schemeClr val="tx1">
+                    <a:tint val="75000"/>
+                  </a:schemeClr>
+                </a:solidFill>
+              </a:defRPr>
+            </a:lvl8pPr>
+            <a:lvl9pPr marL="3657600" indent="0">
+              <a:buNone/>
+              <a:defRPr sz="1400">
+                <a:solidFill>
+                  <a:schemeClr val="tx1">
+                    <a:tint val="75000"/>
+                  </a:schemeClr>
+                </a:solidFill>
+              </a:defRPr>
+            </a:lvl9pPr>
+          </a:lstStyle>
+          <a:p>
+            <a:pPr lvl="0"/>
+            <a:r>
+              <a:rPr lang="en-US"/>
+              <a:t>Click to edit Master text styles</a:t>
+            </a:r>
+          </a:p>
+        </p:txBody>
+      </p:sp>
+      <p:sp>
+        <p:nvSpPr>
+          <p:cNvPr id="4" name="Date Placeholder 3"/>
+          <p:cNvSpPr>
+            <a:spLocks noGrp="1"/>
+          </p:cNvSpPr>
+          <p:nvPr>
+            <p:ph type="dt" sz="half" idx="10"/>
+          </p:nvPr>
+        </p:nvSpPr>
+        <p:spPr/>
+        <p:txBody>
+          <a:bodyPr/>
+          <a:lstStyle/>
+          <a:p>
+            <a:fld id="{D0906437-A5E1-4E1B-A09D-BCF0755147BA}" type="datetimeFigureOut">
+              <a:rPr lang="en-IN" smtClean="0"/>
+              <a:t>05-09-2024</a:t>
+            </a:fld>
+            <a:endParaRPr lang="en-IN"/>
+          </a:p>
+        </p:txBody>
+      </p:sp>
+      <p:sp>
+        <p:nvSpPr>
+          <p:cNvPr id="5" name="Footer Placeholder 4"/>
+          <p:cNvSpPr>
+            <a:spLocks noGrp="1"/>
+          </p:cNvSpPr>
+          <p:nvPr>
+            <p:ph type="ftr" sz="quarter" idx="11"/>
+          </p:nvPr>
+        </p:nvSpPr>
+        <p:spPr/>
+        <p:txBody>
+          <a:bodyPr/>
+          <a:lstStyle/>
+          <a:p>
+            <a:endParaRPr lang="en-IN"/>
+          </a:p>
+        </p:txBody>
+      </p:sp>
+      <p:sp>
+        <p:nvSpPr>
+          <p:cNvPr id="6" name="Slide Number Placeholder 5"/>
+          <p:cNvSpPr>
+            <a:spLocks noGrp="1"/>
+          </p:cNvSpPr>
+          <p:nvPr>
+            <p:ph type="sldNum" sz="quarter" idx="12"/>
+          </p:nvPr>
+        </p:nvSpPr>
+        <p:spPr/>
+        <p:txBody>
+          <a:bodyPr/>
+          <a:lstStyle/>
+          <a:p>
+            <a:fld id="{EF5BF3B7-84A1-4624-874C-E65B320A9A32}" type="slidenum">
+              <a:rPr lang="en-IN" smtClean="0"/>
+              <a:t>‹#›</a:t>
+            </a:fld>
+            <a:endParaRPr lang="en-IN"/>
+          </a:p>
+        </p:txBody>
+      </p:sp>
+    </p:spTree>
+    <p:extLst>
+      <p:ext uri="{BB962C8B-B14F-4D97-AF65-F5344CB8AC3E}">
+        <p14:creationId xmlns:p14="http://schemas.microsoft.com/office/powerpoint/2010/main" val="259302237"/>
+      </p:ext>
+    </p:extLst>
+  </p:cSld>
+  <p:clrMapOvr>
+    <a:masterClrMapping/>
+  </p:clrMapOvr>
+</p:sldLayout>
+</file>
+
+<file path=ppt/slideLayouts/slideLayout14.xml><?xml version="1.0" encoding="utf-8"?>
+<p:sldLayout xmlns:a="http://schemas.openxmlformats.org/drawingml/2006/main" xmlns:r="http://schemas.openxmlformats.org/officeDocument/2006/relationships" xmlns:p="http://schemas.openxmlformats.org/presentationml/2006/main" preserve="1">
+  <p:cSld name="Quote Name Card">
+    <p:spTree>
+      <p:nvGrpSpPr>
+        <p:cNvPr id="1" name=""/>
+        <p:cNvGrpSpPr/>
+        <p:nvPr/>
+      </p:nvGrpSpPr>
+      <p:grpSpPr>
+        <a:xfrm>
+          <a:off x="0" y="0"/>
+          <a:ext cx="0" cy="0"/>
+          <a:chOff x="0" y="0"/>
+          <a:chExt cx="0" cy="0"/>
+        </a:xfrm>
+      </p:grpSpPr>
+      <p:sp>
+        <p:nvSpPr>
+          <p:cNvPr id="14" name="TextBox 13"/>
+          <p:cNvSpPr txBox="1"/>
+          <p:nvPr/>
+        </p:nvSpPr>
+        <p:spPr>
+          <a:xfrm>
+            <a:off x="1598612" y="863023"/>
+            <a:ext cx="609600" cy="584776"/>
+          </a:xfrm>
+          <a:prstGeom prst="rect">
+            <a:avLst/>
+          </a:prstGeom>
+        </p:spPr>
+        <p:txBody>
+          <a:bodyPr vert="horz" lIns="91440" tIns="45720" rIns="91440" bIns="45720" rtlCol="0" anchor="ctr">
+            <a:noAutofit/>
+          </a:bodyPr>
+          <a:lstStyle>
+            <a:lvl1pPr>
+              <a:spcBef>
+                <a:spcPct val="0"/>
+              </a:spcBef>
+              <a:buNone/>
+              <a:defRPr sz="3200" b="0" cap="all">
+                <a:ln w="3175" cmpd="sng">
+                  <a:noFill/>
+                </a:ln>
+                <a:effectLst>
+                  <a:glow rad="38100">
+                    <a:schemeClr val="bg1">
+                      <a:lumMod val="65000"/>
+                      <a:lumOff val="35000"/>
+                      <a:alpha val="40000"/>
+                    </a:schemeClr>
+                  </a:glow>
+                  <a:outerShdw blurRad="28575" dist="38100" dir="14040000" algn="tl" rotWithShape="0">
+                    <a:srgbClr val="000000">
+                      <a:alpha val="25000"/>
+                    </a:srgbClr>
+                  </a:outerShdw>
+                </a:effectLst>
+              </a:defRPr>
+            </a:lvl1pPr>
+            <a:lvl2pPr>
+              <a:defRPr>
+                <a:solidFill>
+                  <a:schemeClr val="tx2"/>
+                </a:solidFill>
+              </a:defRPr>
+            </a:lvl2pPr>
+            <a:lvl3pPr>
+              <a:defRPr>
+                <a:solidFill>
+                  <a:schemeClr val="tx2"/>
+                </a:solidFill>
+              </a:defRPr>
+            </a:lvl3pPr>
+            <a:lvl4pPr>
+              <a:defRPr>
+                <a:solidFill>
+                  <a:schemeClr val="tx2"/>
+                </a:solidFill>
+              </a:defRPr>
+            </a:lvl4pPr>
+            <a:lvl5pPr>
+              <a:defRPr>
+                <a:solidFill>
+                  <a:schemeClr val="tx2"/>
+                </a:solidFill>
+              </a:defRPr>
+            </a:lvl5pPr>
+            <a:lvl6pPr>
+              <a:defRPr>
+                <a:solidFill>
+                  <a:schemeClr val="tx2"/>
+                </a:solidFill>
+              </a:defRPr>
+            </a:lvl6pPr>
+            <a:lvl7pPr>
+              <a:defRPr>
+                <a:solidFill>
+                  <a:schemeClr val="tx2"/>
+                </a:solidFill>
+              </a:defRPr>
+            </a:lvl7pPr>
+            <a:lvl8pPr>
+              <a:defRPr>
+                <a:solidFill>
+                  <a:schemeClr val="tx2"/>
+                </a:solidFill>
+              </a:defRPr>
+            </a:lvl8pPr>
+            <a:lvl9pPr>
+              <a:defRPr>
+                <a:solidFill>
+                  <a:schemeClr val="tx2"/>
+                </a:solidFill>
+              </a:defRPr>
+            </a:lvl9pPr>
+          </a:lstStyle>
+          <a:p>
+            <a:pPr lvl="0"/>
+            <a:r>
+              <a:rPr lang="en-US" sz="8000" dirty="0">
+                <a:solidFill>
+                  <a:schemeClr val="tx1"/>
+                </a:solidFill>
+                <a:effectLst/>
+              </a:rPr>
+              <a:t>“</a:t>
+            </a:r>
+          </a:p>
+        </p:txBody>
+      </p:sp>
+      <p:sp>
+        <p:nvSpPr>
+          <p:cNvPr id="15" name="TextBox 14"/>
+          <p:cNvSpPr txBox="1"/>
+          <p:nvPr/>
+        </p:nvSpPr>
+        <p:spPr>
+          <a:xfrm>
+            <a:off x="10893425" y="2819399"/>
+            <a:ext cx="609600" cy="584776"/>
+          </a:xfrm>
+          <a:prstGeom prst="rect">
+            <a:avLst/>
+          </a:prstGeom>
+        </p:spPr>
+        <p:txBody>
+          <a:bodyPr vert="horz" lIns="91440" tIns="45720" rIns="91440" bIns="45720" rtlCol="0" anchor="ctr">
+            <a:noAutofit/>
+          </a:bodyPr>
+          <a:lstStyle>
+            <a:lvl1pPr>
+              <a:spcBef>
+                <a:spcPct val="0"/>
+              </a:spcBef>
+              <a:buNone/>
+              <a:defRPr sz="3200" b="0" cap="all">
+                <a:ln w="3175" cmpd="sng">
+                  <a:noFill/>
+                </a:ln>
+                <a:effectLst>
+                  <a:glow rad="38100">
+                    <a:schemeClr val="bg1">
+                      <a:lumMod val="65000"/>
+                      <a:lumOff val="35000"/>
+                      <a:alpha val="40000"/>
+                    </a:schemeClr>
+                  </a:glow>
+                  <a:outerShdw blurRad="28575" dist="38100" dir="14040000" algn="tl" rotWithShape="0">
+                    <a:srgbClr val="000000">
+                      <a:alpha val="25000"/>
+                    </a:srgbClr>
+                  </a:outerShdw>
+                </a:effectLst>
+              </a:defRPr>
+            </a:lvl1pPr>
+            <a:lvl2pPr>
+              <a:defRPr>
+                <a:solidFill>
+                  <a:schemeClr val="tx2"/>
+                </a:solidFill>
+              </a:defRPr>
+            </a:lvl2pPr>
+            <a:lvl3pPr>
+              <a:defRPr>
+                <a:solidFill>
+                  <a:schemeClr val="tx2"/>
+                </a:solidFill>
+              </a:defRPr>
+            </a:lvl3pPr>
+            <a:lvl4pPr>
+              <a:defRPr>
+                <a:solidFill>
+                  <a:schemeClr val="tx2"/>
+                </a:solidFill>
+              </a:defRPr>
+            </a:lvl4pPr>
+            <a:lvl5pPr>
+              <a:defRPr>
+                <a:solidFill>
+                  <a:schemeClr val="tx2"/>
+                </a:solidFill>
+              </a:defRPr>
+            </a:lvl5pPr>
+            <a:lvl6pPr>
+              <a:defRPr>
+                <a:solidFill>
+                  <a:schemeClr val="tx2"/>
+                </a:solidFill>
+              </a:defRPr>
+            </a:lvl6pPr>
+            <a:lvl7pPr>
+              <a:defRPr>
+                <a:solidFill>
+                  <a:schemeClr val="tx2"/>
+                </a:solidFill>
+              </a:defRPr>
+            </a:lvl7pPr>
+            <a:lvl8pPr>
+              <a:defRPr>
+                <a:solidFill>
+                  <a:schemeClr val="tx2"/>
+                </a:solidFill>
+              </a:defRPr>
+            </a:lvl8pPr>
+            <a:lvl9pPr>
+              <a:defRPr>
+                <a:solidFill>
+                  <a:schemeClr val="tx2"/>
+                </a:solidFill>
+              </a:defRPr>
+            </a:lvl9pPr>
+          </a:lstStyle>
+          <a:p>
+            <a:pPr lvl="0" algn="r"/>
+            <a:r>
+              <a:rPr lang="en-US" sz="8000" dirty="0">
+                <a:solidFill>
+                  <a:schemeClr val="tx1"/>
+                </a:solidFill>
+                <a:effectLst/>
+              </a:rPr>
+              <a:t>”</a:t>
+            </a:r>
+          </a:p>
+        </p:txBody>
+      </p:sp>
+      <p:sp>
+        <p:nvSpPr>
+          <p:cNvPr id="2" name="Title 1"/>
+          <p:cNvSpPr>
+            <a:spLocks noGrp="1"/>
+          </p:cNvSpPr>
+          <p:nvPr>
+            <p:ph type="title"/>
+          </p:nvPr>
+        </p:nvSpPr>
+        <p:spPr>
+          <a:xfrm>
+            <a:off x="2208212" y="685800"/>
+            <a:ext cx="8990012" cy="2743199"/>
+          </a:xfrm>
+        </p:spPr>
+        <p:txBody>
+          <a:bodyPr anchor="ctr">
+            <a:normAutofit/>
+          </a:bodyPr>
+          <a:lstStyle>
+            <a:lvl1pPr algn="ctr">
+              <a:defRPr sz="3200" b="0" cap="none">
+                <a:solidFill>
+                  <a:schemeClr val="tx1"/>
+                </a:solidFill>
+              </a:defRPr>
+            </a:lvl1pPr>
+          </a:lstStyle>
+          <a:p>
+            <a:r>
+              <a:rPr lang="en-US"/>
+              <a:t>Click to edit Master title style</a:t>
+            </a:r>
+            <a:endParaRPr lang="en-US" dirty="0"/>
+          </a:p>
+        </p:txBody>
+      </p:sp>
+      <p:sp>
+        <p:nvSpPr>
+          <p:cNvPr id="10" name="Text Placeholder 9"/>
+          <p:cNvSpPr>
+            <a:spLocks noGrp="1"/>
+          </p:cNvSpPr>
+          <p:nvPr>
+            <p:ph type="body" sz="quarter" idx="13"/>
+          </p:nvPr>
+        </p:nvSpPr>
+        <p:spPr>
+          <a:xfrm>
+            <a:off x="1484313" y="3886200"/>
+            <a:ext cx="10018710" cy="889000"/>
+          </a:xfrm>
+        </p:spPr>
+        <p:txBody>
+          <a:bodyPr vert="horz" lIns="91440" tIns="45720" rIns="91440" bIns="45720" rtlCol="0" anchor="b">
+            <a:normAutofit/>
+          </a:bodyPr>
+          <a:lstStyle>
+            <a:lvl1pPr algn="r">
+              <a:buNone/>
+              <a:defRPr lang="en-US" sz="2400" b="0" cap="none" dirty="0">
+                <a:ln w="3175" cmpd="sng">
+                  <a:noFill/>
+                </a:ln>
+                <a:solidFill>
+                  <a:schemeClr val="tx1"/>
+                </a:solidFill>
+                <a:effectLst/>
+              </a:defRPr>
+            </a:lvl1pPr>
+          </a:lstStyle>
+          <a:p>
+            <a:pPr marL="0" lvl="0">
+              <a:spcBef>
+                <a:spcPct val="0"/>
+              </a:spcBef>
+              <a:buNone/>
+            </a:pPr>
+            <a:r>
+              <a:rPr lang="en-US"/>
+              <a:t>Click to edit Master text styles</a:t>
+            </a:r>
+          </a:p>
+        </p:txBody>
+      </p:sp>
+      <p:sp>
+        <p:nvSpPr>
+          <p:cNvPr id="3" name="Text Placeholder 2"/>
+          <p:cNvSpPr>
+            <a:spLocks noGrp="1"/>
+          </p:cNvSpPr>
+          <p:nvPr>
+            <p:ph type="body" idx="1"/>
+          </p:nvPr>
+        </p:nvSpPr>
+        <p:spPr>
+          <a:xfrm>
+            <a:off x="1484312" y="4775200"/>
+            <a:ext cx="10018710" cy="1016000"/>
+          </a:xfrm>
+        </p:spPr>
+        <p:txBody>
+          <a:bodyPr anchor="t">
+            <a:normAutofit/>
+          </a:bodyPr>
+          <a:lstStyle>
+            <a:lvl1pPr marL="0" indent="0" algn="r">
+              <a:buNone/>
+              <a:defRPr sz="1800">
+                <a:solidFill>
+                  <a:schemeClr val="tx1"/>
+                </a:solidFill>
+              </a:defRPr>
+            </a:lvl1pPr>
+            <a:lvl2pPr marL="457200" indent="0">
+              <a:buNone/>
+              <a:defRPr sz="1800">
+                <a:solidFill>
+                  <a:schemeClr val="tx1">
+                    <a:tint val="75000"/>
+                  </a:schemeClr>
+                </a:solidFill>
+              </a:defRPr>
+            </a:lvl2pPr>
+            <a:lvl3pPr marL="914400" indent="0">
+              <a:buNone/>
+              <a:defRPr sz="1600">
+                <a:solidFill>
+                  <a:schemeClr val="tx1">
+                    <a:tint val="75000"/>
+                  </a:schemeClr>
+                </a:solidFill>
+              </a:defRPr>
+            </a:lvl3pPr>
+            <a:lvl4pPr marL="1371600" indent="0">
+              <a:buNone/>
+              <a:defRPr sz="1400">
+                <a:solidFill>
+                  <a:schemeClr val="tx1">
+                    <a:tint val="75000"/>
+                  </a:schemeClr>
+                </a:solidFill>
+              </a:defRPr>
+            </a:lvl4pPr>
+            <a:lvl5pPr marL="1828800" indent="0">
+              <a:buNone/>
+              <a:defRPr sz="1400">
+                <a:solidFill>
+                  <a:schemeClr val="tx1">
+                    <a:tint val="75000"/>
+                  </a:schemeClr>
+                </a:solidFill>
+              </a:defRPr>
+            </a:lvl5pPr>
+            <a:lvl6pPr marL="2286000" indent="0">
+              <a:buNone/>
+              <a:defRPr sz="1400">
+                <a:solidFill>
+                  <a:schemeClr val="tx1">
+                    <a:tint val="75000"/>
+                  </a:schemeClr>
+                </a:solidFill>
+              </a:defRPr>
+            </a:lvl6pPr>
+            <a:lvl7pPr marL="2743200" indent="0">
+              <a:buNone/>
+              <a:defRPr sz="1400">
+                <a:solidFill>
+                  <a:schemeClr val="tx1">
+                    <a:tint val="75000"/>
+                  </a:schemeClr>
+                </a:solidFill>
+              </a:defRPr>
+            </a:lvl7pPr>
+            <a:lvl8pPr marL="3200400" indent="0">
+              <a:buNone/>
+              <a:defRPr sz="1400">
+                <a:solidFill>
+                  <a:schemeClr val="tx1">
+                    <a:tint val="75000"/>
+                  </a:schemeClr>
+                </a:solidFill>
+              </a:defRPr>
+            </a:lvl8pPr>
+            <a:lvl9pPr marL="3657600" indent="0">
+              <a:buNone/>
+              <a:defRPr sz="1400">
+                <a:solidFill>
+                  <a:schemeClr val="tx1">
+                    <a:tint val="75000"/>
+                  </a:schemeClr>
+                </a:solidFill>
+              </a:defRPr>
+            </a:lvl9pPr>
+          </a:lstStyle>
+          <a:p>
+            <a:pPr lvl="0"/>
+            <a:r>
+              <a:rPr lang="en-US"/>
+              <a:t>Click to edit Master text styles</a:t>
+            </a:r>
+          </a:p>
+        </p:txBody>
+      </p:sp>
+      <p:sp>
+        <p:nvSpPr>
+          <p:cNvPr id="4" name="Date Placeholder 3"/>
+          <p:cNvSpPr>
+            <a:spLocks noGrp="1"/>
+          </p:cNvSpPr>
+          <p:nvPr>
+            <p:ph type="dt" sz="half" idx="10"/>
+          </p:nvPr>
+        </p:nvSpPr>
+        <p:spPr/>
+        <p:txBody>
+          <a:bodyPr/>
+          <a:lstStyle/>
+          <a:p>
+            <a:fld id="{D0906437-A5E1-4E1B-A09D-BCF0755147BA}" type="datetimeFigureOut">
+              <a:rPr lang="en-IN" smtClean="0"/>
+              <a:t>05-09-2024</a:t>
+            </a:fld>
+            <a:endParaRPr lang="en-IN"/>
+          </a:p>
+        </p:txBody>
+      </p:sp>
+      <p:sp>
+        <p:nvSpPr>
+          <p:cNvPr id="5" name="Footer Placeholder 4"/>
+          <p:cNvSpPr>
+            <a:spLocks noGrp="1"/>
+          </p:cNvSpPr>
+          <p:nvPr>
+            <p:ph type="ftr" sz="quarter" idx="11"/>
+          </p:nvPr>
+        </p:nvSpPr>
+        <p:spPr/>
+        <p:txBody>
+          <a:bodyPr/>
+          <a:lstStyle/>
+          <a:p>
+            <a:endParaRPr lang="en-IN"/>
+          </a:p>
+        </p:txBody>
+      </p:sp>
+      <p:sp>
+        <p:nvSpPr>
+          <p:cNvPr id="6" name="Slide Number Placeholder 5"/>
+          <p:cNvSpPr>
+            <a:spLocks noGrp="1"/>
+          </p:cNvSpPr>
+          <p:nvPr>
+            <p:ph type="sldNum" sz="quarter" idx="12"/>
+          </p:nvPr>
+        </p:nvSpPr>
+        <p:spPr/>
+        <p:txBody>
+          <a:bodyPr/>
+          <a:lstStyle/>
+          <a:p>
+            <a:fld id="{EF5BF3B7-84A1-4624-874C-E65B320A9A32}" type="slidenum">
+              <a:rPr lang="en-IN" smtClean="0"/>
+              <a:t>‹#›</a:t>
+            </a:fld>
+            <a:endParaRPr lang="en-IN"/>
+          </a:p>
+        </p:txBody>
+      </p:sp>
+    </p:spTree>
+    <p:extLst>
+      <p:ext uri="{BB962C8B-B14F-4D97-AF65-F5344CB8AC3E}">
+        <p14:creationId xmlns:p14="http://schemas.microsoft.com/office/powerpoint/2010/main" val="4239319640"/>
+      </p:ext>
+    </p:extLst>
+  </p:cSld>
+  <p:clrMapOvr>
+    <a:masterClrMapping/>
+  </p:clrMapOvr>
+</p:sldLayout>
+</file>
+
+<file path=ppt/slideLayouts/slideLayout15.xml><?xml version="1.0" encoding="utf-8"?>
+<p:sldLayout xmlns:a="http://schemas.openxmlformats.org/drawingml/2006/main" xmlns:r="http://schemas.openxmlformats.org/officeDocument/2006/relationships" xmlns:p="http://schemas.openxmlformats.org/presentationml/2006/main" preserve="1">
+  <p:cSld name="True or False">
+    <p:spTree>
+      <p:nvGrpSpPr>
+        <p:cNvPr id="1" name=""/>
+        <p:cNvGrpSpPr/>
+        <p:nvPr/>
+      </p:nvGrpSpPr>
+      <p:grpSpPr>
+        <a:xfrm>
+          <a:off x="0" y="0"/>
+          <a:ext cx="0" cy="0"/>
+          <a:chOff x="0" y="0"/>
+          <a:chExt cx="0" cy="0"/>
+        </a:xfrm>
+      </p:grpSpPr>
+      <p:sp>
+        <p:nvSpPr>
+          <p:cNvPr id="2" name="Title 1"/>
+          <p:cNvSpPr>
+            <a:spLocks noGrp="1"/>
+          </p:cNvSpPr>
+          <p:nvPr>
+            <p:ph type="title"/>
+          </p:nvPr>
+        </p:nvSpPr>
+        <p:spPr>
+          <a:xfrm>
+            <a:off x="1484313" y="685800"/>
+            <a:ext cx="10018712" cy="2727325"/>
+          </a:xfrm>
+        </p:spPr>
+        <p:txBody>
+          <a:bodyPr vert="horz" lIns="91440" tIns="45720" rIns="91440" bIns="45720" rtlCol="0" anchor="ctr">
+            <a:normAutofit/>
+          </a:bodyPr>
+          <a:lstStyle>
+            <a:lvl1pPr>
+              <a:defRPr lang="en-US" b="0" dirty="0"/>
+            </a:lvl1pPr>
+          </a:lstStyle>
+          <a:p>
+            <a:pPr marL="0" lvl="0"/>
+            <a:r>
+              <a:rPr lang="en-US"/>
+              <a:t>Click to edit Master title style</a:t>
+            </a:r>
+            <a:endParaRPr lang="en-US" dirty="0"/>
+          </a:p>
+        </p:txBody>
+      </p:sp>
+      <p:sp>
+        <p:nvSpPr>
+          <p:cNvPr id="10" name="Text Placeholder 9"/>
+          <p:cNvSpPr>
+            <a:spLocks noGrp="1"/>
+          </p:cNvSpPr>
+          <p:nvPr>
+            <p:ph type="body" sz="quarter" idx="13"/>
+          </p:nvPr>
+        </p:nvSpPr>
+        <p:spPr>
+          <a:xfrm>
+            <a:off x="1484312" y="3505200"/>
+            <a:ext cx="10018713" cy="838200"/>
+          </a:xfrm>
+        </p:spPr>
+        <p:txBody>
+          <a:bodyPr vert="horz" lIns="91440" tIns="45720" rIns="91440" bIns="45720" rtlCol="0" anchor="b">
+            <a:normAutofit/>
+          </a:bodyPr>
+          <a:lstStyle>
+            <a:lvl1pPr>
+              <a:buNone/>
+              <a:defRPr lang="en-US" sz="2800" b="0" cap="none" dirty="0">
+                <a:ln w="3175" cmpd="sng">
+                  <a:noFill/>
+                </a:ln>
+                <a:solidFill>
+                  <a:schemeClr val="tx1"/>
+                </a:solidFill>
+                <a:effectLst/>
+              </a:defRPr>
+            </a:lvl1pPr>
+          </a:lstStyle>
+          <a:p>
+            <a:pPr marL="0" lvl="0">
+              <a:spcBef>
+                <a:spcPct val="0"/>
+              </a:spcBef>
+              <a:buNone/>
+            </a:pPr>
+            <a:r>
+              <a:rPr lang="en-US"/>
+              <a:t>Click to edit Master text styles</a:t>
+            </a:r>
+          </a:p>
+        </p:txBody>
+      </p:sp>
+      <p:sp>
+        <p:nvSpPr>
+          <p:cNvPr id="3" name="Text Placeholder 2"/>
+          <p:cNvSpPr>
+            <a:spLocks noGrp="1"/>
+          </p:cNvSpPr>
+          <p:nvPr>
+            <p:ph type="body" idx="1"/>
+          </p:nvPr>
+        </p:nvSpPr>
+        <p:spPr>
+          <a:xfrm>
+            <a:off x="1484311" y="4343400"/>
+            <a:ext cx="10018713" cy="1447800"/>
+          </a:xfrm>
+        </p:spPr>
+        <p:txBody>
+          <a:bodyPr anchor="t">
+            <a:normAutofit/>
+          </a:bodyPr>
+          <a:lstStyle>
+            <a:lvl1pPr marL="0" indent="0" algn="l">
+              <a:buNone/>
+              <a:defRPr sz="1800">
+                <a:solidFill>
+                  <a:schemeClr val="tx1"/>
+                </a:solidFill>
+              </a:defRPr>
+            </a:lvl1pPr>
+            <a:lvl2pPr marL="457200" indent="0">
+              <a:buNone/>
+              <a:defRPr sz="1800">
+                <a:solidFill>
+                  <a:schemeClr val="tx1">
+                    <a:tint val="75000"/>
+                  </a:schemeClr>
+                </a:solidFill>
+              </a:defRPr>
+            </a:lvl2pPr>
+            <a:lvl3pPr marL="914400" indent="0">
+              <a:buNone/>
+              <a:defRPr sz="1600">
+                <a:solidFill>
+                  <a:schemeClr val="tx1">
+                    <a:tint val="75000"/>
+                  </a:schemeClr>
+                </a:solidFill>
+              </a:defRPr>
+            </a:lvl3pPr>
+            <a:lvl4pPr marL="1371600" indent="0">
+              <a:buNone/>
+              <a:defRPr sz="1400">
+                <a:solidFill>
+                  <a:schemeClr val="tx1">
+                    <a:tint val="75000"/>
+                  </a:schemeClr>
+                </a:solidFill>
+              </a:defRPr>
+            </a:lvl4pPr>
+            <a:lvl5pPr marL="1828800" indent="0">
+              <a:buNone/>
+              <a:defRPr sz="1400">
+                <a:solidFill>
+                  <a:schemeClr val="tx1">
+                    <a:tint val="75000"/>
+                  </a:schemeClr>
+                </a:solidFill>
+              </a:defRPr>
+            </a:lvl5pPr>
+            <a:lvl6pPr marL="2286000" indent="0">
+              <a:buNone/>
+              <a:defRPr sz="1400">
+                <a:solidFill>
+                  <a:schemeClr val="tx1">
+                    <a:tint val="75000"/>
+                  </a:schemeClr>
+                </a:solidFill>
+              </a:defRPr>
+            </a:lvl6pPr>
+            <a:lvl7pPr marL="2743200" indent="0">
+              <a:buNone/>
+              <a:defRPr sz="1400">
+                <a:solidFill>
+                  <a:schemeClr val="tx1">
+                    <a:tint val="75000"/>
+                  </a:schemeClr>
+                </a:solidFill>
+              </a:defRPr>
+            </a:lvl7pPr>
+            <a:lvl8pPr marL="3200400" indent="0">
+              <a:buNone/>
+              <a:defRPr sz="1400">
+                <a:solidFill>
+                  <a:schemeClr val="tx1">
+                    <a:tint val="75000"/>
+                  </a:schemeClr>
+                </a:solidFill>
+              </a:defRPr>
+            </a:lvl8pPr>
+            <a:lvl9pPr marL="3657600" indent="0">
+              <a:buNone/>
+              <a:defRPr sz="1400">
+                <a:solidFill>
+                  <a:schemeClr val="tx1">
+                    <a:tint val="75000"/>
+                  </a:schemeClr>
+                </a:solidFill>
+              </a:defRPr>
+            </a:lvl9pPr>
+          </a:lstStyle>
+          <a:p>
+            <a:pPr lvl="0"/>
+            <a:r>
+              <a:rPr lang="en-US"/>
+              <a:t>Click to edit Master text styles</a:t>
+            </a:r>
+          </a:p>
+        </p:txBody>
+      </p:sp>
+      <p:sp>
+        <p:nvSpPr>
+          <p:cNvPr id="4" name="Date Placeholder 3"/>
+          <p:cNvSpPr>
+            <a:spLocks noGrp="1"/>
+          </p:cNvSpPr>
+          <p:nvPr>
+            <p:ph type="dt" sz="half" idx="10"/>
+          </p:nvPr>
+        </p:nvSpPr>
+        <p:spPr/>
+        <p:txBody>
+          <a:bodyPr/>
+          <a:lstStyle/>
+          <a:p>
+            <a:fld id="{D0906437-A5E1-4E1B-A09D-BCF0755147BA}" type="datetimeFigureOut">
+              <a:rPr lang="en-IN" smtClean="0"/>
+              <a:t>05-09-2024</a:t>
+            </a:fld>
+            <a:endParaRPr lang="en-IN"/>
+          </a:p>
+        </p:txBody>
+      </p:sp>
+      <p:sp>
+        <p:nvSpPr>
+          <p:cNvPr id="5" name="Footer Placeholder 4"/>
+          <p:cNvSpPr>
+            <a:spLocks noGrp="1"/>
+          </p:cNvSpPr>
+          <p:nvPr>
+            <p:ph type="ftr" sz="quarter" idx="11"/>
+          </p:nvPr>
+        </p:nvSpPr>
+        <p:spPr/>
+        <p:txBody>
+          <a:bodyPr/>
+          <a:lstStyle/>
+          <a:p>
+            <a:endParaRPr lang="en-IN"/>
+          </a:p>
+        </p:txBody>
+      </p:sp>
+      <p:sp>
+        <p:nvSpPr>
+          <p:cNvPr id="6" name="Slide Number Placeholder 5"/>
+          <p:cNvSpPr>
+            <a:spLocks noGrp="1"/>
+          </p:cNvSpPr>
+          <p:nvPr>
+            <p:ph type="sldNum" sz="quarter" idx="12"/>
+          </p:nvPr>
+        </p:nvSpPr>
+        <p:spPr/>
+        <p:txBody>
+          <a:bodyPr/>
+          <a:lstStyle/>
+          <a:p>
+            <a:fld id="{EF5BF3B7-84A1-4624-874C-E65B320A9A32}" type="slidenum">
+              <a:rPr lang="en-IN" smtClean="0"/>
+              <a:t>‹#›</a:t>
+            </a:fld>
+            <a:endParaRPr lang="en-IN"/>
+          </a:p>
+        </p:txBody>
+      </p:sp>
+    </p:spTree>
+    <p:extLst>
+      <p:ext uri="{BB962C8B-B14F-4D97-AF65-F5344CB8AC3E}">
+        <p14:creationId xmlns:p14="http://schemas.microsoft.com/office/powerpoint/2010/main" val="2541200485"/>
+      </p:ext>
+    </p:extLst>
+  </p:cSld>
+  <p:clrMapOvr>
+    <a:masterClrMapping/>
+  </p:clrMapOvr>
+</p:sldLayout>
+</file>
+
+<file path=ppt/slideLayouts/slideLayout16.xml><?xml version="1.0" encoding="utf-8"?>
 <p:sldLayout xmlns:a="http://schemas.openxmlformats.org/drawingml/2006/main" xmlns:r="http://schemas.openxmlformats.org/officeDocument/2006/relationships" xmlns:p="http://schemas.openxmlformats.org/presentationml/2006/main" type="vertTx" preserve="1">
   <p:cSld name="Title and Vertical Text">
     <p:spTree>
@@ -353,13 +3592,7 @@
       </p:grpSpPr>
       <p:sp>
         <p:nvSpPr>
-          <p:cNvPr id="2" name="Title 1">
-            <a:extLst>
-              <a:ext uri="{FF2B5EF4-FFF2-40B4-BE49-F238E27FC236}">
-                <a16:creationId xmlns:a16="http://schemas.microsoft.com/office/drawing/2014/main" id="{5A0F1111-5F40-CA67-3C23-FC3D7DAB5788}"/>
-              </a:ext>
-            </a:extLst>
-          </p:cNvPr>
+          <p:cNvPr id="2" name="Title 1"/>
           <p:cNvSpPr>
             <a:spLocks noGrp="1"/>
           </p:cNvSpPr>
@@ -370,25 +3603,23 @@
         <p:spPr/>
         <p:txBody>
           <a:bodyPr/>
-          <a:lstStyle/>
+          <a:lstStyle>
+            <a:lvl1pPr algn="ctr">
+              <a:defRPr/>
+            </a:lvl1pPr>
+          </a:lstStyle>
           <a:p>
             <a:r>
               <a:rPr lang="en-US"/>
               <a:t>Click to edit Master title style</a:t>
             </a:r>
-            <a:endParaRPr lang="en-IN"/>
-          </a:p>
-        </p:txBody>
-      </p:sp>
-      <p:sp>
-        <p:nvSpPr>
-          <p:cNvPr id="3" name="Vertical Text Placeholder 2">
-            <a:extLst>
-              <a:ext uri="{FF2B5EF4-FFF2-40B4-BE49-F238E27FC236}">
-                <a16:creationId xmlns:a16="http://schemas.microsoft.com/office/drawing/2014/main" id="{A3FED5BB-21EA-5E1D-2717-ABDB3BD12ED7}"/>
-              </a:ext>
-            </a:extLst>
-          </p:cNvPr>
+            <a:endParaRPr lang="en-US" dirty="0"/>
+          </a:p>
+        </p:txBody>
+      </p:sp>
+      <p:sp>
+        <p:nvSpPr>
+          <p:cNvPr id="3" name="Vertical Text Placeholder 2"/>
           <p:cNvSpPr>
             <a:spLocks noGrp="1"/>
           </p:cNvSpPr>
@@ -398,7 +3629,7 @@
         </p:nvSpPr>
         <p:spPr/>
         <p:txBody>
-          <a:bodyPr vert="eaVert"/>
+          <a:bodyPr vert="eaVert" anchor="t"/>
           <a:lstStyle/>
           <a:p>
             <a:pPr lvl="0"/>
@@ -434,19 +3665,13 @@
               <a:rPr lang="en-US"/>
               <a:t>Fifth level</a:t>
             </a:r>
-            <a:endParaRPr lang="en-IN"/>
-          </a:p>
-        </p:txBody>
-      </p:sp>
-      <p:sp>
-        <p:nvSpPr>
-          <p:cNvPr id="4" name="Date Placeholder 3">
-            <a:extLst>
-              <a:ext uri="{FF2B5EF4-FFF2-40B4-BE49-F238E27FC236}">
-                <a16:creationId xmlns:a16="http://schemas.microsoft.com/office/drawing/2014/main" id="{2F9D3B03-63D8-2B9A-03A6-0E8D9245059A}"/>
-              </a:ext>
-            </a:extLst>
-          </p:cNvPr>
+            <a:endParaRPr lang="en-US" dirty="0"/>
+          </a:p>
+        </p:txBody>
+      </p:sp>
+      <p:sp>
+        <p:nvSpPr>
+          <p:cNvPr id="4" name="Date Placeholder 3"/>
           <p:cNvSpPr>
             <a:spLocks noGrp="1"/>
           </p:cNvSpPr>
@@ -469,13 +3694,7 @@
       </p:sp>
       <p:sp>
         <p:nvSpPr>
-          <p:cNvPr id="5" name="Footer Placeholder 4">
-            <a:extLst>
-              <a:ext uri="{FF2B5EF4-FFF2-40B4-BE49-F238E27FC236}">
-                <a16:creationId xmlns:a16="http://schemas.microsoft.com/office/drawing/2014/main" id="{D91552FA-08E2-E88F-9EF0-9268A524B56E}"/>
-              </a:ext>
-            </a:extLst>
-          </p:cNvPr>
+          <p:cNvPr id="5" name="Footer Placeholder 4"/>
           <p:cNvSpPr>
             <a:spLocks noGrp="1"/>
           </p:cNvSpPr>
@@ -494,13 +3713,7 @@
       </p:sp>
       <p:sp>
         <p:nvSpPr>
-          <p:cNvPr id="6" name="Slide Number Placeholder 5">
-            <a:extLst>
-              <a:ext uri="{FF2B5EF4-FFF2-40B4-BE49-F238E27FC236}">
-                <a16:creationId xmlns:a16="http://schemas.microsoft.com/office/drawing/2014/main" id="{199359F8-1643-64E8-82CB-3443D9295ED0}"/>
-              </a:ext>
-            </a:extLst>
-          </p:cNvPr>
+          <p:cNvPr id="6" name="Slide Number Placeholder 5"/>
           <p:cNvSpPr>
             <a:spLocks noGrp="1"/>
           </p:cNvSpPr>
@@ -524,7 +3737,7 @@
     </p:spTree>
     <p:extLst>
       <p:ext uri="{BB962C8B-B14F-4D97-AF65-F5344CB8AC3E}">
-        <p14:creationId xmlns:p14="http://schemas.microsoft.com/office/powerpoint/2010/main" val="2032179835"/>
+        <p14:creationId xmlns:p14="http://schemas.microsoft.com/office/powerpoint/2010/main" val="2955577273"/>
       </p:ext>
     </p:extLst>
   </p:cSld>
@@ -534,7 +3747,7 @@
 </p:sldLayout>
 </file>
 
-<file path=ppt/slideLayouts/slideLayout11.xml><?xml version="1.0" encoding="utf-8"?>
+<file path=ppt/slideLayouts/slideLayout17.xml><?xml version="1.0" encoding="utf-8"?>
 <p:sldLayout xmlns:a="http://schemas.openxmlformats.org/drawingml/2006/main" xmlns:r="http://schemas.openxmlformats.org/officeDocument/2006/relationships" xmlns:p="http://schemas.openxmlformats.org/presentationml/2006/main" type="vertTitleAndTx" preserve="1">
   <p:cSld name="Vertical Title and Text">
     <p:spTree>
@@ -553,13 +3766,7 @@
       </p:grpSpPr>
       <p:sp>
         <p:nvSpPr>
-          <p:cNvPr id="2" name="Vertical Title 1">
-            <a:extLst>
-              <a:ext uri="{FF2B5EF4-FFF2-40B4-BE49-F238E27FC236}">
-                <a16:creationId xmlns:a16="http://schemas.microsoft.com/office/drawing/2014/main" id="{BB073339-E839-1428-A607-9B64FD7F7596}"/>
-              </a:ext>
-            </a:extLst>
-          </p:cNvPr>
+          <p:cNvPr id="2" name="Vertical Title 1"/>
           <p:cNvSpPr>
             <a:spLocks noGrp="1"/>
           </p:cNvSpPr>
@@ -569,8 +3776,8 @@
         </p:nvSpPr>
         <p:spPr>
           <a:xfrm>
-            <a:off x="8724900" y="365125"/>
-            <a:ext cx="2628900" cy="5811838"/>
+            <a:off x="9732655" y="685800"/>
+            <a:ext cx="1770369" cy="5105400"/>
           </a:xfrm>
         </p:spPr>
         <p:txBody>
@@ -581,19 +3788,13 @@
               <a:rPr lang="en-US"/>
               <a:t>Click to edit Master title style</a:t>
             </a:r>
-            <a:endParaRPr lang="en-IN"/>
-          </a:p>
-        </p:txBody>
-      </p:sp>
-      <p:sp>
-        <p:nvSpPr>
-          <p:cNvPr id="3" name="Vertical Text Placeholder 2">
-            <a:extLst>
-              <a:ext uri="{FF2B5EF4-FFF2-40B4-BE49-F238E27FC236}">
-                <a16:creationId xmlns:a16="http://schemas.microsoft.com/office/drawing/2014/main" id="{0ACD42A3-974B-608B-5D99-29B8A784870C}"/>
-              </a:ext>
-            </a:extLst>
-          </p:cNvPr>
+            <a:endParaRPr lang="en-US" dirty="0"/>
+          </a:p>
+        </p:txBody>
+      </p:sp>
+      <p:sp>
+        <p:nvSpPr>
+          <p:cNvPr id="3" name="Vertical Text Placeholder 2"/>
           <p:cNvSpPr>
             <a:spLocks noGrp="1"/>
           </p:cNvSpPr>
@@ -603,12 +3804,12 @@
         </p:nvSpPr>
         <p:spPr>
           <a:xfrm>
-            <a:off x="838200" y="365125"/>
-            <a:ext cx="7734300" cy="5811838"/>
+            <a:off x="1484312" y="685800"/>
+            <a:ext cx="8019742" cy="5105400"/>
           </a:xfrm>
         </p:spPr>
         <p:txBody>
-          <a:bodyPr vert="eaVert"/>
+          <a:bodyPr vert="eaVert" anchor="t"/>
           <a:lstStyle/>
           <a:p>
             <a:pPr lvl="0"/>
@@ -644,19 +3845,13 @@
               <a:rPr lang="en-US"/>
               <a:t>Fifth level</a:t>
             </a:r>
-            <a:endParaRPr lang="en-IN"/>
-          </a:p>
-        </p:txBody>
-      </p:sp>
-      <p:sp>
-        <p:nvSpPr>
-          <p:cNvPr id="4" name="Date Placeholder 3">
-            <a:extLst>
-              <a:ext uri="{FF2B5EF4-FFF2-40B4-BE49-F238E27FC236}">
-                <a16:creationId xmlns:a16="http://schemas.microsoft.com/office/drawing/2014/main" id="{FAC11089-151F-A22D-B1D3-E7DA2756F1D7}"/>
-              </a:ext>
-            </a:extLst>
-          </p:cNvPr>
+            <a:endParaRPr lang="en-US" dirty="0"/>
+          </a:p>
+        </p:txBody>
+      </p:sp>
+      <p:sp>
+        <p:nvSpPr>
+          <p:cNvPr id="4" name="Date Placeholder 3"/>
           <p:cNvSpPr>
             <a:spLocks noGrp="1"/>
           </p:cNvSpPr>
@@ -679,13 +3874,7 @@
       </p:sp>
       <p:sp>
         <p:nvSpPr>
-          <p:cNvPr id="5" name="Footer Placeholder 4">
-            <a:extLst>
-              <a:ext uri="{FF2B5EF4-FFF2-40B4-BE49-F238E27FC236}">
-                <a16:creationId xmlns:a16="http://schemas.microsoft.com/office/drawing/2014/main" id="{80110DF7-A7ED-E6EA-C654-10164FBCC44E}"/>
-              </a:ext>
-            </a:extLst>
-          </p:cNvPr>
+          <p:cNvPr id="5" name="Footer Placeholder 4"/>
           <p:cNvSpPr>
             <a:spLocks noGrp="1"/>
           </p:cNvSpPr>
@@ -704,13 +3893,7 @@
       </p:sp>
       <p:sp>
         <p:nvSpPr>
-          <p:cNvPr id="6" name="Slide Number Placeholder 5">
-            <a:extLst>
-              <a:ext uri="{FF2B5EF4-FFF2-40B4-BE49-F238E27FC236}">
-                <a16:creationId xmlns:a16="http://schemas.microsoft.com/office/drawing/2014/main" id="{331590E0-B8C9-DF4B-87B7-3DDB9484BB57}"/>
-              </a:ext>
-            </a:extLst>
-          </p:cNvPr>
+          <p:cNvPr id="6" name="Slide Number Placeholder 5"/>
           <p:cNvSpPr>
             <a:spLocks noGrp="1"/>
           </p:cNvSpPr>
@@ -734,7 +3917,7 @@
     </p:spTree>
     <p:extLst>
       <p:ext uri="{BB962C8B-B14F-4D97-AF65-F5344CB8AC3E}">
-        <p14:creationId xmlns:p14="http://schemas.microsoft.com/office/powerpoint/2010/main" val="4083238547"/>
+        <p14:creationId xmlns:p14="http://schemas.microsoft.com/office/powerpoint/2010/main" val="176436458"/>
       </p:ext>
     </p:extLst>
   </p:cSld>
@@ -763,13 +3946,7 @@
       </p:grpSpPr>
       <p:sp>
         <p:nvSpPr>
-          <p:cNvPr id="2" name="Title 1">
-            <a:extLst>
-              <a:ext uri="{FF2B5EF4-FFF2-40B4-BE49-F238E27FC236}">
-                <a16:creationId xmlns:a16="http://schemas.microsoft.com/office/drawing/2014/main" id="{431EC986-D08B-0547-41DB-74AD02ADDDA8}"/>
-              </a:ext>
-            </a:extLst>
-          </p:cNvPr>
+          <p:cNvPr id="2" name="Title 1"/>
           <p:cNvSpPr>
             <a:spLocks noGrp="1"/>
           </p:cNvSpPr>
@@ -786,19 +3963,13 @@
               <a:rPr lang="en-US"/>
               <a:t>Click to edit Master title style</a:t>
             </a:r>
-            <a:endParaRPr lang="en-IN"/>
-          </a:p>
-        </p:txBody>
-      </p:sp>
-      <p:sp>
-        <p:nvSpPr>
-          <p:cNvPr id="3" name="Content Placeholder 2">
-            <a:extLst>
-              <a:ext uri="{FF2B5EF4-FFF2-40B4-BE49-F238E27FC236}">
-                <a16:creationId xmlns:a16="http://schemas.microsoft.com/office/drawing/2014/main" id="{04060A0C-288A-7A19-6D45-F1707265E077}"/>
-              </a:ext>
-            </a:extLst>
-          </p:cNvPr>
+            <a:endParaRPr lang="en-US" dirty="0"/>
+          </a:p>
+        </p:txBody>
+      </p:sp>
+      <p:sp>
+        <p:nvSpPr>
+          <p:cNvPr id="3" name="Content Placeholder 2"/>
           <p:cNvSpPr>
             <a:spLocks noGrp="1"/>
           </p:cNvSpPr>
@@ -808,7 +3979,7 @@
         </p:nvSpPr>
         <p:spPr/>
         <p:txBody>
-          <a:bodyPr/>
+          <a:bodyPr anchor="ctr"/>
           <a:lstStyle/>
           <a:p>
             <a:pPr lvl="0"/>
@@ -844,19 +4015,13 @@
               <a:rPr lang="en-US"/>
               <a:t>Fifth level</a:t>
             </a:r>
-            <a:endParaRPr lang="en-IN"/>
-          </a:p>
-        </p:txBody>
-      </p:sp>
-      <p:sp>
-        <p:nvSpPr>
-          <p:cNvPr id="4" name="Date Placeholder 3">
-            <a:extLst>
-              <a:ext uri="{FF2B5EF4-FFF2-40B4-BE49-F238E27FC236}">
-                <a16:creationId xmlns:a16="http://schemas.microsoft.com/office/drawing/2014/main" id="{BFB4F2A9-ADFF-434D-DE1D-7B5EFFAE1578}"/>
-              </a:ext>
-            </a:extLst>
-          </p:cNvPr>
+            <a:endParaRPr lang="en-US" dirty="0"/>
+          </a:p>
+        </p:txBody>
+      </p:sp>
+      <p:sp>
+        <p:nvSpPr>
+          <p:cNvPr id="4" name="Date Placeholder 3"/>
           <p:cNvSpPr>
             <a:spLocks noGrp="1"/>
           </p:cNvSpPr>
@@ -879,13 +4044,7 @@
       </p:sp>
       <p:sp>
         <p:nvSpPr>
-          <p:cNvPr id="5" name="Footer Placeholder 4">
-            <a:extLst>
-              <a:ext uri="{FF2B5EF4-FFF2-40B4-BE49-F238E27FC236}">
-                <a16:creationId xmlns:a16="http://schemas.microsoft.com/office/drawing/2014/main" id="{6B66DF86-DC06-069A-C725-6B33734A72DE}"/>
-              </a:ext>
-            </a:extLst>
-          </p:cNvPr>
+          <p:cNvPr id="5" name="Footer Placeholder 4"/>
           <p:cNvSpPr>
             <a:spLocks noGrp="1"/>
           </p:cNvSpPr>
@@ -904,13 +4063,7 @@
       </p:sp>
       <p:sp>
         <p:nvSpPr>
-          <p:cNvPr id="6" name="Slide Number Placeholder 5">
-            <a:extLst>
-              <a:ext uri="{FF2B5EF4-FFF2-40B4-BE49-F238E27FC236}">
-                <a16:creationId xmlns:a16="http://schemas.microsoft.com/office/drawing/2014/main" id="{FE8E0AB9-1477-E532-B178-4FF982D61A3E}"/>
-              </a:ext>
-            </a:extLst>
-          </p:cNvPr>
+          <p:cNvPr id="6" name="Slide Number Placeholder 5"/>
           <p:cNvSpPr>
             <a:spLocks noGrp="1"/>
           </p:cNvSpPr>
@@ -918,7 +4071,12 @@
             <p:ph type="sldNum" sz="quarter" idx="12"/>
           </p:nvPr>
         </p:nvSpPr>
-        <p:spPr/>
+        <p:spPr>
+          <a:xfrm>
+            <a:off x="10951856" y="5867131"/>
+            <a:ext cx="551167" cy="365125"/>
+          </a:xfrm>
+        </p:spPr>
         <p:txBody>
           <a:bodyPr/>
           <a:lstStyle/>
@@ -934,7 +4092,7 @@
     </p:spTree>
     <p:extLst>
       <p:ext uri="{BB962C8B-B14F-4D97-AF65-F5344CB8AC3E}">
-        <p14:creationId xmlns:p14="http://schemas.microsoft.com/office/powerpoint/2010/main" val="4186367466"/>
+        <p14:creationId xmlns:p14="http://schemas.microsoft.com/office/powerpoint/2010/main" val="3642079246"/>
       </p:ext>
     </p:extLst>
   </p:cSld>
@@ -963,13 +4121,7 @@
       </p:grpSpPr>
       <p:sp>
         <p:nvSpPr>
-          <p:cNvPr id="2" name="Title 1">
-            <a:extLst>
-              <a:ext uri="{FF2B5EF4-FFF2-40B4-BE49-F238E27FC236}">
-                <a16:creationId xmlns:a16="http://schemas.microsoft.com/office/drawing/2014/main" id="{3109D8FF-549C-8F01-7B31-33B98879C4B6}"/>
-              </a:ext>
-            </a:extLst>
-          </p:cNvPr>
+          <p:cNvPr id="2" name="Title 1"/>
           <p:cNvSpPr>
             <a:spLocks noGrp="1"/>
           </p:cNvSpPr>
@@ -979,15 +4131,15 @@
         </p:nvSpPr>
         <p:spPr>
           <a:xfrm>
-            <a:off x="831850" y="1709738"/>
-            <a:ext cx="10515600" cy="2852737"/>
+            <a:off x="2572279" y="2666999"/>
+            <a:ext cx="8930747" cy="2110382"/>
           </a:xfrm>
         </p:spPr>
         <p:txBody>
           <a:bodyPr anchor="b"/>
           <a:lstStyle>
-            <a:lvl1pPr>
-              <a:defRPr sz="6000"/>
+            <a:lvl1pPr algn="r">
+              <a:defRPr sz="4000" b="0" cap="none"/>
             </a:lvl1pPr>
           </a:lstStyle>
           <a:p>
@@ -995,19 +4147,13 @@
               <a:rPr lang="en-US"/>
               <a:t>Click to edit Master title style</a:t>
             </a:r>
-            <a:endParaRPr lang="en-IN"/>
-          </a:p>
-        </p:txBody>
-      </p:sp>
-      <p:sp>
-        <p:nvSpPr>
-          <p:cNvPr id="3" name="Text Placeholder 2">
-            <a:extLst>
-              <a:ext uri="{FF2B5EF4-FFF2-40B4-BE49-F238E27FC236}">
-                <a16:creationId xmlns:a16="http://schemas.microsoft.com/office/drawing/2014/main" id="{21A845B3-2D84-4E99-A2F3-7008F7446B13}"/>
-              </a:ext>
-            </a:extLst>
-          </p:cNvPr>
+            <a:endParaRPr lang="en-US" dirty="0"/>
+          </a:p>
+        </p:txBody>
+      </p:sp>
+      <p:sp>
+        <p:nvSpPr>
+          <p:cNvPr id="3" name="Text Placeholder 2"/>
           <p:cNvSpPr>
             <a:spLocks noGrp="1"/>
           </p:cNvSpPr>
@@ -1017,102 +4163,102 @@
         </p:nvSpPr>
         <p:spPr>
           <a:xfrm>
-            <a:off x="831850" y="4589463"/>
-            <a:ext cx="10515600" cy="1500187"/>
+            <a:off x="2572278" y="4777381"/>
+            <a:ext cx="8930748" cy="860400"/>
           </a:xfrm>
         </p:spPr>
         <p:txBody>
-          <a:bodyPr/>
+          <a:bodyPr anchor="t">
+            <a:normAutofit/>
+          </a:bodyPr>
           <a:lstStyle>
-            <a:lvl1pPr marL="0" indent="0">
-              <a:buNone/>
-              <a:defRPr sz="2400">
+            <a:lvl1pPr marL="0" indent="0" algn="r">
+              <a:buNone/>
+              <a:defRPr sz="2000">
+                <a:solidFill>
+                  <a:schemeClr val="tx1"/>
+                </a:solidFill>
+              </a:defRPr>
+            </a:lvl1pPr>
+            <a:lvl2pPr marL="457200" indent="0">
+              <a:buNone/>
+              <a:defRPr sz="1800">
                 <a:solidFill>
                   <a:schemeClr val="tx1">
                     <a:tint val="75000"/>
                   </a:schemeClr>
                 </a:solidFill>
               </a:defRPr>
-            </a:lvl1pPr>
-            <a:lvl2pPr marL="457200" indent="0">
-              <a:buNone/>
-              <a:defRPr sz="2000">
+            </a:lvl2pPr>
+            <a:lvl3pPr marL="914400" indent="0">
+              <a:buNone/>
+              <a:defRPr sz="1600">
                 <a:solidFill>
                   <a:schemeClr val="tx1">
                     <a:tint val="75000"/>
                   </a:schemeClr>
                 </a:solidFill>
               </a:defRPr>
-            </a:lvl2pPr>
-            <a:lvl3pPr marL="914400" indent="0">
-              <a:buNone/>
-              <a:defRPr sz="1800">
+            </a:lvl3pPr>
+            <a:lvl4pPr marL="1371600" indent="0">
+              <a:buNone/>
+              <a:defRPr sz="1400">
                 <a:solidFill>
                   <a:schemeClr val="tx1">
                     <a:tint val="75000"/>
                   </a:schemeClr>
                 </a:solidFill>
               </a:defRPr>
-            </a:lvl3pPr>
-            <a:lvl4pPr marL="1371600" indent="0">
-              <a:buNone/>
-              <a:defRPr sz="1600">
+            </a:lvl4pPr>
+            <a:lvl5pPr marL="1828800" indent="0">
+              <a:buNone/>
+              <a:defRPr sz="1400">
                 <a:solidFill>
                   <a:schemeClr val="tx1">
                     <a:tint val="75000"/>
                   </a:schemeClr>
                 </a:solidFill>
               </a:defRPr>
-            </a:lvl4pPr>
-            <a:lvl5pPr marL="1828800" indent="0">
-              <a:buNone/>
-              <a:defRPr sz="1600">
+            </a:lvl5pPr>
+            <a:lvl6pPr marL="2286000" indent="0">
+              <a:buNone/>
+              <a:defRPr sz="1400">
                 <a:solidFill>
                   <a:schemeClr val="tx1">
                     <a:tint val="75000"/>
                   </a:schemeClr>
                 </a:solidFill>
               </a:defRPr>
-            </a:lvl5pPr>
-            <a:lvl6pPr marL="2286000" indent="0">
-              <a:buNone/>
-              <a:defRPr sz="1600">
+            </a:lvl6pPr>
+            <a:lvl7pPr marL="2743200" indent="0">
+              <a:buNone/>
+              <a:defRPr sz="1400">
                 <a:solidFill>
                   <a:schemeClr val="tx1">
                     <a:tint val="75000"/>
                   </a:schemeClr>
                 </a:solidFill>
               </a:defRPr>
-            </a:lvl6pPr>
-            <a:lvl7pPr marL="2743200" indent="0">
-              <a:buNone/>
-              <a:defRPr sz="1600">
+            </a:lvl7pPr>
+            <a:lvl8pPr marL="3200400" indent="0">
+              <a:buNone/>
+              <a:defRPr sz="1400">
                 <a:solidFill>
                   <a:schemeClr val="tx1">
                     <a:tint val="75000"/>
                   </a:schemeClr>
                 </a:solidFill>
               </a:defRPr>
-            </a:lvl7pPr>
-            <a:lvl8pPr marL="3200400" indent="0">
-              <a:buNone/>
-              <a:defRPr sz="1600">
+            </a:lvl8pPr>
+            <a:lvl9pPr marL="3657600" indent="0">
+              <a:buNone/>
+              <a:defRPr sz="1400">
                 <a:solidFill>
                   <a:schemeClr val="tx1">
                     <a:tint val="75000"/>
                   </a:schemeClr>
                 </a:solidFill>
               </a:defRPr>
-            </a:lvl8pPr>
-            <a:lvl9pPr marL="3657600" indent="0">
-              <a:buNone/>
-              <a:defRPr sz="1600">
-                <a:solidFill>
-                  <a:schemeClr val="tx1">
-                    <a:tint val="75000"/>
-                  </a:schemeClr>
-                </a:solidFill>
-              </a:defRPr>
             </a:lvl9pPr>
           </a:lstStyle>
           <a:p>
@@ -1126,13 +4272,7 @@
       </p:sp>
       <p:sp>
         <p:nvSpPr>
-          <p:cNvPr id="4" name="Date Placeholder 3">
-            <a:extLst>
-              <a:ext uri="{FF2B5EF4-FFF2-40B4-BE49-F238E27FC236}">
-                <a16:creationId xmlns:a16="http://schemas.microsoft.com/office/drawing/2014/main" id="{78F09B6A-E486-5E5A-C024-5D4CBF59D310}"/>
-              </a:ext>
-            </a:extLst>
-          </p:cNvPr>
+          <p:cNvPr id="4" name="Date Placeholder 3"/>
           <p:cNvSpPr>
             <a:spLocks noGrp="1"/>
           </p:cNvSpPr>
@@ -1155,13 +4295,7 @@
       </p:sp>
       <p:sp>
         <p:nvSpPr>
-          <p:cNvPr id="5" name="Footer Placeholder 4">
-            <a:extLst>
-              <a:ext uri="{FF2B5EF4-FFF2-40B4-BE49-F238E27FC236}">
-                <a16:creationId xmlns:a16="http://schemas.microsoft.com/office/drawing/2014/main" id="{71121917-53F9-19AF-87D1-006749D97CBF}"/>
-              </a:ext>
-            </a:extLst>
-          </p:cNvPr>
+          <p:cNvPr id="5" name="Footer Placeholder 4"/>
           <p:cNvSpPr>
             <a:spLocks noGrp="1"/>
           </p:cNvSpPr>
@@ -1180,13 +4314,7 @@
       </p:sp>
       <p:sp>
         <p:nvSpPr>
-          <p:cNvPr id="6" name="Slide Number Placeholder 5">
-            <a:extLst>
-              <a:ext uri="{FF2B5EF4-FFF2-40B4-BE49-F238E27FC236}">
-                <a16:creationId xmlns:a16="http://schemas.microsoft.com/office/drawing/2014/main" id="{5F769D6B-0169-1EB2-C339-885909EE8671}"/>
-              </a:ext>
-            </a:extLst>
-          </p:cNvPr>
+          <p:cNvPr id="6" name="Slide Number Placeholder 5"/>
           <p:cNvSpPr>
             <a:spLocks noGrp="1"/>
           </p:cNvSpPr>
@@ -1210,7 +4338,7 @@
     </p:spTree>
     <p:extLst>
       <p:ext uri="{BB962C8B-B14F-4D97-AF65-F5344CB8AC3E}">
-        <p14:creationId xmlns:p14="http://schemas.microsoft.com/office/powerpoint/2010/main" val="1346260788"/>
+        <p14:creationId xmlns:p14="http://schemas.microsoft.com/office/powerpoint/2010/main" val="1986205188"/>
       </p:ext>
     </p:extLst>
   </p:cSld>
@@ -1239,13 +4367,7 @@
       </p:grpSpPr>
       <p:sp>
         <p:nvSpPr>
-          <p:cNvPr id="2" name="Title 1">
-            <a:extLst>
-              <a:ext uri="{FF2B5EF4-FFF2-40B4-BE49-F238E27FC236}">
-                <a16:creationId xmlns:a16="http://schemas.microsoft.com/office/drawing/2014/main" id="{2BE21C13-1995-C195-1A9F-D3246314E2A7}"/>
-              </a:ext>
-            </a:extLst>
-          </p:cNvPr>
+          <p:cNvPr id="2" name="Title 1"/>
           <p:cNvSpPr>
             <a:spLocks noGrp="1"/>
           </p:cNvSpPr>
@@ -1253,7 +4375,12 @@
             <p:ph type="title"/>
           </p:nvPr>
         </p:nvSpPr>
-        <p:spPr/>
+        <p:spPr>
+          <a:xfrm>
+            <a:off x="1484311" y="685800"/>
+            <a:ext cx="10018713" cy="1752599"/>
+          </a:xfrm>
+        </p:spPr>
         <p:txBody>
           <a:bodyPr/>
           <a:lstStyle/>
@@ -1262,19 +4389,13 @@
               <a:rPr lang="en-US"/>
               <a:t>Click to edit Master title style</a:t>
             </a:r>
-            <a:endParaRPr lang="en-IN"/>
-          </a:p>
-        </p:txBody>
-      </p:sp>
-      <p:sp>
-        <p:nvSpPr>
-          <p:cNvPr id="3" name="Content Placeholder 2">
-            <a:extLst>
-              <a:ext uri="{FF2B5EF4-FFF2-40B4-BE49-F238E27FC236}">
-                <a16:creationId xmlns:a16="http://schemas.microsoft.com/office/drawing/2014/main" id="{7BFA1A1C-7CDB-38DE-828A-8191E64EF502}"/>
-              </a:ext>
-            </a:extLst>
-          </p:cNvPr>
+            <a:endParaRPr lang="en-US" dirty="0"/>
+          </a:p>
+        </p:txBody>
+      </p:sp>
+      <p:sp>
+        <p:nvSpPr>
+          <p:cNvPr id="3" name="Content Placeholder 2"/>
           <p:cNvSpPr>
             <a:spLocks noGrp="1"/>
           </p:cNvSpPr>
@@ -1284,13 +4405,43 @@
         </p:nvSpPr>
         <p:spPr>
           <a:xfrm>
-            <a:off x="838200" y="1825625"/>
-            <a:ext cx="5181600" cy="4351338"/>
+            <a:off x="1484312" y="2666999"/>
+            <a:ext cx="4895055" cy="3124201"/>
           </a:xfrm>
         </p:spPr>
         <p:txBody>
-          <a:bodyPr/>
-          <a:lstStyle/>
+          <a:bodyPr>
+            <a:normAutofit/>
+          </a:bodyPr>
+          <a:lstStyle>
+            <a:lvl1pPr>
+              <a:defRPr sz="1800"/>
+            </a:lvl1pPr>
+            <a:lvl2pPr>
+              <a:defRPr sz="1600"/>
+            </a:lvl2pPr>
+            <a:lvl3pPr>
+              <a:defRPr sz="1400"/>
+            </a:lvl3pPr>
+            <a:lvl4pPr>
+              <a:defRPr sz="1200"/>
+            </a:lvl4pPr>
+            <a:lvl5pPr>
+              <a:defRPr sz="1200"/>
+            </a:lvl5pPr>
+            <a:lvl6pPr>
+              <a:defRPr sz="1200"/>
+            </a:lvl6pPr>
+            <a:lvl7pPr>
+              <a:defRPr sz="1200"/>
+            </a:lvl7pPr>
+            <a:lvl8pPr>
+              <a:defRPr sz="1200"/>
+            </a:lvl8pPr>
+            <a:lvl9pPr>
+              <a:defRPr sz="1200"/>
+            </a:lvl9pPr>
+          </a:lstStyle>
           <a:p>
             <a:pPr lvl="0"/>
             <a:r>
@@ -1325,19 +4476,13 @@
               <a:rPr lang="en-US"/>
               <a:t>Fifth level</a:t>
             </a:r>
-            <a:endParaRPr lang="en-IN"/>
-          </a:p>
-        </p:txBody>
-      </p:sp>
-      <p:sp>
-        <p:nvSpPr>
-          <p:cNvPr id="4" name="Content Placeholder 3">
-            <a:extLst>
-              <a:ext uri="{FF2B5EF4-FFF2-40B4-BE49-F238E27FC236}">
-                <a16:creationId xmlns:a16="http://schemas.microsoft.com/office/drawing/2014/main" id="{BC69677F-021B-48CF-6E42-D6EE3BA2DD59}"/>
-              </a:ext>
-            </a:extLst>
-          </p:cNvPr>
+            <a:endParaRPr lang="en-US" dirty="0"/>
+          </a:p>
+        </p:txBody>
+      </p:sp>
+      <p:sp>
+        <p:nvSpPr>
+          <p:cNvPr id="4" name="Content Placeholder 3"/>
           <p:cNvSpPr>
             <a:spLocks noGrp="1"/>
           </p:cNvSpPr>
@@ -1347,13 +4492,43 @@
         </p:nvSpPr>
         <p:spPr>
           <a:xfrm>
-            <a:off x="6172200" y="1825625"/>
-            <a:ext cx="5181600" cy="4351338"/>
+            <a:off x="6607967" y="2667000"/>
+            <a:ext cx="4895056" cy="3124200"/>
           </a:xfrm>
         </p:spPr>
         <p:txBody>
-          <a:bodyPr/>
-          <a:lstStyle/>
+          <a:bodyPr>
+            <a:normAutofit/>
+          </a:bodyPr>
+          <a:lstStyle>
+            <a:lvl1pPr>
+              <a:defRPr sz="1800"/>
+            </a:lvl1pPr>
+            <a:lvl2pPr>
+              <a:defRPr sz="1600"/>
+            </a:lvl2pPr>
+            <a:lvl3pPr>
+              <a:defRPr sz="1400"/>
+            </a:lvl3pPr>
+            <a:lvl4pPr>
+              <a:defRPr sz="1200"/>
+            </a:lvl4pPr>
+            <a:lvl5pPr>
+              <a:defRPr sz="1200"/>
+            </a:lvl5pPr>
+            <a:lvl6pPr>
+              <a:defRPr sz="1200"/>
+            </a:lvl6pPr>
+            <a:lvl7pPr>
+              <a:defRPr sz="1200"/>
+            </a:lvl7pPr>
+            <a:lvl8pPr>
+              <a:defRPr sz="1200"/>
+            </a:lvl8pPr>
+            <a:lvl9pPr>
+              <a:defRPr sz="1200"/>
+            </a:lvl9pPr>
+          </a:lstStyle>
           <a:p>
             <a:pPr lvl="0"/>
             <a:r>
@@ -1388,19 +4563,13 @@
               <a:rPr lang="en-US"/>
               <a:t>Fifth level</a:t>
             </a:r>
-            <a:endParaRPr lang="en-IN"/>
-          </a:p>
-        </p:txBody>
-      </p:sp>
-      <p:sp>
-        <p:nvSpPr>
-          <p:cNvPr id="5" name="Date Placeholder 4">
-            <a:extLst>
-              <a:ext uri="{FF2B5EF4-FFF2-40B4-BE49-F238E27FC236}">
-                <a16:creationId xmlns:a16="http://schemas.microsoft.com/office/drawing/2014/main" id="{9C211E63-CD8B-E266-FAD1-027707355068}"/>
-              </a:ext>
-            </a:extLst>
-          </p:cNvPr>
+            <a:endParaRPr lang="en-US" dirty="0"/>
+          </a:p>
+        </p:txBody>
+      </p:sp>
+      <p:sp>
+        <p:nvSpPr>
+          <p:cNvPr id="5" name="Date Placeholder 4"/>
           <p:cNvSpPr>
             <a:spLocks noGrp="1"/>
           </p:cNvSpPr>
@@ -1423,13 +4592,7 @@
       </p:sp>
       <p:sp>
         <p:nvSpPr>
-          <p:cNvPr id="6" name="Footer Placeholder 5">
-            <a:extLst>
-              <a:ext uri="{FF2B5EF4-FFF2-40B4-BE49-F238E27FC236}">
-                <a16:creationId xmlns:a16="http://schemas.microsoft.com/office/drawing/2014/main" id="{03398FD5-67E8-9BF6-8C0F-362C42AA44EE}"/>
-              </a:ext>
-            </a:extLst>
-          </p:cNvPr>
+          <p:cNvPr id="6" name="Footer Placeholder 5"/>
           <p:cNvSpPr>
             <a:spLocks noGrp="1"/>
           </p:cNvSpPr>
@@ -1448,13 +4611,7 @@
       </p:sp>
       <p:sp>
         <p:nvSpPr>
-          <p:cNvPr id="7" name="Slide Number Placeholder 6">
-            <a:extLst>
-              <a:ext uri="{FF2B5EF4-FFF2-40B4-BE49-F238E27FC236}">
-                <a16:creationId xmlns:a16="http://schemas.microsoft.com/office/drawing/2014/main" id="{58C79522-1862-D02C-0F7F-CCD08B889BF9}"/>
-              </a:ext>
-            </a:extLst>
-          </p:cNvPr>
+          <p:cNvPr id="7" name="Slide Number Placeholder 6"/>
           <p:cNvSpPr>
             <a:spLocks noGrp="1"/>
           </p:cNvSpPr>
@@ -1478,7 +4635,7 @@
     </p:spTree>
     <p:extLst>
       <p:ext uri="{BB962C8B-B14F-4D97-AF65-F5344CB8AC3E}">
-        <p14:creationId xmlns:p14="http://schemas.microsoft.com/office/powerpoint/2010/main" val="2821772978"/>
+        <p14:creationId xmlns:p14="http://schemas.microsoft.com/office/powerpoint/2010/main" val="3926519783"/>
       </p:ext>
     </p:extLst>
   </p:cSld>
@@ -1507,66 +4664,61 @@
       </p:grpSpPr>
       <p:sp>
         <p:nvSpPr>
-          <p:cNvPr id="2" name="Title 1">
-            <a:extLst>
-              <a:ext uri="{FF2B5EF4-FFF2-40B4-BE49-F238E27FC236}">
-                <a16:creationId xmlns:a16="http://schemas.microsoft.com/office/drawing/2014/main" id="{95CF80DF-296F-0FA5-B614-A6F0ACA848C8}"/>
-              </a:ext>
-            </a:extLst>
-          </p:cNvPr>
+          <p:cNvPr id="2" name="Title 1"/>
           <p:cNvSpPr>
             <a:spLocks noGrp="1"/>
           </p:cNvSpPr>
           <p:nvPr>
             <p:ph type="title"/>
+          </p:nvPr>
+        </p:nvSpPr>
+        <p:spPr/>
+        <p:txBody>
+          <a:bodyPr/>
+          <a:lstStyle>
+            <a:lvl1pPr>
+              <a:defRPr/>
+            </a:lvl1pPr>
+          </a:lstStyle>
+          <a:p>
+            <a:r>
+              <a:rPr lang="en-US"/>
+              <a:t>Click to edit Master title style</a:t>
+            </a:r>
+            <a:endParaRPr lang="en-US" dirty="0"/>
+          </a:p>
+        </p:txBody>
+      </p:sp>
+      <p:sp>
+        <p:nvSpPr>
+          <p:cNvPr id="3" name="Text Placeholder 2"/>
+          <p:cNvSpPr>
+            <a:spLocks noGrp="1"/>
+          </p:cNvSpPr>
+          <p:nvPr>
+            <p:ph type="body" idx="1"/>
           </p:nvPr>
         </p:nvSpPr>
         <p:spPr>
           <a:xfrm>
-            <a:off x="839788" y="365125"/>
-            <a:ext cx="10515600" cy="1325563"/>
+            <a:off x="1772179" y="2658533"/>
+            <a:ext cx="4607188" cy="576262"/>
           </a:xfrm>
         </p:spPr>
         <p:txBody>
-          <a:bodyPr/>
-          <a:lstStyle/>
-          <a:p>
-            <a:r>
-              <a:rPr lang="en-US"/>
-              <a:t>Click to edit Master title style</a:t>
-            </a:r>
-            <a:endParaRPr lang="en-IN"/>
-          </a:p>
-        </p:txBody>
-      </p:sp>
-      <p:sp>
-        <p:nvSpPr>
-          <p:cNvPr id="3" name="Text Placeholder 2">
-            <a:extLst>
-              <a:ext uri="{FF2B5EF4-FFF2-40B4-BE49-F238E27FC236}">
-                <a16:creationId xmlns:a16="http://schemas.microsoft.com/office/drawing/2014/main" id="{E01E3A20-13F9-3D12-EAB0-8495B387B0AC}"/>
-              </a:ext>
-            </a:extLst>
-          </p:cNvPr>
-          <p:cNvSpPr>
-            <a:spLocks noGrp="1"/>
-          </p:cNvSpPr>
-          <p:nvPr>
-            <p:ph type="body" idx="1"/>
-          </p:nvPr>
-        </p:nvSpPr>
-        <p:spPr>
-          <a:xfrm>
-            <a:off x="839788" y="1681163"/>
-            <a:ext cx="5157787" cy="823912"/>
-          </a:xfrm>
-        </p:spPr>
-        <p:txBody>
-          <a:bodyPr anchor="b"/>
+          <a:bodyPr anchor="b">
+            <a:noAutofit/>
+          </a:bodyPr>
           <a:lstStyle>
             <a:lvl1pPr marL="0" indent="0">
               <a:buNone/>
-              <a:defRPr sz="2400" b="1"/>
+              <a:defRPr sz="2800" b="0">
+                <a:solidFill>
+                  <a:schemeClr val="accent1">
+                    <a:lumMod val="75000"/>
+                  </a:schemeClr>
+                </a:solidFill>
+              </a:defRPr>
             </a:lvl1pPr>
             <a:lvl2pPr marL="457200" indent="0">
               <a:buNone/>
@@ -1612,13 +4764,7 @@
       </p:sp>
       <p:sp>
         <p:nvSpPr>
-          <p:cNvPr id="4" name="Content Placeholder 3">
-            <a:extLst>
-              <a:ext uri="{FF2B5EF4-FFF2-40B4-BE49-F238E27FC236}">
-                <a16:creationId xmlns:a16="http://schemas.microsoft.com/office/drawing/2014/main" id="{714ABF15-043C-187F-9132-A8F711570017}"/>
-              </a:ext>
-            </a:extLst>
-          </p:cNvPr>
+          <p:cNvPr id="4" name="Content Placeholder 3"/>
           <p:cNvSpPr>
             <a:spLocks noGrp="1"/>
           </p:cNvSpPr>
@@ -1628,13 +4774,43 @@
         </p:nvSpPr>
         <p:spPr>
           <a:xfrm>
-            <a:off x="839788" y="2505075"/>
-            <a:ext cx="5157787" cy="3684588"/>
+            <a:off x="1484311" y="3335337"/>
+            <a:ext cx="4895056" cy="2455862"/>
           </a:xfrm>
         </p:spPr>
         <p:txBody>
-          <a:bodyPr/>
-          <a:lstStyle/>
+          <a:bodyPr anchor="t">
+            <a:normAutofit/>
+          </a:bodyPr>
+          <a:lstStyle>
+            <a:lvl1pPr>
+              <a:defRPr sz="1800"/>
+            </a:lvl1pPr>
+            <a:lvl2pPr>
+              <a:defRPr sz="1600"/>
+            </a:lvl2pPr>
+            <a:lvl3pPr>
+              <a:defRPr sz="1400"/>
+            </a:lvl3pPr>
+            <a:lvl4pPr>
+              <a:defRPr sz="1200"/>
+            </a:lvl4pPr>
+            <a:lvl5pPr>
+              <a:defRPr sz="1200"/>
+            </a:lvl5pPr>
+            <a:lvl6pPr>
+              <a:defRPr sz="1200"/>
+            </a:lvl6pPr>
+            <a:lvl7pPr>
+              <a:defRPr sz="1200"/>
+            </a:lvl7pPr>
+            <a:lvl8pPr>
+              <a:defRPr sz="1200"/>
+            </a:lvl8pPr>
+            <a:lvl9pPr>
+              <a:defRPr sz="1200"/>
+            </a:lvl9pPr>
+          </a:lstStyle>
           <a:p>
             <a:pPr lvl="0"/>
             <a:r>
@@ -1669,19 +4845,13 @@
               <a:rPr lang="en-US"/>
               <a:t>Fifth level</a:t>
             </a:r>
-            <a:endParaRPr lang="en-IN"/>
-          </a:p>
-        </p:txBody>
-      </p:sp>
-      <p:sp>
-        <p:nvSpPr>
-          <p:cNvPr id="5" name="Text Placeholder 4">
-            <a:extLst>
-              <a:ext uri="{FF2B5EF4-FFF2-40B4-BE49-F238E27FC236}">
-                <a16:creationId xmlns:a16="http://schemas.microsoft.com/office/drawing/2014/main" id="{9CDDBFD6-0979-13BC-892D-5249941BD9F1}"/>
-              </a:ext>
-            </a:extLst>
-          </p:cNvPr>
+            <a:endParaRPr lang="en-US" dirty="0"/>
+          </a:p>
+        </p:txBody>
+      </p:sp>
+      <p:sp>
+        <p:nvSpPr>
+          <p:cNvPr id="5" name="Text Placeholder 4"/>
           <p:cNvSpPr>
             <a:spLocks noGrp="1"/>
           </p:cNvSpPr>
@@ -1691,16 +4861,24 @@
         </p:nvSpPr>
         <p:spPr>
           <a:xfrm>
-            <a:off x="6172200" y="1681163"/>
-            <a:ext cx="5183188" cy="823912"/>
+            <a:off x="6880487" y="2667000"/>
+            <a:ext cx="4622537" cy="576262"/>
           </a:xfrm>
         </p:spPr>
         <p:txBody>
-          <a:bodyPr anchor="b"/>
+          <a:bodyPr anchor="b">
+            <a:noAutofit/>
+          </a:bodyPr>
           <a:lstStyle>
             <a:lvl1pPr marL="0" indent="0">
               <a:buNone/>
-              <a:defRPr sz="2400" b="1"/>
+              <a:defRPr sz="2800" b="0">
+                <a:solidFill>
+                  <a:schemeClr val="accent1">
+                    <a:lumMod val="75000"/>
+                  </a:schemeClr>
+                </a:solidFill>
+              </a:defRPr>
             </a:lvl1pPr>
             <a:lvl2pPr marL="457200" indent="0">
               <a:buNone/>
@@ -1746,13 +4924,7 @@
       </p:sp>
       <p:sp>
         <p:nvSpPr>
-          <p:cNvPr id="6" name="Content Placeholder 5">
-            <a:extLst>
-              <a:ext uri="{FF2B5EF4-FFF2-40B4-BE49-F238E27FC236}">
-                <a16:creationId xmlns:a16="http://schemas.microsoft.com/office/drawing/2014/main" id="{A46B5778-FFBD-5E86-58AA-ECDD4A79A6CA}"/>
-              </a:ext>
-            </a:extLst>
-          </p:cNvPr>
+          <p:cNvPr id="6" name="Content Placeholder 5"/>
           <p:cNvSpPr>
             <a:spLocks noGrp="1"/>
           </p:cNvSpPr>
@@ -1762,13 +4934,43 @@
         </p:nvSpPr>
         <p:spPr>
           <a:xfrm>
-            <a:off x="6172200" y="2505075"/>
-            <a:ext cx="5183188" cy="3684588"/>
+            <a:off x="6607967" y="3335337"/>
+            <a:ext cx="4895056" cy="2455862"/>
           </a:xfrm>
         </p:spPr>
         <p:txBody>
-          <a:bodyPr/>
-          <a:lstStyle/>
+          <a:bodyPr anchor="t">
+            <a:normAutofit/>
+          </a:bodyPr>
+          <a:lstStyle>
+            <a:lvl1pPr>
+              <a:defRPr sz="1800"/>
+            </a:lvl1pPr>
+            <a:lvl2pPr>
+              <a:defRPr sz="1600"/>
+            </a:lvl2pPr>
+            <a:lvl3pPr>
+              <a:defRPr sz="1400"/>
+            </a:lvl3pPr>
+            <a:lvl4pPr>
+              <a:defRPr sz="1200"/>
+            </a:lvl4pPr>
+            <a:lvl5pPr>
+              <a:defRPr sz="1200"/>
+            </a:lvl5pPr>
+            <a:lvl6pPr>
+              <a:defRPr sz="1200"/>
+            </a:lvl6pPr>
+            <a:lvl7pPr>
+              <a:defRPr sz="1200"/>
+            </a:lvl7pPr>
+            <a:lvl8pPr>
+              <a:defRPr sz="1200"/>
+            </a:lvl8pPr>
+            <a:lvl9pPr>
+              <a:defRPr sz="1200"/>
+            </a:lvl9pPr>
+          </a:lstStyle>
           <a:p>
             <a:pPr lvl="0"/>
             <a:r>
@@ -1803,19 +5005,13 @@
               <a:rPr lang="en-US"/>
               <a:t>Fifth level</a:t>
             </a:r>
-            <a:endParaRPr lang="en-IN"/>
-          </a:p>
-        </p:txBody>
-      </p:sp>
-      <p:sp>
-        <p:nvSpPr>
-          <p:cNvPr id="7" name="Date Placeholder 6">
-            <a:extLst>
-              <a:ext uri="{FF2B5EF4-FFF2-40B4-BE49-F238E27FC236}">
-                <a16:creationId xmlns:a16="http://schemas.microsoft.com/office/drawing/2014/main" id="{921D8A7D-598B-F1D1-B113-6B8B37F89E27}"/>
-              </a:ext>
-            </a:extLst>
-          </p:cNvPr>
+            <a:endParaRPr lang="en-US" dirty="0"/>
+          </a:p>
+        </p:txBody>
+      </p:sp>
+      <p:sp>
+        <p:nvSpPr>
+          <p:cNvPr id="7" name="Date Placeholder 6"/>
           <p:cNvSpPr>
             <a:spLocks noGrp="1"/>
           </p:cNvSpPr>
@@ -1838,13 +5034,7 @@
       </p:sp>
       <p:sp>
         <p:nvSpPr>
-          <p:cNvPr id="8" name="Footer Placeholder 7">
-            <a:extLst>
-              <a:ext uri="{FF2B5EF4-FFF2-40B4-BE49-F238E27FC236}">
-                <a16:creationId xmlns:a16="http://schemas.microsoft.com/office/drawing/2014/main" id="{658309FA-5330-AA9E-8AB9-ADFE3045E451}"/>
-              </a:ext>
-            </a:extLst>
-          </p:cNvPr>
+          <p:cNvPr id="8" name="Footer Placeholder 7"/>
           <p:cNvSpPr>
             <a:spLocks noGrp="1"/>
           </p:cNvSpPr>
@@ -1863,13 +5053,7 @@
       </p:sp>
       <p:sp>
         <p:nvSpPr>
-          <p:cNvPr id="9" name="Slide Number Placeholder 8">
-            <a:extLst>
-              <a:ext uri="{FF2B5EF4-FFF2-40B4-BE49-F238E27FC236}">
-                <a16:creationId xmlns:a16="http://schemas.microsoft.com/office/drawing/2014/main" id="{CC2C43A5-522A-1299-0401-0713C91981CD}"/>
-              </a:ext>
-            </a:extLst>
-          </p:cNvPr>
+          <p:cNvPr id="9" name="Slide Number Placeholder 8"/>
           <p:cNvSpPr>
             <a:spLocks noGrp="1"/>
           </p:cNvSpPr>
@@ -1893,7 +5077,7 @@
     </p:spTree>
     <p:extLst>
       <p:ext uri="{BB962C8B-B14F-4D97-AF65-F5344CB8AC3E}">
-        <p14:creationId xmlns:p14="http://schemas.microsoft.com/office/powerpoint/2010/main" val="294014120"/>
+        <p14:creationId xmlns:p14="http://schemas.microsoft.com/office/powerpoint/2010/main" val="3157954225"/>
       </p:ext>
     </p:extLst>
   </p:cSld>
@@ -1922,13 +5106,7 @@
       </p:grpSpPr>
       <p:sp>
         <p:nvSpPr>
-          <p:cNvPr id="2" name="Title 1">
-            <a:extLst>
-              <a:ext uri="{FF2B5EF4-FFF2-40B4-BE49-F238E27FC236}">
-                <a16:creationId xmlns:a16="http://schemas.microsoft.com/office/drawing/2014/main" id="{90B88E31-BA32-6C65-FA54-232246CE7650}"/>
-              </a:ext>
-            </a:extLst>
-          </p:cNvPr>
+          <p:cNvPr id="2" name="Title 1"/>
           <p:cNvSpPr>
             <a:spLocks noGrp="1"/>
           </p:cNvSpPr>
@@ -1945,19 +5123,13 @@
               <a:rPr lang="en-US"/>
               <a:t>Click to edit Master title style</a:t>
             </a:r>
-            <a:endParaRPr lang="en-IN"/>
-          </a:p>
-        </p:txBody>
-      </p:sp>
-      <p:sp>
-        <p:nvSpPr>
-          <p:cNvPr id="3" name="Date Placeholder 2">
-            <a:extLst>
-              <a:ext uri="{FF2B5EF4-FFF2-40B4-BE49-F238E27FC236}">
-                <a16:creationId xmlns:a16="http://schemas.microsoft.com/office/drawing/2014/main" id="{7EDFAC6B-1AE3-F941-A5F0-261735D89636}"/>
-              </a:ext>
-            </a:extLst>
-          </p:cNvPr>
+            <a:endParaRPr lang="en-US" dirty="0"/>
+          </a:p>
+        </p:txBody>
+      </p:sp>
+      <p:sp>
+        <p:nvSpPr>
+          <p:cNvPr id="3" name="Date Placeholder 2"/>
           <p:cNvSpPr>
             <a:spLocks noGrp="1"/>
           </p:cNvSpPr>
@@ -1980,13 +5152,7 @@
       </p:sp>
       <p:sp>
         <p:nvSpPr>
-          <p:cNvPr id="4" name="Footer Placeholder 3">
-            <a:extLst>
-              <a:ext uri="{FF2B5EF4-FFF2-40B4-BE49-F238E27FC236}">
-                <a16:creationId xmlns:a16="http://schemas.microsoft.com/office/drawing/2014/main" id="{E29C17D9-DCF9-D208-0156-EF361DE99041}"/>
-              </a:ext>
-            </a:extLst>
-          </p:cNvPr>
+          <p:cNvPr id="4" name="Footer Placeholder 3"/>
           <p:cNvSpPr>
             <a:spLocks noGrp="1"/>
           </p:cNvSpPr>
@@ -2005,13 +5171,7 @@
       </p:sp>
       <p:sp>
         <p:nvSpPr>
-          <p:cNvPr id="5" name="Slide Number Placeholder 4">
-            <a:extLst>
-              <a:ext uri="{FF2B5EF4-FFF2-40B4-BE49-F238E27FC236}">
-                <a16:creationId xmlns:a16="http://schemas.microsoft.com/office/drawing/2014/main" id="{DB3633E9-0ACC-C0F6-C566-CE262C0108F6}"/>
-              </a:ext>
-            </a:extLst>
-          </p:cNvPr>
+          <p:cNvPr id="5" name="Slide Number Placeholder 4"/>
           <p:cNvSpPr>
             <a:spLocks noGrp="1"/>
           </p:cNvSpPr>
@@ -2035,7 +5195,7 @@
     </p:spTree>
     <p:extLst>
       <p:ext uri="{BB962C8B-B14F-4D97-AF65-F5344CB8AC3E}">
-        <p14:creationId xmlns:p14="http://schemas.microsoft.com/office/powerpoint/2010/main" val="2607536579"/>
+        <p14:creationId xmlns:p14="http://schemas.microsoft.com/office/powerpoint/2010/main" val="3908492617"/>
       </p:ext>
     </p:extLst>
   </p:cSld>
@@ -2064,13 +5224,7 @@
       </p:grpSpPr>
       <p:sp>
         <p:nvSpPr>
-          <p:cNvPr id="2" name="Date Placeholder 1">
-            <a:extLst>
-              <a:ext uri="{FF2B5EF4-FFF2-40B4-BE49-F238E27FC236}">
-                <a16:creationId xmlns:a16="http://schemas.microsoft.com/office/drawing/2014/main" id="{D61EADA9-A2A1-A320-5EFC-657B1FBFE104}"/>
-              </a:ext>
-            </a:extLst>
-          </p:cNvPr>
+          <p:cNvPr id="2" name="Date Placeholder 1"/>
           <p:cNvSpPr>
             <a:spLocks noGrp="1"/>
           </p:cNvSpPr>
@@ -2093,13 +5247,7 @@
       </p:sp>
       <p:sp>
         <p:nvSpPr>
-          <p:cNvPr id="3" name="Footer Placeholder 2">
-            <a:extLst>
-              <a:ext uri="{FF2B5EF4-FFF2-40B4-BE49-F238E27FC236}">
-                <a16:creationId xmlns:a16="http://schemas.microsoft.com/office/drawing/2014/main" id="{DC87D36A-F155-1CA6-A3ED-A8FBE6D9F6FC}"/>
-              </a:ext>
-            </a:extLst>
-          </p:cNvPr>
+          <p:cNvPr id="3" name="Footer Placeholder 2"/>
           <p:cNvSpPr>
             <a:spLocks noGrp="1"/>
           </p:cNvSpPr>
@@ -2118,13 +5266,7 @@
       </p:sp>
       <p:sp>
         <p:nvSpPr>
-          <p:cNvPr id="4" name="Slide Number Placeholder 3">
-            <a:extLst>
-              <a:ext uri="{FF2B5EF4-FFF2-40B4-BE49-F238E27FC236}">
-                <a16:creationId xmlns:a16="http://schemas.microsoft.com/office/drawing/2014/main" id="{C22B9450-FD0E-8448-59CA-52052C2F23AB}"/>
-              </a:ext>
-            </a:extLst>
-          </p:cNvPr>
+          <p:cNvPr id="4" name="Slide Number Placeholder 3"/>
           <p:cNvSpPr>
             <a:spLocks noGrp="1"/>
           </p:cNvSpPr>
@@ -2148,7 +5290,7 @@
     </p:spTree>
     <p:extLst>
       <p:ext uri="{BB962C8B-B14F-4D97-AF65-F5344CB8AC3E}">
-        <p14:creationId xmlns:p14="http://schemas.microsoft.com/office/powerpoint/2010/main" val="2360685388"/>
+        <p14:creationId xmlns:p14="http://schemas.microsoft.com/office/powerpoint/2010/main" val="542922477"/>
       </p:ext>
     </p:extLst>
   </p:cSld>
@@ -2177,13 +5319,7 @@
       </p:grpSpPr>
       <p:sp>
         <p:nvSpPr>
-          <p:cNvPr id="2" name="Title 1">
-            <a:extLst>
-              <a:ext uri="{FF2B5EF4-FFF2-40B4-BE49-F238E27FC236}">
-                <a16:creationId xmlns:a16="http://schemas.microsoft.com/office/drawing/2014/main" id="{30CD4CC2-E81F-B42A-ADC3-DFC2DC6982D0}"/>
-              </a:ext>
-            </a:extLst>
-          </p:cNvPr>
+          <p:cNvPr id="2" name="Title 1"/>
           <p:cNvSpPr>
             <a:spLocks noGrp="1"/>
           </p:cNvSpPr>
@@ -2193,177 +5329,171 @@
         </p:nvSpPr>
         <p:spPr>
           <a:xfrm>
-            <a:off x="839788" y="457200"/>
-            <a:ext cx="3932237" cy="1600200"/>
+            <a:off x="1484312" y="1600200"/>
+            <a:ext cx="3549121" cy="1371600"/>
           </a:xfrm>
         </p:spPr>
         <p:txBody>
-          <a:bodyPr anchor="b"/>
+          <a:bodyPr anchor="b">
+            <a:normAutofit/>
+          </a:bodyPr>
+          <a:lstStyle>
+            <a:lvl1pPr algn="ctr">
+              <a:defRPr sz="2400" b="0"/>
+            </a:lvl1pPr>
+          </a:lstStyle>
+          <a:p>
+            <a:r>
+              <a:rPr lang="en-US"/>
+              <a:t>Click to edit Master title style</a:t>
+            </a:r>
+            <a:endParaRPr lang="en-US" dirty="0"/>
+          </a:p>
+        </p:txBody>
+      </p:sp>
+      <p:sp>
+        <p:nvSpPr>
+          <p:cNvPr id="3" name="Content Placeholder 2"/>
+          <p:cNvSpPr>
+            <a:spLocks noGrp="1"/>
+          </p:cNvSpPr>
+          <p:nvPr>
+            <p:ph idx="1"/>
+          </p:nvPr>
+        </p:nvSpPr>
+        <p:spPr>
+          <a:xfrm>
+            <a:off x="5262033" y="685799"/>
+            <a:ext cx="6240990" cy="5105401"/>
+          </a:xfrm>
+        </p:spPr>
+        <p:txBody>
+          <a:bodyPr anchor="ctr">
+            <a:normAutofit/>
+          </a:bodyPr>
           <a:lstStyle>
             <a:lvl1pPr>
-              <a:defRPr sz="3200"/>
+              <a:defRPr sz="2000"/>
             </a:lvl1pPr>
+            <a:lvl2pPr>
+              <a:defRPr sz="1800"/>
+            </a:lvl2pPr>
+            <a:lvl3pPr>
+              <a:defRPr sz="1600"/>
+            </a:lvl3pPr>
+            <a:lvl4pPr>
+              <a:defRPr sz="1400"/>
+            </a:lvl4pPr>
+            <a:lvl5pPr>
+              <a:defRPr sz="1400"/>
+            </a:lvl5pPr>
+            <a:lvl6pPr>
+              <a:defRPr sz="1400"/>
+            </a:lvl6pPr>
+            <a:lvl7pPr>
+              <a:defRPr sz="1400"/>
+            </a:lvl7pPr>
+            <a:lvl8pPr>
+              <a:defRPr sz="1400"/>
+            </a:lvl8pPr>
+            <a:lvl9pPr>
+              <a:defRPr sz="1400"/>
+            </a:lvl9pPr>
           </a:lstStyle>
           <a:p>
+            <a:pPr lvl="0"/>
             <a:r>
               <a:rPr lang="en-US"/>
-              <a:t>Click to edit Master title style</a:t>
-            </a:r>
-            <a:endParaRPr lang="en-IN"/>
-          </a:p>
-        </p:txBody>
-      </p:sp>
-      <p:sp>
-        <p:nvSpPr>
-          <p:cNvPr id="3" name="Content Placeholder 2">
-            <a:extLst>
-              <a:ext uri="{FF2B5EF4-FFF2-40B4-BE49-F238E27FC236}">
-                <a16:creationId xmlns:a16="http://schemas.microsoft.com/office/drawing/2014/main" id="{DE0C4A6F-361A-9510-A331-6FAE56E2C451}"/>
-              </a:ext>
-            </a:extLst>
-          </p:cNvPr>
-          <p:cNvSpPr>
-            <a:spLocks noGrp="1"/>
-          </p:cNvSpPr>
-          <p:nvPr>
-            <p:ph idx="1"/>
+              <a:t>Click to edit Master text styles</a:t>
+            </a:r>
+          </a:p>
+          <a:p>
+            <a:pPr lvl="1"/>
+            <a:r>
+              <a:rPr lang="en-US"/>
+              <a:t>Second level</a:t>
+            </a:r>
+          </a:p>
+          <a:p>
+            <a:pPr lvl="2"/>
+            <a:r>
+              <a:rPr lang="en-US"/>
+              <a:t>Third level</a:t>
+            </a:r>
+          </a:p>
+          <a:p>
+            <a:pPr lvl="3"/>
+            <a:r>
+              <a:rPr lang="en-US"/>
+              <a:t>Fourth level</a:t>
+            </a:r>
+          </a:p>
+          <a:p>
+            <a:pPr lvl="4"/>
+            <a:r>
+              <a:rPr lang="en-US"/>
+              <a:t>Fifth level</a:t>
+            </a:r>
+            <a:endParaRPr lang="en-US" dirty="0"/>
+          </a:p>
+        </p:txBody>
+      </p:sp>
+      <p:sp>
+        <p:nvSpPr>
+          <p:cNvPr id="4" name="Text Placeholder 3"/>
+          <p:cNvSpPr>
+            <a:spLocks noGrp="1"/>
+          </p:cNvSpPr>
+          <p:nvPr>
+            <p:ph type="body" sz="half" idx="2"/>
           </p:nvPr>
         </p:nvSpPr>
         <p:spPr>
           <a:xfrm>
-            <a:off x="5183188" y="987425"/>
-            <a:ext cx="6172200" cy="4873625"/>
+            <a:off x="1484312" y="2971800"/>
+            <a:ext cx="3549121" cy="1828800"/>
           </a:xfrm>
         </p:spPr>
         <p:txBody>
-          <a:bodyPr/>
+          <a:bodyPr>
+            <a:normAutofit/>
+          </a:bodyPr>
           <a:lstStyle>
-            <a:lvl1pPr>
-              <a:defRPr sz="3200"/>
-            </a:lvl1pPr>
-            <a:lvl2pPr>
-              <a:defRPr sz="2800"/>
-            </a:lvl2pPr>
-            <a:lvl3pPr>
-              <a:defRPr sz="2400"/>
-            </a:lvl3pPr>
-            <a:lvl4pPr>
-              <a:defRPr sz="2000"/>
-            </a:lvl4pPr>
-            <a:lvl5pPr>
-              <a:defRPr sz="2000"/>
-            </a:lvl5pPr>
-            <a:lvl6pPr>
-              <a:defRPr sz="2000"/>
-            </a:lvl6pPr>
-            <a:lvl7pPr>
-              <a:defRPr sz="2000"/>
-            </a:lvl7pPr>
-            <a:lvl8pPr>
-              <a:defRPr sz="2000"/>
-            </a:lvl8pPr>
-            <a:lvl9pPr>
-              <a:defRPr sz="2000"/>
-            </a:lvl9pPr>
-          </a:lstStyle>
-          <a:p>
-            <a:pPr lvl="0"/>
-            <a:r>
-              <a:rPr lang="en-US"/>
-              <a:t>Click to edit Master text styles</a:t>
-            </a:r>
-          </a:p>
-          <a:p>
-            <a:pPr lvl="1"/>
-            <a:r>
-              <a:rPr lang="en-US"/>
-              <a:t>Second level</a:t>
-            </a:r>
-          </a:p>
-          <a:p>
-            <a:pPr lvl="2"/>
-            <a:r>
-              <a:rPr lang="en-US"/>
-              <a:t>Third level</a:t>
-            </a:r>
-          </a:p>
-          <a:p>
-            <a:pPr lvl="3"/>
-            <a:r>
-              <a:rPr lang="en-US"/>
-              <a:t>Fourth level</a:t>
-            </a:r>
-          </a:p>
-          <a:p>
-            <a:pPr lvl="4"/>
-            <a:r>
-              <a:rPr lang="en-US"/>
-              <a:t>Fifth level</a:t>
-            </a:r>
-            <a:endParaRPr lang="en-IN"/>
-          </a:p>
-        </p:txBody>
-      </p:sp>
-      <p:sp>
-        <p:nvSpPr>
-          <p:cNvPr id="4" name="Text Placeholder 3">
-            <a:extLst>
-              <a:ext uri="{FF2B5EF4-FFF2-40B4-BE49-F238E27FC236}">
-                <a16:creationId xmlns:a16="http://schemas.microsoft.com/office/drawing/2014/main" id="{1BFA9E42-A745-BD0F-657D-C5622C38722C}"/>
-              </a:ext>
-            </a:extLst>
-          </p:cNvPr>
-          <p:cNvSpPr>
-            <a:spLocks noGrp="1"/>
-          </p:cNvSpPr>
-          <p:nvPr>
-            <p:ph type="body" sz="half" idx="2"/>
-          </p:nvPr>
-        </p:nvSpPr>
-        <p:spPr>
-          <a:xfrm>
-            <a:off x="839788" y="2057400"/>
-            <a:ext cx="3932237" cy="3811588"/>
-          </a:xfrm>
-        </p:spPr>
-        <p:txBody>
-          <a:bodyPr/>
-          <a:lstStyle>
-            <a:lvl1pPr marL="0" indent="0">
+            <a:lvl1pPr marL="0" indent="0" algn="ctr">
               <a:buNone/>
               <a:defRPr sz="1600"/>
             </a:lvl1pPr>
             <a:lvl2pPr marL="457200" indent="0">
               <a:buNone/>
-              <a:defRPr sz="1400"/>
+              <a:defRPr sz="1200"/>
             </a:lvl2pPr>
             <a:lvl3pPr marL="914400" indent="0">
               <a:buNone/>
-              <a:defRPr sz="1200"/>
+              <a:defRPr sz="1000"/>
             </a:lvl3pPr>
             <a:lvl4pPr marL="1371600" indent="0">
               <a:buNone/>
-              <a:defRPr sz="1000"/>
+              <a:defRPr sz="900"/>
             </a:lvl4pPr>
             <a:lvl5pPr marL="1828800" indent="0">
               <a:buNone/>
-              <a:defRPr sz="1000"/>
+              <a:defRPr sz="900"/>
             </a:lvl5pPr>
             <a:lvl6pPr marL="2286000" indent="0">
               <a:buNone/>
-              <a:defRPr sz="1000"/>
+              <a:defRPr sz="900"/>
             </a:lvl6pPr>
             <a:lvl7pPr marL="2743200" indent="0">
               <a:buNone/>
-              <a:defRPr sz="1000"/>
+              <a:defRPr sz="900"/>
             </a:lvl7pPr>
             <a:lvl8pPr marL="3200400" indent="0">
               <a:buNone/>
-              <a:defRPr sz="1000"/>
+              <a:defRPr sz="900"/>
             </a:lvl8pPr>
             <a:lvl9pPr marL="3657600" indent="0">
               <a:buNone/>
-              <a:defRPr sz="1000"/>
+              <a:defRPr sz="900"/>
             </a:lvl9pPr>
           </a:lstStyle>
           <a:p>
@@ -2377,13 +5507,7 @@
       </p:sp>
       <p:sp>
         <p:nvSpPr>
-          <p:cNvPr id="5" name="Date Placeholder 4">
-            <a:extLst>
-              <a:ext uri="{FF2B5EF4-FFF2-40B4-BE49-F238E27FC236}">
-                <a16:creationId xmlns:a16="http://schemas.microsoft.com/office/drawing/2014/main" id="{13DFD703-1DEF-9E0E-57C2-2083E3A25E1B}"/>
-              </a:ext>
-            </a:extLst>
-          </p:cNvPr>
+          <p:cNvPr id="5" name="Date Placeholder 4"/>
           <p:cNvSpPr>
             <a:spLocks noGrp="1"/>
           </p:cNvSpPr>
@@ -2406,13 +5530,7 @@
       </p:sp>
       <p:sp>
         <p:nvSpPr>
-          <p:cNvPr id="6" name="Footer Placeholder 5">
-            <a:extLst>
-              <a:ext uri="{FF2B5EF4-FFF2-40B4-BE49-F238E27FC236}">
-                <a16:creationId xmlns:a16="http://schemas.microsoft.com/office/drawing/2014/main" id="{2C9F26BF-6005-4B52-1F0F-566FE54D8D51}"/>
-              </a:ext>
-            </a:extLst>
-          </p:cNvPr>
+          <p:cNvPr id="6" name="Footer Placeholder 5"/>
           <p:cNvSpPr>
             <a:spLocks noGrp="1"/>
           </p:cNvSpPr>
@@ -2431,13 +5549,7 @@
       </p:sp>
       <p:sp>
         <p:nvSpPr>
-          <p:cNvPr id="7" name="Slide Number Placeholder 6">
-            <a:extLst>
-              <a:ext uri="{FF2B5EF4-FFF2-40B4-BE49-F238E27FC236}">
-                <a16:creationId xmlns:a16="http://schemas.microsoft.com/office/drawing/2014/main" id="{3ED905BB-AC60-F6EB-36C3-A08EB93B2EAB}"/>
-              </a:ext>
-            </a:extLst>
-          </p:cNvPr>
+          <p:cNvPr id="7" name="Slide Number Placeholder 6"/>
           <p:cNvSpPr>
             <a:spLocks noGrp="1"/>
           </p:cNvSpPr>
@@ -2461,7 +5573,7 @@
     </p:spTree>
     <p:extLst>
       <p:ext uri="{BB962C8B-B14F-4D97-AF65-F5344CB8AC3E}">
-        <p14:creationId xmlns:p14="http://schemas.microsoft.com/office/powerpoint/2010/main" val="253516375"/>
+        <p14:creationId xmlns:p14="http://schemas.microsoft.com/office/powerpoint/2010/main" val="3410167963"/>
       </p:ext>
     </p:extLst>
   </p:cSld>
@@ -2490,13 +5602,7 @@
       </p:grpSpPr>
       <p:sp>
         <p:nvSpPr>
-          <p:cNvPr id="2" name="Title 1">
-            <a:extLst>
-              <a:ext uri="{FF2B5EF4-FFF2-40B4-BE49-F238E27FC236}">
-                <a16:creationId xmlns:a16="http://schemas.microsoft.com/office/drawing/2014/main" id="{9DEC981A-BB5E-D042-6395-364CF83B7733}"/>
-              </a:ext>
-            </a:extLst>
-          </p:cNvPr>
+          <p:cNvPr id="2" name="Title 1"/>
           <p:cNvSpPr>
             <a:spLocks noGrp="1"/>
           </p:cNvSpPr>
@@ -2506,15 +5612,17 @@
         </p:nvSpPr>
         <p:spPr>
           <a:xfrm>
-            <a:off x="839788" y="457200"/>
-            <a:ext cx="3932237" cy="1600200"/>
+            <a:off x="1482724" y="1752599"/>
+            <a:ext cx="5426158" cy="1371600"/>
           </a:xfrm>
         </p:spPr>
         <p:txBody>
-          <a:bodyPr anchor="b"/>
+          <a:bodyPr anchor="b">
+            <a:normAutofit/>
+          </a:bodyPr>
           <a:lstStyle>
-            <a:lvl1pPr>
-              <a:defRPr sz="3200"/>
+            <a:lvl1pPr algn="ctr">
+              <a:defRPr sz="2800" b="0"/>
             </a:lvl1pPr>
           </a:lstStyle>
           <a:p>
@@ -2522,21 +5630,15 @@
               <a:rPr lang="en-US"/>
               <a:t>Click to edit Master title style</a:t>
             </a:r>
-            <a:endParaRPr lang="en-IN"/>
-          </a:p>
-        </p:txBody>
-      </p:sp>
-      <p:sp>
-        <p:nvSpPr>
-          <p:cNvPr id="3" name="Picture Placeholder 2">
-            <a:extLst>
-              <a:ext uri="{FF2B5EF4-FFF2-40B4-BE49-F238E27FC236}">
-                <a16:creationId xmlns:a16="http://schemas.microsoft.com/office/drawing/2014/main" id="{88D6B59C-2713-AA17-2D4D-3588E4D53D74}"/>
-              </a:ext>
-            </a:extLst>
-          </p:cNvPr>
-          <p:cNvSpPr>
-            <a:spLocks noGrp="1"/>
+            <a:endParaRPr lang="en-US" dirty="0"/>
+          </a:p>
+        </p:txBody>
+      </p:sp>
+      <p:sp>
+        <p:nvSpPr>
+          <p:cNvPr id="14" name="Picture Placeholder 2"/>
+          <p:cNvSpPr>
+            <a:spLocks noGrp="1" noChangeAspect="1"/>
           </p:cNvSpPr>
           <p:nvPr>
             <p:ph type="pic" idx="1"/>
@@ -2544,118 +5646,148 @@
         </p:nvSpPr>
         <p:spPr>
           <a:xfrm>
-            <a:off x="5183188" y="987425"/>
-            <a:ext cx="6172200" cy="4873625"/>
+            <a:off x="7594682" y="914400"/>
+            <a:ext cx="3280974" cy="4572000"/>
           </a:xfrm>
+          <a:prstGeom prst="roundRect">
+            <a:avLst>
+              <a:gd name="adj" fmla="val 4280"/>
+            </a:avLst>
+          </a:prstGeom>
+          <a:ln w="38100">
+            <a:gradFill flip="none" rotWithShape="1">
+              <a:gsLst>
+                <a:gs pos="0">
+                  <a:schemeClr val="bg2"/>
+                </a:gs>
+                <a:gs pos="100000">
+                  <a:schemeClr val="bg2">
+                    <a:lumMod val="75000"/>
+                  </a:schemeClr>
+                </a:gs>
+              </a:gsLst>
+              <a:lin ang="5400000" scaled="0"/>
+              <a:tileRect/>
+            </a:gradFill>
+          </a:ln>
+          <a:effectLst>
+            <a:innerShdw blurRad="57150" dist="38100" dir="14460000">
+              <a:srgbClr val="000000">
+                <a:alpha val="70000"/>
+              </a:srgbClr>
+            </a:innerShdw>
+          </a:effectLst>
         </p:spPr>
         <p:txBody>
-          <a:bodyPr/>
+          <a:bodyPr anchor="t">
+            <a:normAutofit/>
+          </a:bodyPr>
           <a:lstStyle>
-            <a:lvl1pPr marL="0" indent="0">
-              <a:buNone/>
-              <a:defRPr sz="3200"/>
-            </a:lvl1pPr>
-            <a:lvl2pPr marL="457200" indent="0">
-              <a:buNone/>
-              <a:defRPr sz="2800"/>
-            </a:lvl2pPr>
-            <a:lvl3pPr marL="914400" indent="0">
-              <a:buNone/>
-              <a:defRPr sz="2400"/>
-            </a:lvl3pPr>
-            <a:lvl4pPr marL="1371600" indent="0">
-              <a:buNone/>
-              <a:defRPr sz="2000"/>
-            </a:lvl4pPr>
-            <a:lvl5pPr marL="1828800" indent="0">
-              <a:buNone/>
-              <a:defRPr sz="2000"/>
-            </a:lvl5pPr>
-            <a:lvl6pPr marL="2286000" indent="0">
-              <a:buNone/>
-              <a:defRPr sz="2000"/>
-            </a:lvl6pPr>
-            <a:lvl7pPr marL="2743200" indent="0">
-              <a:buNone/>
-              <a:defRPr sz="2000"/>
-            </a:lvl7pPr>
-            <a:lvl8pPr marL="3200400" indent="0">
-              <a:buNone/>
-              <a:defRPr sz="2000"/>
-            </a:lvl8pPr>
-            <a:lvl9pPr marL="3657600" indent="0">
-              <a:buNone/>
-              <a:defRPr sz="2000"/>
-            </a:lvl9pPr>
-          </a:lstStyle>
-          <a:p>
-            <a:endParaRPr lang="en-IN"/>
-          </a:p>
-        </p:txBody>
-      </p:sp>
-      <p:sp>
-        <p:nvSpPr>
-          <p:cNvPr id="4" name="Text Placeholder 3">
-            <a:extLst>
-              <a:ext uri="{FF2B5EF4-FFF2-40B4-BE49-F238E27FC236}">
-                <a16:creationId xmlns:a16="http://schemas.microsoft.com/office/drawing/2014/main" id="{6AC46C1B-CBFA-10B2-00A4-28D2137EEE64}"/>
-              </a:ext>
-            </a:extLst>
-          </p:cNvPr>
-          <p:cNvSpPr>
-            <a:spLocks noGrp="1"/>
-          </p:cNvSpPr>
-          <p:nvPr>
-            <p:ph type="body" sz="half" idx="2"/>
-          </p:nvPr>
-        </p:nvSpPr>
-        <p:spPr>
-          <a:xfrm>
-            <a:off x="839788" y="2057400"/>
-            <a:ext cx="3932237" cy="3811588"/>
-          </a:xfrm>
-        </p:spPr>
-        <p:txBody>
-          <a:bodyPr/>
-          <a:lstStyle>
-            <a:lvl1pPr marL="0" indent="0">
+            <a:lvl1pPr marL="0" indent="0" algn="ctr">
               <a:buNone/>
               <a:defRPr sz="1600"/>
             </a:lvl1pPr>
             <a:lvl2pPr marL="457200" indent="0">
               <a:buNone/>
-              <a:defRPr sz="1400"/>
+              <a:defRPr sz="1600"/>
             </a:lvl2pPr>
             <a:lvl3pPr marL="914400" indent="0">
               <a:buNone/>
-              <a:defRPr sz="1200"/>
+              <a:defRPr sz="1600"/>
             </a:lvl3pPr>
             <a:lvl4pPr marL="1371600" indent="0">
               <a:buNone/>
-              <a:defRPr sz="1000"/>
+              <a:defRPr sz="1600"/>
             </a:lvl4pPr>
             <a:lvl5pPr marL="1828800" indent="0">
               <a:buNone/>
-              <a:defRPr sz="1000"/>
+              <a:defRPr sz="1600"/>
             </a:lvl5pPr>
             <a:lvl6pPr marL="2286000" indent="0">
               <a:buNone/>
-              <a:defRPr sz="1000"/>
+              <a:defRPr sz="1600"/>
             </a:lvl6pPr>
             <a:lvl7pPr marL="2743200" indent="0">
               <a:buNone/>
-              <a:defRPr sz="1000"/>
+              <a:defRPr sz="1600"/>
             </a:lvl7pPr>
             <a:lvl8pPr marL="3200400" indent="0">
               <a:buNone/>
-              <a:defRPr sz="1000"/>
+              <a:defRPr sz="1600"/>
             </a:lvl8pPr>
             <a:lvl9pPr marL="3657600" indent="0">
               <a:buNone/>
-              <a:defRPr sz="1000"/>
+              <a:defRPr sz="1600"/>
             </a:lvl9pPr>
           </a:lstStyle>
           <a:p>
+            <a:r>
+              <a:rPr lang="en-US"/>
+              <a:t>Click icon to add picture</a:t>
+            </a:r>
+            <a:endParaRPr lang="en-US" dirty="0"/>
+          </a:p>
+        </p:txBody>
+      </p:sp>
+      <p:sp>
+        <p:nvSpPr>
+          <p:cNvPr id="4" name="Text Placeholder 3"/>
+          <p:cNvSpPr>
+            <a:spLocks noGrp="1"/>
+          </p:cNvSpPr>
+          <p:nvPr>
+            <p:ph type="body" sz="half" idx="2"/>
+          </p:nvPr>
+        </p:nvSpPr>
+        <p:spPr>
+          <a:xfrm>
+            <a:off x="1482724" y="3124199"/>
+            <a:ext cx="5426158" cy="1828800"/>
+          </a:xfrm>
+        </p:spPr>
+        <p:txBody>
+          <a:bodyPr>
+            <a:normAutofit/>
+          </a:bodyPr>
+          <a:lstStyle>
+            <a:lvl1pPr marL="0" indent="0" algn="ctr">
+              <a:buNone/>
+              <a:defRPr sz="1800"/>
+            </a:lvl1pPr>
+            <a:lvl2pPr marL="457200" indent="0">
+              <a:buNone/>
+              <a:defRPr sz="1200"/>
+            </a:lvl2pPr>
+            <a:lvl3pPr marL="914400" indent="0">
+              <a:buNone/>
+              <a:defRPr sz="1000"/>
+            </a:lvl3pPr>
+            <a:lvl4pPr marL="1371600" indent="0">
+              <a:buNone/>
+              <a:defRPr sz="900"/>
+            </a:lvl4pPr>
+            <a:lvl5pPr marL="1828800" indent="0">
+              <a:buNone/>
+              <a:defRPr sz="900"/>
+            </a:lvl5pPr>
+            <a:lvl6pPr marL="2286000" indent="0">
+              <a:buNone/>
+              <a:defRPr sz="900"/>
+            </a:lvl6pPr>
+            <a:lvl7pPr marL="2743200" indent="0">
+              <a:buNone/>
+              <a:defRPr sz="900"/>
+            </a:lvl7pPr>
+            <a:lvl8pPr marL="3200400" indent="0">
+              <a:buNone/>
+              <a:defRPr sz="900"/>
+            </a:lvl8pPr>
+            <a:lvl9pPr marL="3657600" indent="0">
+              <a:buNone/>
+              <a:defRPr sz="900"/>
+            </a:lvl9pPr>
+          </a:lstStyle>
+          <a:p>
             <a:pPr lvl="0"/>
             <a:r>
               <a:rPr lang="en-US"/>
@@ -2666,13 +5798,7 @@
       </p:sp>
       <p:sp>
         <p:nvSpPr>
-          <p:cNvPr id="5" name="Date Placeholder 4">
-            <a:extLst>
-              <a:ext uri="{FF2B5EF4-FFF2-40B4-BE49-F238E27FC236}">
-                <a16:creationId xmlns:a16="http://schemas.microsoft.com/office/drawing/2014/main" id="{968D40E6-C0CA-6BF3-102C-D18B76EEBE8F}"/>
-              </a:ext>
-            </a:extLst>
-          </p:cNvPr>
+          <p:cNvPr id="5" name="Date Placeholder 4"/>
           <p:cNvSpPr>
             <a:spLocks noGrp="1"/>
           </p:cNvSpPr>
@@ -2695,13 +5821,7 @@
       </p:sp>
       <p:sp>
         <p:nvSpPr>
-          <p:cNvPr id="6" name="Footer Placeholder 5">
-            <a:extLst>
-              <a:ext uri="{FF2B5EF4-FFF2-40B4-BE49-F238E27FC236}">
-                <a16:creationId xmlns:a16="http://schemas.microsoft.com/office/drawing/2014/main" id="{84206593-8895-83FA-8D0D-908B1B4D41B6}"/>
-              </a:ext>
-            </a:extLst>
-          </p:cNvPr>
+          <p:cNvPr id="6" name="Footer Placeholder 5"/>
           <p:cNvSpPr>
             <a:spLocks noGrp="1"/>
           </p:cNvSpPr>
@@ -2720,13 +5840,7 @@
       </p:sp>
       <p:sp>
         <p:nvSpPr>
-          <p:cNvPr id="7" name="Slide Number Placeholder 6">
-            <a:extLst>
-              <a:ext uri="{FF2B5EF4-FFF2-40B4-BE49-F238E27FC236}">
-                <a16:creationId xmlns:a16="http://schemas.microsoft.com/office/drawing/2014/main" id="{64022599-B175-E95A-F0C3-A84E780E3133}"/>
-              </a:ext>
-            </a:extLst>
-          </p:cNvPr>
+          <p:cNvPr id="7" name="Slide Number Placeholder 6"/>
           <p:cNvSpPr>
             <a:spLocks noGrp="1"/>
           </p:cNvSpPr>
@@ -2750,7 +5864,7 @@
     </p:spTree>
     <p:extLst>
       <p:ext uri="{BB962C8B-B14F-4D97-AF65-F5344CB8AC3E}">
-        <p14:creationId xmlns:p14="http://schemas.microsoft.com/office/powerpoint/2010/main" val="357878233"/>
+        <p14:creationId xmlns:p14="http://schemas.microsoft.com/office/powerpoint/2010/main" val="2712803033"/>
       </p:ext>
     </p:extLst>
   </p:cSld>
@@ -2764,8 +5878,8 @@
 <p:sldMaster xmlns:a="http://schemas.openxmlformats.org/drawingml/2006/main" xmlns:r="http://schemas.openxmlformats.org/officeDocument/2006/relationships" xmlns:p="http://schemas.openxmlformats.org/presentationml/2006/main">
   <p:cSld>
     <p:bg>
-      <p:bgRef idx="1001">
-        <a:schemeClr val="bg1"/>
+      <p:bgRef idx="1003">
+        <a:schemeClr val="bg2"/>
       </p:bgRef>
     </p:bg>
     <p:spTree>
@@ -2782,15 +5896,325 @@
           <a:chExt cx="0" cy="0"/>
         </a:xfrm>
       </p:grpSpPr>
-      <p:sp>
-        <p:nvSpPr>
-          <p:cNvPr id="2" name="Title Placeholder 1">
-            <a:extLst>
-              <a:ext uri="{FF2B5EF4-FFF2-40B4-BE49-F238E27FC236}">
-                <a16:creationId xmlns:a16="http://schemas.microsoft.com/office/drawing/2014/main" id="{5A1A007B-756D-8838-F037-CA313D27B346}"/>
-              </a:ext>
-            </a:extLst>
-          </p:cNvPr>
+      <p:grpSp>
+        <p:nvGrpSpPr>
+          <p:cNvPr id="7" name="Group 6"/>
+          <p:cNvGrpSpPr/>
+          <p:nvPr/>
+        </p:nvGrpSpPr>
+        <p:grpSpPr>
+          <a:xfrm>
+            <a:off x="150812" y="0"/>
+            <a:ext cx="2436813" cy="6858001"/>
+            <a:chOff x="1320800" y="0"/>
+            <a:chExt cx="2436813" cy="6858001"/>
+          </a:xfrm>
+        </p:grpSpPr>
+        <p:sp>
+          <p:nvSpPr>
+            <p:cNvPr id="8" name="Freeform 6"/>
+            <p:cNvSpPr/>
+            <p:nvPr/>
+          </p:nvSpPr>
+          <p:spPr bwMode="auto">
+            <a:xfrm>
+              <a:off x="1627188" y="0"/>
+              <a:ext cx="1122363" cy="5329238"/>
+            </a:xfrm>
+            <a:custGeom>
+              <a:avLst/>
+              <a:gdLst/>
+              <a:ahLst/>
+              <a:cxnLst/>
+              <a:rect l="0" t="0" r="r" b="b"/>
+              <a:pathLst>
+                <a:path w="707" h="3357">
+                  <a:moveTo>
+                    <a:pt x="0" y="3330"/>
+                  </a:moveTo>
+                  <a:lnTo>
+                    <a:pt x="156" y="3357"/>
+                  </a:lnTo>
+                  <a:lnTo>
+                    <a:pt x="707" y="0"/>
+                  </a:lnTo>
+                  <a:lnTo>
+                    <a:pt x="547" y="0"/>
+                  </a:lnTo>
+                  <a:lnTo>
+                    <a:pt x="0" y="3330"/>
+                  </a:lnTo>
+                  <a:close/>
+                </a:path>
+              </a:pathLst>
+            </a:custGeom>
+            <a:solidFill>
+              <a:schemeClr val="accent1"/>
+            </a:solidFill>
+            <a:ln>
+              <a:noFill/>
+            </a:ln>
+          </p:spPr>
+        </p:sp>
+        <p:sp>
+          <p:nvSpPr>
+            <p:cNvPr id="9" name="Freeform 7"/>
+            <p:cNvSpPr/>
+            <p:nvPr/>
+          </p:nvSpPr>
+          <p:spPr bwMode="auto">
+            <a:xfrm>
+              <a:off x="1320800" y="0"/>
+              <a:ext cx="1117600" cy="5276850"/>
+            </a:xfrm>
+            <a:custGeom>
+              <a:avLst/>
+              <a:gdLst/>
+              <a:ahLst/>
+              <a:cxnLst/>
+              <a:rect l="0" t="0" r="r" b="b"/>
+              <a:pathLst>
+                <a:path w="704" h="3324">
+                  <a:moveTo>
+                    <a:pt x="704" y="0"/>
+                  </a:moveTo>
+                  <a:lnTo>
+                    <a:pt x="545" y="0"/>
+                  </a:lnTo>
+                  <a:lnTo>
+                    <a:pt x="0" y="3300"/>
+                  </a:lnTo>
+                  <a:lnTo>
+                    <a:pt x="157" y="3324"/>
+                  </a:lnTo>
+                  <a:lnTo>
+                    <a:pt x="704" y="0"/>
+                  </a:lnTo>
+                  <a:close/>
+                </a:path>
+              </a:pathLst>
+            </a:custGeom>
+            <a:solidFill>
+              <a:schemeClr val="tx1">
+                <a:lumMod val="65000"/>
+                <a:lumOff val="35000"/>
+              </a:schemeClr>
+            </a:solidFill>
+            <a:ln>
+              <a:noFill/>
+            </a:ln>
+          </p:spPr>
+        </p:sp>
+        <p:sp>
+          <p:nvSpPr>
+            <p:cNvPr id="10" name="Freeform 8"/>
+            <p:cNvSpPr/>
+            <p:nvPr/>
+          </p:nvSpPr>
+          <p:spPr bwMode="auto">
+            <a:xfrm>
+              <a:off x="1320800" y="5238750"/>
+              <a:ext cx="1228725" cy="1619250"/>
+            </a:xfrm>
+            <a:custGeom>
+              <a:avLst/>
+              <a:gdLst/>
+              <a:ahLst/>
+              <a:cxnLst/>
+              <a:rect l="0" t="0" r="r" b="b"/>
+              <a:pathLst>
+                <a:path w="774" h="1020">
+                  <a:moveTo>
+                    <a:pt x="0" y="0"/>
+                  </a:moveTo>
+                  <a:lnTo>
+                    <a:pt x="740" y="1020"/>
+                  </a:lnTo>
+                  <a:lnTo>
+                    <a:pt x="774" y="1020"/>
+                  </a:lnTo>
+                  <a:lnTo>
+                    <a:pt x="0" y="0"/>
+                  </a:lnTo>
+                  <a:close/>
+                </a:path>
+              </a:pathLst>
+            </a:custGeom>
+            <a:solidFill>
+              <a:schemeClr val="tx1">
+                <a:lumMod val="85000"/>
+                <a:lumOff val="15000"/>
+              </a:schemeClr>
+            </a:solidFill>
+            <a:ln>
+              <a:noFill/>
+            </a:ln>
+          </p:spPr>
+        </p:sp>
+        <p:sp>
+          <p:nvSpPr>
+            <p:cNvPr id="11" name="Freeform 9"/>
+            <p:cNvSpPr/>
+            <p:nvPr/>
+          </p:nvSpPr>
+          <p:spPr bwMode="auto">
+            <a:xfrm>
+              <a:off x="1627188" y="5291138"/>
+              <a:ext cx="1495425" cy="1566863"/>
+            </a:xfrm>
+            <a:custGeom>
+              <a:avLst/>
+              <a:gdLst/>
+              <a:ahLst/>
+              <a:cxnLst/>
+              <a:rect l="0" t="0" r="r" b="b"/>
+              <a:pathLst>
+                <a:path w="942" h="987">
+                  <a:moveTo>
+                    <a:pt x="0" y="0"/>
+                  </a:moveTo>
+                  <a:lnTo>
+                    <a:pt x="909" y="987"/>
+                  </a:lnTo>
+                  <a:lnTo>
+                    <a:pt x="942" y="987"/>
+                  </a:lnTo>
+                  <a:lnTo>
+                    <a:pt x="0" y="0"/>
+                  </a:lnTo>
+                  <a:close/>
+                </a:path>
+              </a:pathLst>
+            </a:custGeom>
+            <a:solidFill>
+              <a:schemeClr val="accent1">
+                <a:lumMod val="50000"/>
+              </a:schemeClr>
+            </a:solidFill>
+            <a:ln>
+              <a:noFill/>
+            </a:ln>
+          </p:spPr>
+        </p:sp>
+        <p:sp>
+          <p:nvSpPr>
+            <p:cNvPr id="12" name="Freeform 10"/>
+            <p:cNvSpPr/>
+            <p:nvPr/>
+          </p:nvSpPr>
+          <p:spPr bwMode="auto">
+            <a:xfrm>
+              <a:off x="1627188" y="5286375"/>
+              <a:ext cx="2130425" cy="1571625"/>
+            </a:xfrm>
+            <a:custGeom>
+              <a:avLst/>
+              <a:gdLst/>
+              <a:ahLst/>
+              <a:cxnLst/>
+              <a:rect l="0" t="0" r="r" b="b"/>
+              <a:pathLst>
+                <a:path w="1342" h="990">
+                  <a:moveTo>
+                    <a:pt x="0" y="3"/>
+                  </a:moveTo>
+                  <a:lnTo>
+                    <a:pt x="942" y="990"/>
+                  </a:lnTo>
+                  <a:lnTo>
+                    <a:pt x="1342" y="990"/>
+                  </a:lnTo>
+                  <a:lnTo>
+                    <a:pt x="156" y="27"/>
+                  </a:lnTo>
+                  <a:lnTo>
+                    <a:pt x="0" y="0"/>
+                  </a:lnTo>
+                  <a:lnTo>
+                    <a:pt x="0" y="3"/>
+                  </a:lnTo>
+                  <a:close/>
+                </a:path>
+              </a:pathLst>
+            </a:custGeom>
+            <a:solidFill>
+              <a:schemeClr val="accent1">
+                <a:lumMod val="75000"/>
+              </a:schemeClr>
+            </a:solidFill>
+            <a:ln>
+              <a:noFill/>
+            </a:ln>
+          </p:spPr>
+        </p:sp>
+        <p:sp>
+          <p:nvSpPr>
+            <p:cNvPr id="13" name="Freeform 11"/>
+            <p:cNvSpPr/>
+            <p:nvPr/>
+          </p:nvSpPr>
+          <p:spPr bwMode="auto">
+            <a:xfrm>
+              <a:off x="1320800" y="5238750"/>
+              <a:ext cx="1695450" cy="1619250"/>
+            </a:xfrm>
+            <a:custGeom>
+              <a:avLst/>
+              <a:gdLst/>
+              <a:ahLst/>
+              <a:cxnLst/>
+              <a:rect l="0" t="0" r="r" b="b"/>
+              <a:pathLst>
+                <a:path w="1068" h="1020">
+                  <a:moveTo>
+                    <a:pt x="1068" y="1020"/>
+                  </a:moveTo>
+                  <a:lnTo>
+                    <a:pt x="184" y="60"/>
+                  </a:lnTo>
+                  <a:lnTo>
+                    <a:pt x="154" y="27"/>
+                  </a:lnTo>
+                  <a:lnTo>
+                    <a:pt x="157" y="27"/>
+                  </a:lnTo>
+                  <a:lnTo>
+                    <a:pt x="157" y="24"/>
+                  </a:lnTo>
+                  <a:lnTo>
+                    <a:pt x="154" y="24"/>
+                  </a:lnTo>
+                  <a:lnTo>
+                    <a:pt x="0" y="0"/>
+                  </a:lnTo>
+                  <a:lnTo>
+                    <a:pt x="0" y="0"/>
+                  </a:lnTo>
+                  <a:lnTo>
+                    <a:pt x="774" y="1020"/>
+                  </a:lnTo>
+                  <a:lnTo>
+                    <a:pt x="1068" y="1020"/>
+                  </a:lnTo>
+                  <a:close/>
+                </a:path>
+              </a:pathLst>
+            </a:custGeom>
+            <a:solidFill>
+              <a:schemeClr val="tx1">
+                <a:lumMod val="75000"/>
+                <a:lumOff val="25000"/>
+              </a:schemeClr>
+            </a:solidFill>
+            <a:ln>
+              <a:noFill/>
+            </a:ln>
+          </p:spPr>
+        </p:sp>
+      </p:grpSp>
+      <p:sp>
+        <p:nvSpPr>
+          <p:cNvPr id="2" name="Title Placeholder 1"/>
           <p:cNvSpPr>
             <a:spLocks noGrp="1"/>
           </p:cNvSpPr>
@@ -2800,8 +6224,42 @@
         </p:nvSpPr>
         <p:spPr>
           <a:xfrm>
-            <a:off x="838200" y="365125"/>
-            <a:ext cx="10515600" cy="1325563"/>
+            <a:off x="1484311" y="685800"/>
+            <a:ext cx="10018713" cy="1752599"/>
+          </a:xfrm>
+          <a:prstGeom prst="rect">
+            <a:avLst/>
+          </a:prstGeom>
+          <a:effectLst/>
+        </p:spPr>
+        <p:txBody>
+          <a:bodyPr vert="horz" lIns="91440" tIns="45720" rIns="91440" bIns="45720" rtlCol="0" anchor="ctr">
+            <a:normAutofit/>
+          </a:bodyPr>
+          <a:lstStyle/>
+          <a:p>
+            <a:r>
+              <a:rPr lang="en-US"/>
+              <a:t>Click to edit Master title style</a:t>
+            </a:r>
+            <a:endParaRPr lang="en-US" dirty="0"/>
+          </a:p>
+        </p:txBody>
+      </p:sp>
+      <p:sp>
+        <p:nvSpPr>
+          <p:cNvPr id="3" name="Text Placeholder 2"/>
+          <p:cNvSpPr>
+            <a:spLocks noGrp="1"/>
+          </p:cNvSpPr>
+          <p:nvPr>
+            <p:ph type="body" idx="1"/>
+          </p:nvPr>
+        </p:nvSpPr>
+        <p:spPr>
+          <a:xfrm>
+            <a:off x="1484310" y="2666999"/>
+            <a:ext cx="10018713" cy="3124201"/>
           </a:xfrm>
           <a:prstGeom prst="rect">
             <a:avLst/>
@@ -2813,102 +6271,98 @@
           </a:bodyPr>
           <a:lstStyle/>
           <a:p>
+            <a:pPr lvl="0"/>
             <a:r>
               <a:rPr lang="en-US"/>
-              <a:t>Click to edit Master title style</a:t>
-            </a:r>
-            <a:endParaRPr lang="en-IN"/>
-          </a:p>
-        </p:txBody>
-      </p:sp>
-      <p:sp>
-        <p:nvSpPr>
-          <p:cNvPr id="3" name="Text Placeholder 2">
-            <a:extLst>
-              <a:ext uri="{FF2B5EF4-FFF2-40B4-BE49-F238E27FC236}">
-                <a16:creationId xmlns:a16="http://schemas.microsoft.com/office/drawing/2014/main" id="{BA54AC3A-D04D-4D01-1A38-7A3AF855330C}"/>
-              </a:ext>
-            </a:extLst>
-          </p:cNvPr>
-          <p:cNvSpPr>
-            <a:spLocks noGrp="1"/>
-          </p:cNvSpPr>
-          <p:nvPr>
-            <p:ph type="body" idx="1"/>
+              <a:t>Click to edit Master text styles</a:t>
+            </a:r>
+          </a:p>
+          <a:p>
+            <a:pPr lvl="1"/>
+            <a:r>
+              <a:rPr lang="en-US"/>
+              <a:t>Second level</a:t>
+            </a:r>
+          </a:p>
+          <a:p>
+            <a:pPr lvl="2"/>
+            <a:r>
+              <a:rPr lang="en-US"/>
+              <a:t>Third level</a:t>
+            </a:r>
+          </a:p>
+          <a:p>
+            <a:pPr lvl="3"/>
+            <a:r>
+              <a:rPr lang="en-US"/>
+              <a:t>Fourth level</a:t>
+            </a:r>
+          </a:p>
+          <a:p>
+            <a:pPr lvl="4"/>
+            <a:r>
+              <a:rPr lang="en-US"/>
+              <a:t>Fifth level</a:t>
+            </a:r>
+            <a:endParaRPr lang="en-US" dirty="0"/>
+          </a:p>
+        </p:txBody>
+      </p:sp>
+      <p:sp>
+        <p:nvSpPr>
+          <p:cNvPr id="4" name="Date Placeholder 3"/>
+          <p:cNvSpPr>
+            <a:spLocks noGrp="1"/>
+          </p:cNvSpPr>
+          <p:nvPr>
+            <p:ph type="dt" sz="half" idx="2"/>
           </p:nvPr>
         </p:nvSpPr>
         <p:spPr>
           <a:xfrm>
-            <a:off x="838200" y="1825625"/>
-            <a:ext cx="10515600" cy="4351338"/>
+            <a:off x="9732656" y="5883275"/>
+            <a:ext cx="1143000" cy="365125"/>
           </a:xfrm>
           <a:prstGeom prst="rect">
             <a:avLst/>
           </a:prstGeom>
         </p:spPr>
         <p:txBody>
-          <a:bodyPr vert="horz" lIns="91440" tIns="45720" rIns="91440" bIns="45720" rtlCol="0">
-            <a:normAutofit/>
-          </a:bodyPr>
-          <a:lstStyle/>
-          <a:p>
-            <a:pPr lvl="0"/>
-            <a:r>
-              <a:rPr lang="en-US"/>
-              <a:t>Click to edit Master text styles</a:t>
-            </a:r>
-          </a:p>
-          <a:p>
-            <a:pPr lvl="1"/>
-            <a:r>
-              <a:rPr lang="en-US"/>
-              <a:t>Second level</a:t>
-            </a:r>
-          </a:p>
-          <a:p>
-            <a:pPr lvl="2"/>
-            <a:r>
-              <a:rPr lang="en-US"/>
-              <a:t>Third level</a:t>
-            </a:r>
-          </a:p>
-          <a:p>
-            <a:pPr lvl="3"/>
-            <a:r>
-              <a:rPr lang="en-US"/>
-              <a:t>Fourth level</a:t>
-            </a:r>
-          </a:p>
-          <a:p>
-            <a:pPr lvl="4"/>
-            <a:r>
-              <a:rPr lang="en-US"/>
-              <a:t>Fifth level</a:t>
-            </a:r>
+          <a:bodyPr vert="horz" lIns="91440" tIns="45720" rIns="91440" bIns="45720" rtlCol="0" anchor="ctr"/>
+          <a:lstStyle>
+            <a:lvl1pPr algn="r">
+              <a:defRPr sz="1000" b="0" i="0">
+                <a:solidFill>
+                  <a:schemeClr val="tx1"/>
+                </a:solidFill>
+                <a:effectLst/>
+                <a:latin typeface="+mn-lt"/>
+              </a:defRPr>
+            </a:lvl1pPr>
+          </a:lstStyle>
+          <a:p>
+            <a:fld id="{D0906437-A5E1-4E1B-A09D-BCF0755147BA}" type="datetimeFigureOut">
+              <a:rPr lang="en-IN" smtClean="0"/>
+              <a:t>05-09-2024</a:t>
+            </a:fld>
             <a:endParaRPr lang="en-IN"/>
           </a:p>
         </p:txBody>
       </p:sp>
       <p:sp>
         <p:nvSpPr>
-          <p:cNvPr id="4" name="Date Placeholder 3">
-            <a:extLst>
-              <a:ext uri="{FF2B5EF4-FFF2-40B4-BE49-F238E27FC236}">
-                <a16:creationId xmlns:a16="http://schemas.microsoft.com/office/drawing/2014/main" id="{12C61B42-8709-F122-D4CE-C9075CF23866}"/>
-              </a:ext>
-            </a:extLst>
-          </p:cNvPr>
-          <p:cNvSpPr>
-            <a:spLocks noGrp="1"/>
-          </p:cNvSpPr>
-          <p:nvPr>
-            <p:ph type="dt" sz="half" idx="2"/>
+          <p:cNvPr id="5" name="Footer Placeholder 4"/>
+          <p:cNvSpPr>
+            <a:spLocks noGrp="1"/>
+          </p:cNvSpPr>
+          <p:nvPr>
+            <p:ph type="ftr" sz="quarter" idx="3"/>
           </p:nvPr>
         </p:nvSpPr>
         <p:spPr>
           <a:xfrm>
-            <a:off x="838200" y="6356350"/>
-            <a:ext cx="2743200" cy="365125"/>
+            <a:off x="2572279" y="5883275"/>
+            <a:ext cx="7084177" cy="365125"/>
           </a:xfrm>
           <a:prstGeom prst="rect">
             <a:avLst/>
@@ -2918,44 +6372,34 @@
           <a:bodyPr vert="horz" lIns="91440" tIns="45720" rIns="91440" bIns="45720" rtlCol="0" anchor="ctr"/>
           <a:lstStyle>
             <a:lvl1pPr algn="l">
-              <a:defRPr sz="1200">
-                <a:solidFill>
-                  <a:schemeClr val="tx1">
-                    <a:tint val="75000"/>
-                  </a:schemeClr>
-                </a:solidFill>
+              <a:defRPr sz="1000" b="0" i="0">
+                <a:solidFill>
+                  <a:schemeClr val="tx1"/>
+                </a:solidFill>
+                <a:effectLst/>
+                <a:latin typeface="+mn-lt"/>
               </a:defRPr>
             </a:lvl1pPr>
           </a:lstStyle>
           <a:p>
-            <a:fld id="{D0906437-A5E1-4E1B-A09D-BCF0755147BA}" type="datetimeFigureOut">
-              <a:rPr lang="en-IN" smtClean="0"/>
-              <a:t>05-09-2024</a:t>
-            </a:fld>
             <a:endParaRPr lang="en-IN"/>
           </a:p>
         </p:txBody>
       </p:sp>
       <p:sp>
         <p:nvSpPr>
-          <p:cNvPr id="5" name="Footer Placeholder 4">
-            <a:extLst>
-              <a:ext uri="{FF2B5EF4-FFF2-40B4-BE49-F238E27FC236}">
-                <a16:creationId xmlns:a16="http://schemas.microsoft.com/office/drawing/2014/main" id="{FF9DA8D3-B9CC-AF6F-1345-41CD5F907F4E}"/>
-              </a:ext>
-            </a:extLst>
-          </p:cNvPr>
-          <p:cNvSpPr>
-            <a:spLocks noGrp="1"/>
-          </p:cNvSpPr>
-          <p:nvPr>
-            <p:ph type="ftr" sz="quarter" idx="3"/>
+          <p:cNvPr id="6" name="Slide Number Placeholder 5"/>
+          <p:cNvSpPr>
+            <a:spLocks noGrp="1"/>
+          </p:cNvSpPr>
+          <p:nvPr>
+            <p:ph type="sldNum" sz="quarter" idx="4"/>
           </p:nvPr>
         </p:nvSpPr>
         <p:spPr>
           <a:xfrm>
-            <a:off x="4038600" y="6356350"/>
-            <a:ext cx="4114800" cy="365125"/>
+            <a:off x="10951856" y="5883275"/>
+            <a:ext cx="551167" cy="365125"/>
           </a:xfrm>
           <a:prstGeom prst="rect">
             <a:avLst/>
@@ -2964,56 +6408,13 @@
         <p:txBody>
           <a:bodyPr vert="horz" lIns="91440" tIns="45720" rIns="91440" bIns="45720" rtlCol="0" anchor="ctr"/>
           <a:lstStyle>
-            <a:lvl1pPr algn="ctr">
-              <a:defRPr sz="1200">
-                <a:solidFill>
-                  <a:schemeClr val="tx1">
-                    <a:tint val="75000"/>
-                  </a:schemeClr>
-                </a:solidFill>
-              </a:defRPr>
-            </a:lvl1pPr>
-          </a:lstStyle>
-          <a:p>
-            <a:endParaRPr lang="en-IN"/>
-          </a:p>
-        </p:txBody>
-      </p:sp>
-      <p:sp>
-        <p:nvSpPr>
-          <p:cNvPr id="6" name="Slide Number Placeholder 5">
-            <a:extLst>
-              <a:ext uri="{FF2B5EF4-FFF2-40B4-BE49-F238E27FC236}">
-                <a16:creationId xmlns:a16="http://schemas.microsoft.com/office/drawing/2014/main" id="{B177920E-2BF8-3B89-44B4-1ECFC9CE1446}"/>
-              </a:ext>
-            </a:extLst>
-          </p:cNvPr>
-          <p:cNvSpPr>
-            <a:spLocks noGrp="1"/>
-          </p:cNvSpPr>
-          <p:nvPr>
-            <p:ph type="sldNum" sz="quarter" idx="4"/>
-          </p:nvPr>
-        </p:nvSpPr>
-        <p:spPr>
-          <a:xfrm>
-            <a:off x="8610600" y="6356350"/>
-            <a:ext cx="2743200" cy="365125"/>
-          </a:xfrm>
-          <a:prstGeom prst="rect">
-            <a:avLst/>
-          </a:prstGeom>
-        </p:spPr>
-        <p:txBody>
-          <a:bodyPr vert="horz" lIns="91440" tIns="45720" rIns="91440" bIns="45720" rtlCol="0" anchor="ctr"/>
-          <a:lstStyle>
             <a:lvl1pPr algn="r">
-              <a:defRPr sz="1200">
-                <a:solidFill>
-                  <a:schemeClr val="tx1">
-                    <a:tint val="75000"/>
-                  </a:schemeClr>
-                </a:solidFill>
+              <a:defRPr sz="1000" b="0" i="0">
+                <a:solidFill>
+                  <a:schemeClr val="tx1"/>
+                </a:solidFill>
+                <a:effectLst/>
+                <a:latin typeface="+mn-lt"/>
               </a:defRPr>
             </a:lvl1pPr>
           </a:lstStyle>
@@ -3029,202 +6430,328 @@
     </p:spTree>
     <p:extLst>
       <p:ext uri="{BB962C8B-B14F-4D97-AF65-F5344CB8AC3E}">
-        <p14:creationId xmlns:p14="http://schemas.microsoft.com/office/powerpoint/2010/main" val="1743739086"/>
+        <p14:creationId xmlns:p14="http://schemas.microsoft.com/office/powerpoint/2010/main" val="3603880000"/>
       </p:ext>
     </p:extLst>
   </p:cSld>
   <p:clrMap bg1="lt1" tx1="dk1" bg2="lt2" tx2="dk2" accent1="accent1" accent2="accent2" accent3="accent3" accent4="accent4" accent5="accent5" accent6="accent6" hlink="hlink" folHlink="folHlink"/>
   <p:sldLayoutIdLst>
-    <p:sldLayoutId id="2147483649" r:id="rId1"/>
-    <p:sldLayoutId id="2147483650" r:id="rId2"/>
-    <p:sldLayoutId id="2147483651" r:id="rId3"/>
-    <p:sldLayoutId id="2147483652" r:id="rId4"/>
-    <p:sldLayoutId id="2147483653" r:id="rId5"/>
-    <p:sldLayoutId id="2147483654" r:id="rId6"/>
-    <p:sldLayoutId id="2147483655" r:id="rId7"/>
-    <p:sldLayoutId id="2147483656" r:id="rId8"/>
-    <p:sldLayoutId id="2147483657" r:id="rId9"/>
-    <p:sldLayoutId id="2147483658" r:id="rId10"/>
-    <p:sldLayoutId id="2147483659" r:id="rId11"/>
+    <p:sldLayoutId id="2147483661" r:id="rId1"/>
+    <p:sldLayoutId id="2147483662" r:id="rId2"/>
+    <p:sldLayoutId id="2147483663" r:id="rId3"/>
+    <p:sldLayoutId id="2147483664" r:id="rId4"/>
+    <p:sldLayoutId id="2147483665" r:id="rId5"/>
+    <p:sldLayoutId id="2147483666" r:id="rId6"/>
+    <p:sldLayoutId id="2147483667" r:id="rId7"/>
+    <p:sldLayoutId id="2147483668" r:id="rId8"/>
+    <p:sldLayoutId id="2147483669" r:id="rId9"/>
+    <p:sldLayoutId id="2147483670" r:id="rId10"/>
+    <p:sldLayoutId id="2147483671" r:id="rId11"/>
+    <p:sldLayoutId id="2147483672" r:id="rId12"/>
+    <p:sldLayoutId id="2147483673" r:id="rId13"/>
+    <p:sldLayoutId id="2147483674" r:id="rId14"/>
+    <p:sldLayoutId id="2147483675" r:id="rId15"/>
+    <p:sldLayoutId id="2147483676" r:id="rId16"/>
+    <p:sldLayoutId id="2147483677" r:id="rId17"/>
   </p:sldLayoutIdLst>
   <p:txStyles>
     <p:titleStyle>
-      <a:lvl1pPr algn="l" defTabSz="914400" rtl="0" eaLnBrk="1" latinLnBrk="0" hangingPunct="1">
-        <a:lnSpc>
-          <a:spcPct val="90000"/>
-        </a:lnSpc>
+      <a:lvl1pPr algn="ctr" defTabSz="457200" rtl="0" eaLnBrk="1" latinLnBrk="0" hangingPunct="1">
         <a:spcBef>
           <a:spcPct val="0"/>
         </a:spcBef>
         <a:buNone/>
-        <a:defRPr sz="4400" kern="1200">
+        <a:defRPr sz="4000" kern="1200" cap="none">
+          <a:ln w="3175" cmpd="sng">
+            <a:noFill/>
+          </a:ln>
           <a:solidFill>
             <a:schemeClr val="tx1"/>
           </a:solidFill>
+          <a:effectLst/>
           <a:latin typeface="+mj-lt"/>
           <a:ea typeface="+mj-ea"/>
           <a:cs typeface="+mj-cs"/>
         </a:defRPr>
       </a:lvl1pPr>
+      <a:lvl2pPr eaLnBrk="1" hangingPunct="1">
+        <a:defRPr>
+          <a:solidFill>
+            <a:schemeClr val="tx2"/>
+          </a:solidFill>
+        </a:defRPr>
+      </a:lvl2pPr>
+      <a:lvl3pPr eaLnBrk="1" hangingPunct="1">
+        <a:defRPr>
+          <a:solidFill>
+            <a:schemeClr val="tx2"/>
+          </a:solidFill>
+        </a:defRPr>
+      </a:lvl3pPr>
+      <a:lvl4pPr eaLnBrk="1" hangingPunct="1">
+        <a:defRPr>
+          <a:solidFill>
+            <a:schemeClr val="tx2"/>
+          </a:solidFill>
+        </a:defRPr>
+      </a:lvl4pPr>
+      <a:lvl5pPr eaLnBrk="1" hangingPunct="1">
+        <a:defRPr>
+          <a:solidFill>
+            <a:schemeClr val="tx2"/>
+          </a:solidFill>
+        </a:defRPr>
+      </a:lvl5pPr>
+      <a:lvl6pPr eaLnBrk="1" hangingPunct="1">
+        <a:defRPr>
+          <a:solidFill>
+            <a:schemeClr val="tx2"/>
+          </a:solidFill>
+        </a:defRPr>
+      </a:lvl6pPr>
+      <a:lvl7pPr eaLnBrk="1" hangingPunct="1">
+        <a:defRPr>
+          <a:solidFill>
+            <a:schemeClr val="tx2"/>
+          </a:solidFill>
+        </a:defRPr>
+      </a:lvl7pPr>
+      <a:lvl8pPr eaLnBrk="1" hangingPunct="1">
+        <a:defRPr>
+          <a:solidFill>
+            <a:schemeClr val="tx2"/>
+          </a:solidFill>
+        </a:defRPr>
+      </a:lvl8pPr>
+      <a:lvl9pPr eaLnBrk="1" hangingPunct="1">
+        <a:defRPr>
+          <a:solidFill>
+            <a:schemeClr val="tx2"/>
+          </a:solidFill>
+        </a:defRPr>
+      </a:lvl9pPr>
     </p:titleStyle>
     <p:bodyStyle>
-      <a:lvl1pPr marL="228600" indent="-228600" algn="l" defTabSz="914400" rtl="0" eaLnBrk="1" latinLnBrk="0" hangingPunct="1">
-        <a:lnSpc>
-          <a:spcPct val="90000"/>
-        </a:lnSpc>
+      <a:lvl1pPr marL="285750" indent="-285750" algn="l" defTabSz="457200" rtl="0" eaLnBrk="1" latinLnBrk="0" hangingPunct="1">
         <a:spcBef>
-          <a:spcPts val="1000"/>
+          <a:spcPct val="20000"/>
         </a:spcBef>
-        <a:buFont typeface="Arial" panose="020B0604020202020204" pitchFamily="34" charset="0"/>
+        <a:spcAft>
+          <a:spcPts val="600"/>
+        </a:spcAft>
+        <a:buClr>
+          <a:schemeClr val="accent1">
+            <a:lumMod val="75000"/>
+          </a:schemeClr>
+        </a:buClr>
+        <a:buSzPct val="145000"/>
+        <a:buFont typeface="Arial"/>
         <a:buChar char="•"/>
-        <a:defRPr sz="2800" kern="1200">
+        <a:defRPr sz="2400" kern="1200" cap="none">
           <a:solidFill>
             <a:schemeClr val="tx1"/>
           </a:solidFill>
+          <a:effectLst/>
           <a:latin typeface="+mn-lt"/>
           <a:ea typeface="+mn-ea"/>
           <a:cs typeface="+mn-cs"/>
         </a:defRPr>
       </a:lvl1pPr>
-      <a:lvl2pPr marL="685800" indent="-228600" algn="l" defTabSz="914400" rtl="0" eaLnBrk="1" latinLnBrk="0" hangingPunct="1">
-        <a:lnSpc>
-          <a:spcPct val="90000"/>
-        </a:lnSpc>
+      <a:lvl2pPr marL="742950" indent="-285750" algn="l" defTabSz="457200" rtl="0" eaLnBrk="1" latinLnBrk="0" hangingPunct="1">
         <a:spcBef>
-          <a:spcPts val="500"/>
+          <a:spcPct val="20000"/>
         </a:spcBef>
-        <a:buFont typeface="Arial" panose="020B0604020202020204" pitchFamily="34" charset="0"/>
+        <a:spcAft>
+          <a:spcPts val="600"/>
+        </a:spcAft>
+        <a:buClr>
+          <a:schemeClr val="accent1">
+            <a:lumMod val="75000"/>
+          </a:schemeClr>
+        </a:buClr>
+        <a:buSzPct val="145000"/>
+        <a:buFont typeface="Arial"/>
         <a:buChar char="•"/>
-        <a:defRPr sz="2400" kern="1200">
+        <a:defRPr sz="2000" kern="1200" cap="none">
           <a:solidFill>
             <a:schemeClr val="tx1"/>
           </a:solidFill>
+          <a:effectLst/>
           <a:latin typeface="+mn-lt"/>
           <a:ea typeface="+mn-ea"/>
           <a:cs typeface="+mn-cs"/>
         </a:defRPr>
       </a:lvl2pPr>
-      <a:lvl3pPr marL="1143000" indent="-228600" algn="l" defTabSz="914400" rtl="0" eaLnBrk="1" latinLnBrk="0" hangingPunct="1">
-        <a:lnSpc>
-          <a:spcPct val="90000"/>
-        </a:lnSpc>
+      <a:lvl3pPr marL="1200150" indent="-285750" algn="l" defTabSz="457200" rtl="0" eaLnBrk="1" latinLnBrk="0" hangingPunct="1">
         <a:spcBef>
-          <a:spcPts val="500"/>
+          <a:spcPct val="20000"/>
         </a:spcBef>
-        <a:buFont typeface="Arial" panose="020B0604020202020204" pitchFamily="34" charset="0"/>
+        <a:spcAft>
+          <a:spcPts val="600"/>
+        </a:spcAft>
+        <a:buClr>
+          <a:schemeClr val="accent1">
+            <a:lumMod val="75000"/>
+          </a:schemeClr>
+        </a:buClr>
+        <a:buSzPct val="145000"/>
+        <a:buFont typeface="Arial"/>
         <a:buChar char="•"/>
-        <a:defRPr sz="2000" kern="1200">
+        <a:defRPr sz="1800" kern="1200" cap="none">
           <a:solidFill>
             <a:schemeClr val="tx1"/>
           </a:solidFill>
+          <a:effectLst/>
           <a:latin typeface="+mn-lt"/>
           <a:ea typeface="+mn-ea"/>
           <a:cs typeface="+mn-cs"/>
         </a:defRPr>
       </a:lvl3pPr>
-      <a:lvl4pPr marL="1600200" indent="-228600" algn="l" defTabSz="914400" rtl="0" eaLnBrk="1" latinLnBrk="0" hangingPunct="1">
-        <a:lnSpc>
-          <a:spcPct val="90000"/>
-        </a:lnSpc>
+      <a:lvl4pPr marL="1543050" indent="-171450" algn="l" defTabSz="457200" rtl="0" eaLnBrk="1" latinLnBrk="0" hangingPunct="1">
         <a:spcBef>
-          <a:spcPts val="500"/>
+          <a:spcPct val="20000"/>
         </a:spcBef>
-        <a:buFont typeface="Arial" panose="020B0604020202020204" pitchFamily="34" charset="0"/>
+        <a:spcAft>
+          <a:spcPts val="600"/>
+        </a:spcAft>
+        <a:buClr>
+          <a:schemeClr val="accent1">
+            <a:lumMod val="75000"/>
+          </a:schemeClr>
+        </a:buClr>
+        <a:buSzPct val="145000"/>
+        <a:buFont typeface="Arial"/>
         <a:buChar char="•"/>
-        <a:defRPr sz="1800" kern="1200">
+        <a:defRPr sz="1600" kern="1200" cap="none">
           <a:solidFill>
             <a:schemeClr val="tx1"/>
           </a:solidFill>
+          <a:effectLst/>
           <a:latin typeface="+mn-lt"/>
           <a:ea typeface="+mn-ea"/>
           <a:cs typeface="+mn-cs"/>
         </a:defRPr>
       </a:lvl4pPr>
-      <a:lvl5pPr marL="2057400" indent="-228600" algn="l" defTabSz="914400" rtl="0" eaLnBrk="1" latinLnBrk="0" hangingPunct="1">
-        <a:lnSpc>
-          <a:spcPct val="90000"/>
-        </a:lnSpc>
+      <a:lvl5pPr marL="2000250" indent="-171450" algn="l" defTabSz="457200" rtl="0" eaLnBrk="1" latinLnBrk="0" hangingPunct="1">
         <a:spcBef>
-          <a:spcPts val="500"/>
+          <a:spcPct val="20000"/>
         </a:spcBef>
-        <a:buFont typeface="Arial" panose="020B0604020202020204" pitchFamily="34" charset="0"/>
+        <a:spcAft>
+          <a:spcPts val="600"/>
+        </a:spcAft>
+        <a:buClr>
+          <a:schemeClr val="accent1">
+            <a:lumMod val="75000"/>
+          </a:schemeClr>
+        </a:buClr>
+        <a:buSzPct val="145000"/>
+        <a:buFont typeface="Arial"/>
         <a:buChar char="•"/>
-        <a:defRPr sz="1800" kern="1200">
+        <a:defRPr sz="1400" kern="1200" cap="none">
           <a:solidFill>
             <a:schemeClr val="tx1"/>
           </a:solidFill>
+          <a:effectLst/>
           <a:latin typeface="+mn-lt"/>
           <a:ea typeface="+mn-ea"/>
           <a:cs typeface="+mn-cs"/>
         </a:defRPr>
       </a:lvl5pPr>
-      <a:lvl6pPr marL="2514600" indent="-228600" algn="l" defTabSz="914400" rtl="0" eaLnBrk="1" latinLnBrk="0" hangingPunct="1">
-        <a:lnSpc>
-          <a:spcPct val="90000"/>
-        </a:lnSpc>
+      <a:lvl6pPr marL="2514600" indent="-228600" algn="l" defTabSz="457200" rtl="0" eaLnBrk="1" latinLnBrk="0" hangingPunct="1">
         <a:spcBef>
-          <a:spcPts val="500"/>
+          <a:spcPct val="20000"/>
         </a:spcBef>
-        <a:buFont typeface="Arial" panose="020B0604020202020204" pitchFamily="34" charset="0"/>
+        <a:spcAft>
+          <a:spcPts val="600"/>
+        </a:spcAft>
+        <a:buClr>
+          <a:schemeClr val="accent1">
+            <a:lumMod val="75000"/>
+          </a:schemeClr>
+        </a:buClr>
+        <a:buSzPct val="145000"/>
+        <a:buFont typeface="Arial"/>
         <a:buChar char="•"/>
-        <a:defRPr sz="1800" kern="1200">
+        <a:defRPr sz="1400" kern="1200" cap="none">
           <a:solidFill>
             <a:schemeClr val="tx1"/>
           </a:solidFill>
+          <a:effectLst/>
           <a:latin typeface="+mn-lt"/>
           <a:ea typeface="+mn-ea"/>
           <a:cs typeface="+mn-cs"/>
         </a:defRPr>
       </a:lvl6pPr>
-      <a:lvl7pPr marL="2971800" indent="-228600" algn="l" defTabSz="914400" rtl="0" eaLnBrk="1" latinLnBrk="0" hangingPunct="1">
-        <a:lnSpc>
-          <a:spcPct val="90000"/>
-        </a:lnSpc>
+      <a:lvl7pPr marL="2971800" indent="-228600" algn="l" defTabSz="457200" rtl="0" eaLnBrk="1" latinLnBrk="0" hangingPunct="1">
         <a:spcBef>
-          <a:spcPts val="500"/>
+          <a:spcPct val="20000"/>
         </a:spcBef>
-        <a:buFont typeface="Arial" panose="020B0604020202020204" pitchFamily="34" charset="0"/>
+        <a:spcAft>
+          <a:spcPts val="600"/>
+        </a:spcAft>
+        <a:buClr>
+          <a:schemeClr val="accent1">
+            <a:lumMod val="75000"/>
+          </a:schemeClr>
+        </a:buClr>
+        <a:buSzPct val="145000"/>
+        <a:buFont typeface="Arial"/>
         <a:buChar char="•"/>
-        <a:defRPr sz="1800" kern="1200">
+        <a:defRPr sz="1400" kern="1200" cap="none">
           <a:solidFill>
             <a:schemeClr val="tx1"/>
           </a:solidFill>
+          <a:effectLst/>
           <a:latin typeface="+mn-lt"/>
           <a:ea typeface="+mn-ea"/>
           <a:cs typeface="+mn-cs"/>
         </a:defRPr>
       </a:lvl7pPr>
-      <a:lvl8pPr marL="3429000" indent="-228600" algn="l" defTabSz="914400" rtl="0" eaLnBrk="1" latinLnBrk="0" hangingPunct="1">
-        <a:lnSpc>
-          <a:spcPct val="90000"/>
-        </a:lnSpc>
+      <a:lvl8pPr marL="3429000" indent="-228600" algn="l" defTabSz="457200" rtl="0" eaLnBrk="1" latinLnBrk="0" hangingPunct="1">
         <a:spcBef>
-          <a:spcPts val="500"/>
+          <a:spcPct val="20000"/>
         </a:spcBef>
-        <a:buFont typeface="Arial" panose="020B0604020202020204" pitchFamily="34" charset="0"/>
+        <a:spcAft>
+          <a:spcPts val="600"/>
+        </a:spcAft>
+        <a:buClr>
+          <a:schemeClr val="accent1">
+            <a:lumMod val="75000"/>
+          </a:schemeClr>
+        </a:buClr>
+        <a:buSzPct val="145000"/>
+        <a:buFont typeface="Arial"/>
         <a:buChar char="•"/>
-        <a:defRPr sz="1800" kern="1200">
+        <a:defRPr sz="1400" kern="1200" cap="none">
           <a:solidFill>
             <a:schemeClr val="tx1"/>
           </a:solidFill>
+          <a:effectLst/>
           <a:latin typeface="+mn-lt"/>
           <a:ea typeface="+mn-ea"/>
           <a:cs typeface="+mn-cs"/>
         </a:defRPr>
       </a:lvl8pPr>
-      <a:lvl9pPr marL="3886200" indent="-228600" algn="l" defTabSz="914400" rtl="0" eaLnBrk="1" latinLnBrk="0" hangingPunct="1">
-        <a:lnSpc>
-          <a:spcPct val="90000"/>
-        </a:lnSpc>
+      <a:lvl9pPr marL="3886200" indent="-228600" algn="l" defTabSz="457200" rtl="0" eaLnBrk="1" latinLnBrk="0" hangingPunct="1">
         <a:spcBef>
-          <a:spcPts val="500"/>
+          <a:spcPct val="20000"/>
         </a:spcBef>
-        <a:buFont typeface="Arial" panose="020B0604020202020204" pitchFamily="34" charset="0"/>
+        <a:spcAft>
+          <a:spcPts val="600"/>
+        </a:spcAft>
+        <a:buClr>
+          <a:schemeClr val="accent1">
+            <a:lumMod val="75000"/>
+          </a:schemeClr>
+        </a:buClr>
+        <a:buSzPct val="145000"/>
+        <a:buFont typeface="Arial"/>
         <a:buChar char="•"/>
-        <a:defRPr sz="1800" kern="1200">
+        <a:defRPr sz="1400" kern="1200" cap="none">
           <a:solidFill>
             <a:schemeClr val="tx1"/>
           </a:solidFill>
+          <a:effectLst/>
           <a:latin typeface="+mn-lt"/>
           <a:ea typeface="+mn-ea"/>
           <a:cs typeface="+mn-cs"/>
@@ -3235,7 +6762,7 @@
       <a:defPPr>
         <a:defRPr lang="en-US"/>
       </a:defPPr>
-      <a:lvl1pPr marL="0" algn="l" defTabSz="914400" rtl="0" eaLnBrk="1" latinLnBrk="0" hangingPunct="1">
+      <a:lvl1pPr marL="0" algn="l" defTabSz="457200" rtl="0" eaLnBrk="1" latinLnBrk="0" hangingPunct="1">
         <a:defRPr sz="1800" kern="1200">
           <a:solidFill>
             <a:schemeClr val="tx1"/>
@@ -3245,7 +6772,7 @@
           <a:cs typeface="+mn-cs"/>
         </a:defRPr>
       </a:lvl1pPr>
-      <a:lvl2pPr marL="457200" algn="l" defTabSz="914400" rtl="0" eaLnBrk="1" latinLnBrk="0" hangingPunct="1">
+      <a:lvl2pPr marL="457200" algn="l" defTabSz="457200" rtl="0" eaLnBrk="1" latinLnBrk="0" hangingPunct="1">
         <a:defRPr sz="1800" kern="1200">
           <a:solidFill>
             <a:schemeClr val="tx1"/>
@@ -3255,7 +6782,7 @@
           <a:cs typeface="+mn-cs"/>
         </a:defRPr>
       </a:lvl2pPr>
-      <a:lvl3pPr marL="914400" algn="l" defTabSz="914400" rtl="0" eaLnBrk="1" latinLnBrk="0" hangingPunct="1">
+      <a:lvl3pPr marL="914400" algn="l" defTabSz="457200" rtl="0" eaLnBrk="1" latinLnBrk="0" hangingPunct="1">
         <a:defRPr sz="1800" kern="1200">
           <a:solidFill>
             <a:schemeClr val="tx1"/>
@@ -3265,7 +6792,7 @@
           <a:cs typeface="+mn-cs"/>
         </a:defRPr>
       </a:lvl3pPr>
-      <a:lvl4pPr marL="1371600" algn="l" defTabSz="914400" rtl="0" eaLnBrk="1" latinLnBrk="0" hangingPunct="1">
+      <a:lvl4pPr marL="1371600" algn="l" defTabSz="457200" rtl="0" eaLnBrk="1" latinLnBrk="0" hangingPunct="1">
         <a:defRPr sz="1800" kern="1200">
           <a:solidFill>
             <a:schemeClr val="tx1"/>
@@ -3275,7 +6802,7 @@
           <a:cs typeface="+mn-cs"/>
         </a:defRPr>
       </a:lvl4pPr>
-      <a:lvl5pPr marL="1828800" algn="l" defTabSz="914400" rtl="0" eaLnBrk="1" latinLnBrk="0" hangingPunct="1">
+      <a:lvl5pPr marL="1828800" algn="l" defTabSz="457200" rtl="0" eaLnBrk="1" latinLnBrk="0" hangingPunct="1">
         <a:defRPr sz="1800" kern="1200">
           <a:solidFill>
             <a:schemeClr val="tx1"/>
@@ -3285,7 +6812,7 @@
           <a:cs typeface="+mn-cs"/>
         </a:defRPr>
       </a:lvl5pPr>
-      <a:lvl6pPr marL="2286000" algn="l" defTabSz="914400" rtl="0" eaLnBrk="1" latinLnBrk="0" hangingPunct="1">
+      <a:lvl6pPr marL="2286000" algn="l" defTabSz="457200" rtl="0" eaLnBrk="1" latinLnBrk="0" hangingPunct="1">
         <a:defRPr sz="1800" kern="1200">
           <a:solidFill>
             <a:schemeClr val="tx1"/>
@@ -3295,7 +6822,7 @@
           <a:cs typeface="+mn-cs"/>
         </a:defRPr>
       </a:lvl6pPr>
-      <a:lvl7pPr marL="2743200" algn="l" defTabSz="914400" rtl="0" eaLnBrk="1" latinLnBrk="0" hangingPunct="1">
+      <a:lvl7pPr marL="2743200" algn="l" defTabSz="457200" rtl="0" eaLnBrk="1" latinLnBrk="0" hangingPunct="1">
         <a:defRPr sz="1800" kern="1200">
           <a:solidFill>
             <a:schemeClr val="tx1"/>
@@ -3305,7 +6832,7 @@
           <a:cs typeface="+mn-cs"/>
         </a:defRPr>
       </a:lvl7pPr>
-      <a:lvl8pPr marL="3200400" algn="l" defTabSz="914400" rtl="0" eaLnBrk="1" latinLnBrk="0" hangingPunct="1">
+      <a:lvl8pPr marL="3200400" algn="l" defTabSz="457200" rtl="0" eaLnBrk="1" latinLnBrk="0" hangingPunct="1">
         <a:defRPr sz="1800" kern="1200">
           <a:solidFill>
             <a:schemeClr val="tx1"/>
@@ -3315,7 +6842,7 @@
           <a:cs typeface="+mn-cs"/>
         </a:defRPr>
       </a:lvl8pPr>
-      <a:lvl9pPr marL="3657600" algn="l" defTabSz="914400" rtl="0" eaLnBrk="1" latinLnBrk="0" hangingPunct="1">
+      <a:lvl9pPr marL="3657600" algn="l" defTabSz="457200" rtl="0" eaLnBrk="1" latinLnBrk="0" hangingPunct="1">
         <a:defRPr sz="1800" kern="1200">
           <a:solidFill>
             <a:schemeClr val="tx1"/>
@@ -3365,13 +6892,25 @@
         </p:nvSpPr>
         <p:spPr/>
         <p:txBody>
-          <a:bodyPr/>
+          <a:bodyPr>
+            <a:normAutofit fontScale="90000"/>
+          </a:bodyPr>
           <a:lstStyle/>
           <a:p>
             <a:r>
-              <a:rPr lang="en-IN" dirty="0"/>
+              <a:rPr lang="en-IN" sz="8000" dirty="0">
+                <a:latin typeface="Algerian" panose="04020705040A02060702" pitchFamily="82" charset="0"/>
+              </a:rPr>
               <a:t>Basic GUI Calculator</a:t>
             </a:r>
+            <a:br>
+              <a:rPr lang="en-IN" sz="8000" dirty="0">
+                <a:latin typeface="Algerian" panose="04020705040A02060702" pitchFamily="82" charset="0"/>
+              </a:rPr>
+            </a:br>
+            <a:endParaRPr lang="en-IN" sz="8000" dirty="0">
+              <a:latin typeface="Algerian" panose="04020705040A02060702" pitchFamily="82" charset="0"/>
+            </a:endParaRPr>
           </a:p>
         </p:txBody>
       </p:sp>
@@ -3391,18 +6930,45 @@
             <p:ph type="subTitle" idx="1"/>
           </p:nvPr>
         </p:nvSpPr>
-        <p:spPr/>
-        <p:txBody>
-          <a:bodyPr/>
+        <p:spPr>
+          <a:xfrm>
+            <a:off x="1251857" y="3602038"/>
+            <a:ext cx="10635343" cy="2951162"/>
+          </a:xfrm>
+        </p:spPr>
+        <p:txBody>
+          <a:bodyPr>
+            <a:normAutofit lnSpcReduction="10000"/>
+          </a:bodyPr>
           <a:lstStyle/>
           <a:p>
             <a:r>
-              <a:rPr lang="en-IN"/>
+              <a:rPr lang="en-IN" sz="3600" u="sng" dirty="0">
+                <a:latin typeface="Arial Black" panose="020B0A04020102020204" pitchFamily="34" charset="0"/>
+              </a:rPr>
               <a:t>(USING TKINTER)</a:t>
             </a:r>
           </a:p>
           <a:p>
-            <a:endParaRPr lang="en-IN"/>
+            <a:endParaRPr lang="en-IN" dirty="0"/>
+          </a:p>
+          <a:p>
+            <a:endParaRPr lang="en-IN" dirty="0"/>
+          </a:p>
+          <a:p>
+            <a:endParaRPr lang="en-IN" dirty="0"/>
+          </a:p>
+          <a:p>
+            <a:r>
+              <a:rPr lang="en-IN" sz="5100" dirty="0"/>
+              <a:t>                           </a:t>
+            </a:r>
+            <a:r>
+              <a:rPr lang="en-IN" sz="5100" dirty="0">
+                <a:latin typeface="Bauhaus 93" panose="04030905020B02020C02" pitchFamily="82" charset="0"/>
+              </a:rPr>
+              <a:t>BY – PRATEEK AGRAWAL</a:t>
+            </a:r>
           </a:p>
         </p:txBody>
       </p:sp>
@@ -3419,7 +6985,1461 @@
 </p:sld>
 </file>
 
+<file path=ppt/slides/slide2.xml><?xml version="1.0" encoding="utf-8"?>
+<p:sld xmlns:a="http://schemas.openxmlformats.org/drawingml/2006/main" xmlns:r="http://schemas.openxmlformats.org/officeDocument/2006/relationships" xmlns:p="http://schemas.openxmlformats.org/presentationml/2006/main">
+  <p:cSld>
+    <p:spTree>
+      <p:nvGrpSpPr>
+        <p:cNvPr id="1" name=""/>
+        <p:cNvGrpSpPr/>
+        <p:nvPr/>
+      </p:nvGrpSpPr>
+      <p:grpSpPr>
+        <a:xfrm>
+          <a:off x="0" y="0"/>
+          <a:ext cx="0" cy="0"/>
+          <a:chOff x="0" y="0"/>
+          <a:chExt cx="0" cy="0"/>
+        </a:xfrm>
+      </p:grpSpPr>
+      <p:sp>
+        <p:nvSpPr>
+          <p:cNvPr id="2" name="Title 1">
+            <a:extLst>
+              <a:ext uri="{FF2B5EF4-FFF2-40B4-BE49-F238E27FC236}">
+                <a16:creationId xmlns:a16="http://schemas.microsoft.com/office/drawing/2014/main" id="{A9F5E820-FD58-E86A-58EE-15577E445BA1}"/>
+              </a:ext>
+            </a:extLst>
+          </p:cNvPr>
+          <p:cNvSpPr>
+            <a:spLocks noGrp="1"/>
+          </p:cNvSpPr>
+          <p:nvPr>
+            <p:ph type="title"/>
+          </p:nvPr>
+        </p:nvSpPr>
+        <p:spPr/>
+        <p:txBody>
+          <a:bodyPr>
+            <a:normAutofit/>
+          </a:bodyPr>
+          <a:lstStyle/>
+          <a:p>
+            <a:r>
+              <a:rPr lang="en-IN" sz="5400" u="sng" dirty="0">
+                <a:latin typeface="Algerian" panose="04020705040A02060702" pitchFamily="82" charset="0"/>
+              </a:rPr>
+              <a:t>INTRODUCTION</a:t>
+            </a:r>
+          </a:p>
+        </p:txBody>
+      </p:sp>
+      <p:sp>
+        <p:nvSpPr>
+          <p:cNvPr id="3" name="Content Placeholder 2">
+            <a:extLst>
+              <a:ext uri="{FF2B5EF4-FFF2-40B4-BE49-F238E27FC236}">
+                <a16:creationId xmlns:a16="http://schemas.microsoft.com/office/drawing/2014/main" id="{C5D3EBFF-7E73-253F-5207-EDDED6CFF92B}"/>
+              </a:ext>
+            </a:extLst>
+          </p:cNvPr>
+          <p:cNvSpPr>
+            <a:spLocks noGrp="1"/>
+          </p:cNvSpPr>
+          <p:nvPr>
+            <p:ph idx="1"/>
+          </p:nvPr>
+        </p:nvSpPr>
+        <p:spPr>
+          <a:xfrm>
+            <a:off x="1484311" y="2666999"/>
+            <a:ext cx="5972404" cy="3124201"/>
+          </a:xfrm>
+        </p:spPr>
+        <p:txBody>
+          <a:bodyPr/>
+          <a:lstStyle/>
+          <a:p>
+            <a:r>
+              <a:rPr lang="en-IN" dirty="0"/>
+              <a:t>This Simple Calculator is designed with the help of </a:t>
+            </a:r>
+            <a:r>
+              <a:rPr lang="en-IN" dirty="0" err="1"/>
+              <a:t>Tkinter</a:t>
+            </a:r>
+            <a:r>
+              <a:rPr lang="en-IN" dirty="0"/>
+              <a:t> which provides all the basic functionality for creating graphical user interfaces.</a:t>
+            </a:r>
+          </a:p>
+          <a:p>
+            <a:r>
+              <a:rPr lang="en-IN" dirty="0"/>
+              <a:t>It calculates all basic arithmetical operations with the help of Button &amp; Frames.</a:t>
+            </a:r>
+          </a:p>
+          <a:p>
+            <a:endParaRPr lang="en-IN" dirty="0"/>
+          </a:p>
+        </p:txBody>
+      </p:sp>
+      <p:pic>
+        <p:nvPicPr>
+          <p:cNvPr id="5" name="Picture 4">
+            <a:extLst>
+              <a:ext uri="{FF2B5EF4-FFF2-40B4-BE49-F238E27FC236}">
+                <a16:creationId xmlns:a16="http://schemas.microsoft.com/office/drawing/2014/main" id="{7E3022B1-832D-DCE3-EF72-5A3ED99A804D}"/>
+              </a:ext>
+            </a:extLst>
+          </p:cNvPr>
+          <p:cNvPicPr>
+            <a:picLocks noChangeAspect="1"/>
+          </p:cNvPicPr>
+          <p:nvPr/>
+        </p:nvPicPr>
+        <p:blipFill>
+          <a:blip r:embed="rId2">
+            <a:extLst>
+              <a:ext uri="{28A0092B-C50C-407E-A947-70E740481C1C}">
+                <a14:useLocalDpi xmlns:a14="http://schemas.microsoft.com/office/drawing/2010/main" val="0"/>
+              </a:ext>
+            </a:extLst>
+          </a:blip>
+          <a:stretch>
+            <a:fillRect/>
+          </a:stretch>
+        </p:blipFill>
+        <p:spPr>
+          <a:xfrm>
+            <a:off x="7935686" y="2060862"/>
+            <a:ext cx="3567338" cy="4625284"/>
+          </a:xfrm>
+          <a:prstGeom prst="rect">
+            <a:avLst/>
+          </a:prstGeom>
+        </p:spPr>
+      </p:pic>
+    </p:spTree>
+    <p:extLst>
+      <p:ext uri="{BB962C8B-B14F-4D97-AF65-F5344CB8AC3E}">
+        <p14:creationId xmlns:p14="http://schemas.microsoft.com/office/powerpoint/2010/main" val="3397925081"/>
+      </p:ext>
+    </p:extLst>
+  </p:cSld>
+  <p:clrMapOvr>
+    <a:masterClrMapping/>
+  </p:clrMapOvr>
+</p:sld>
+</file>
+
+<file path=ppt/slides/slide3.xml><?xml version="1.0" encoding="utf-8"?>
+<p:sld xmlns:a="http://schemas.openxmlformats.org/drawingml/2006/main" xmlns:r="http://schemas.openxmlformats.org/officeDocument/2006/relationships" xmlns:p="http://schemas.openxmlformats.org/presentationml/2006/main">
+  <p:cSld>
+    <p:spTree>
+      <p:nvGrpSpPr>
+        <p:cNvPr id="1" name=""/>
+        <p:cNvGrpSpPr/>
+        <p:nvPr/>
+      </p:nvGrpSpPr>
+      <p:grpSpPr>
+        <a:xfrm>
+          <a:off x="0" y="0"/>
+          <a:ext cx="0" cy="0"/>
+          <a:chOff x="0" y="0"/>
+          <a:chExt cx="0" cy="0"/>
+        </a:xfrm>
+      </p:grpSpPr>
+      <p:sp>
+        <p:nvSpPr>
+          <p:cNvPr id="2" name="Title 1">
+            <a:extLst>
+              <a:ext uri="{FF2B5EF4-FFF2-40B4-BE49-F238E27FC236}">
+                <a16:creationId xmlns:a16="http://schemas.microsoft.com/office/drawing/2014/main" id="{570A0492-BA76-1F46-3767-74E60BD0B942}"/>
+              </a:ext>
+            </a:extLst>
+          </p:cNvPr>
+          <p:cNvSpPr>
+            <a:spLocks noGrp="1"/>
+          </p:cNvSpPr>
+          <p:nvPr>
+            <p:ph type="title"/>
+          </p:nvPr>
+        </p:nvSpPr>
+        <p:spPr/>
+        <p:txBody>
+          <a:bodyPr>
+            <a:normAutofit/>
+          </a:bodyPr>
+          <a:lstStyle/>
+          <a:p>
+            <a:r>
+              <a:rPr lang="en-IN" sz="4800" u="sng" dirty="0">
+                <a:latin typeface="Algerian" panose="04020705040A02060702" pitchFamily="82" charset="0"/>
+              </a:rPr>
+              <a:t>With the Help of</a:t>
+            </a:r>
+          </a:p>
+        </p:txBody>
+      </p:sp>
+      <p:sp>
+        <p:nvSpPr>
+          <p:cNvPr id="3" name="Content Placeholder 2">
+            <a:extLst>
+              <a:ext uri="{FF2B5EF4-FFF2-40B4-BE49-F238E27FC236}">
+                <a16:creationId xmlns:a16="http://schemas.microsoft.com/office/drawing/2014/main" id="{C510A7B3-8333-461D-BCC6-31749FCA9F73}"/>
+              </a:ext>
+            </a:extLst>
+          </p:cNvPr>
+          <p:cNvSpPr>
+            <a:spLocks noGrp="1"/>
+          </p:cNvSpPr>
+          <p:nvPr>
+            <p:ph idx="1"/>
+          </p:nvPr>
+        </p:nvSpPr>
+        <p:spPr/>
+        <p:txBody>
+          <a:bodyPr/>
+          <a:lstStyle/>
+          <a:p>
+            <a:r>
+              <a:rPr lang="en-IN" sz="2800" b="1" dirty="0" err="1"/>
+              <a:t>Scvalue</a:t>
+            </a:r>
+            <a:r>
+              <a:rPr lang="en-IN" dirty="0"/>
+              <a:t> as a global string variable ,</a:t>
+            </a:r>
+          </a:p>
+          <a:p>
+            <a:r>
+              <a:rPr lang="en-IN" sz="2800" b="1" dirty="0"/>
+              <a:t>Frame</a:t>
+            </a:r>
+            <a:r>
+              <a:rPr lang="en-IN" dirty="0"/>
+              <a:t> ,</a:t>
+            </a:r>
+          </a:p>
+          <a:p>
+            <a:r>
+              <a:rPr lang="en-IN" sz="2800" b="1" dirty="0"/>
+              <a:t>Button</a:t>
+            </a:r>
+            <a:r>
+              <a:rPr lang="en-IN" dirty="0"/>
+              <a:t> ,</a:t>
+            </a:r>
+          </a:p>
+          <a:p>
+            <a:r>
+              <a:rPr lang="en-IN" sz="2800" b="1" dirty="0"/>
+              <a:t>Click</a:t>
+            </a:r>
+            <a:r>
+              <a:rPr lang="en-IN" dirty="0"/>
+              <a:t> (event) ,</a:t>
+            </a:r>
+          </a:p>
+          <a:p>
+            <a:r>
+              <a:rPr lang="en-IN" sz="2800" b="1" dirty="0"/>
+              <a:t>Eval</a:t>
+            </a:r>
+            <a:r>
+              <a:rPr lang="en-IN" sz="2800" dirty="0"/>
+              <a:t> </a:t>
+            </a:r>
+            <a:r>
+              <a:rPr lang="en-IN" dirty="0"/>
+              <a:t>for all the calculations ,</a:t>
+            </a:r>
+          </a:p>
+          <a:p>
+            <a:endParaRPr lang="en-IN" dirty="0"/>
+          </a:p>
+          <a:p>
+            <a:endParaRPr lang="en-IN" dirty="0"/>
+          </a:p>
+        </p:txBody>
+      </p:sp>
+    </p:spTree>
+    <p:extLst>
+      <p:ext uri="{BB962C8B-B14F-4D97-AF65-F5344CB8AC3E}">
+        <p14:creationId xmlns:p14="http://schemas.microsoft.com/office/powerpoint/2010/main" val="4028395510"/>
+      </p:ext>
+    </p:extLst>
+  </p:cSld>
+  <p:clrMapOvr>
+    <a:masterClrMapping/>
+  </p:clrMapOvr>
+</p:sld>
+</file>
+
+<file path=ppt/slides/slide4.xml><?xml version="1.0" encoding="utf-8"?>
+<p:sld xmlns:a="http://schemas.openxmlformats.org/drawingml/2006/main" xmlns:r="http://schemas.openxmlformats.org/officeDocument/2006/relationships" xmlns:p="http://schemas.openxmlformats.org/presentationml/2006/main">
+  <p:cSld>
+    <p:spTree>
+      <p:nvGrpSpPr>
+        <p:cNvPr id="1" name=""/>
+        <p:cNvGrpSpPr/>
+        <p:nvPr/>
+      </p:nvGrpSpPr>
+      <p:grpSpPr>
+        <a:xfrm>
+          <a:off x="0" y="0"/>
+          <a:ext cx="0" cy="0"/>
+          <a:chOff x="0" y="0"/>
+          <a:chExt cx="0" cy="0"/>
+        </a:xfrm>
+      </p:grpSpPr>
+      <p:sp>
+        <p:nvSpPr>
+          <p:cNvPr id="2" name="Title 1">
+            <a:extLst>
+              <a:ext uri="{FF2B5EF4-FFF2-40B4-BE49-F238E27FC236}">
+                <a16:creationId xmlns:a16="http://schemas.microsoft.com/office/drawing/2014/main" id="{E17B7289-0B5F-2EC1-6A72-A05FA28E90F0}"/>
+              </a:ext>
+            </a:extLst>
+          </p:cNvPr>
+          <p:cNvSpPr>
+            <a:spLocks noGrp="1"/>
+          </p:cNvSpPr>
+          <p:nvPr>
+            <p:ph type="title"/>
+          </p:nvPr>
+        </p:nvSpPr>
+        <p:spPr>
+          <a:xfrm>
+            <a:off x="1484311" y="685801"/>
+            <a:ext cx="10018713" cy="1077686"/>
+          </a:xfrm>
+        </p:spPr>
+        <p:txBody>
+          <a:bodyPr>
+            <a:normAutofit/>
+          </a:bodyPr>
+          <a:lstStyle/>
+          <a:p>
+            <a:r>
+              <a:rPr lang="en-IN" sz="6000" u="sng" dirty="0">
+                <a:latin typeface="Algerian" panose="04020705040A02060702" pitchFamily="82" charset="0"/>
+              </a:rPr>
+              <a:t>Includes</a:t>
+            </a:r>
+          </a:p>
+        </p:txBody>
+      </p:sp>
+      <p:sp>
+        <p:nvSpPr>
+          <p:cNvPr id="3" name="Content Placeholder 2">
+            <a:extLst>
+              <a:ext uri="{FF2B5EF4-FFF2-40B4-BE49-F238E27FC236}">
+                <a16:creationId xmlns:a16="http://schemas.microsoft.com/office/drawing/2014/main" id="{7CC52B31-2711-DE6D-9F1B-843805B74452}"/>
+              </a:ext>
+            </a:extLst>
+          </p:cNvPr>
+          <p:cNvSpPr>
+            <a:spLocks noGrp="1"/>
+          </p:cNvSpPr>
+          <p:nvPr>
+            <p:ph idx="1"/>
+          </p:nvPr>
+        </p:nvSpPr>
+        <p:spPr/>
+        <p:txBody>
+          <a:bodyPr>
+            <a:normAutofit fontScale="92500" lnSpcReduction="10000"/>
+          </a:bodyPr>
+          <a:lstStyle/>
+          <a:p>
+            <a:r>
+              <a:rPr lang="en-IN" sz="3200" b="1" dirty="0"/>
+              <a:t>ADDITION</a:t>
+            </a:r>
+          </a:p>
+          <a:p>
+            <a:endParaRPr lang="en-IN" dirty="0"/>
+          </a:p>
+          <a:p>
+            <a:endParaRPr lang="en-IN" dirty="0"/>
+          </a:p>
+          <a:p>
+            <a:endParaRPr lang="en-IN" dirty="0"/>
+          </a:p>
+          <a:p>
+            <a:pPr marL="0" indent="0">
+              <a:buNone/>
+            </a:pPr>
+            <a:endParaRPr lang="en-IN" dirty="0"/>
+          </a:p>
+          <a:p>
+            <a:r>
+              <a:rPr lang="en-IN" sz="3000" b="1" dirty="0"/>
+              <a:t>SUBTRACTION</a:t>
+            </a:r>
+          </a:p>
+          <a:p>
+            <a:endParaRPr lang="en-IN" dirty="0"/>
+          </a:p>
+        </p:txBody>
+      </p:sp>
+      <p:pic>
+        <p:nvPicPr>
+          <p:cNvPr id="5" name="Picture 4">
+            <a:extLst>
+              <a:ext uri="{FF2B5EF4-FFF2-40B4-BE49-F238E27FC236}">
+                <a16:creationId xmlns:a16="http://schemas.microsoft.com/office/drawing/2014/main" id="{8C047923-0FFB-DAD4-75F2-0F19CB4B92E8}"/>
+              </a:ext>
+            </a:extLst>
+          </p:cNvPr>
+          <p:cNvPicPr>
+            <a:picLocks noChangeAspect="1"/>
+          </p:cNvPicPr>
+          <p:nvPr/>
+        </p:nvPicPr>
+        <p:blipFill>
+          <a:blip r:embed="rId2">
+            <a:extLst>
+              <a:ext uri="{28A0092B-C50C-407E-A947-70E740481C1C}">
+                <a14:useLocalDpi xmlns:a14="http://schemas.microsoft.com/office/drawing/2010/main" val="0"/>
+              </a:ext>
+            </a:extLst>
+          </a:blip>
+          <a:stretch>
+            <a:fillRect/>
+          </a:stretch>
+        </p:blipFill>
+        <p:spPr>
+          <a:xfrm>
+            <a:off x="6163399" y="1763487"/>
+            <a:ext cx="1724113" cy="2270241"/>
+          </a:xfrm>
+          <a:prstGeom prst="rect">
+            <a:avLst/>
+          </a:prstGeom>
+        </p:spPr>
+      </p:pic>
+      <p:pic>
+        <p:nvPicPr>
+          <p:cNvPr id="7" name="Picture 6">
+            <a:extLst>
+              <a:ext uri="{FF2B5EF4-FFF2-40B4-BE49-F238E27FC236}">
+                <a16:creationId xmlns:a16="http://schemas.microsoft.com/office/drawing/2014/main" id="{5BEFC06B-6AB0-6F55-3AAD-B0C4FED56E77}"/>
+              </a:ext>
+            </a:extLst>
+          </p:cNvPr>
+          <p:cNvPicPr>
+            <a:picLocks noChangeAspect="1"/>
+          </p:cNvPicPr>
+          <p:nvPr/>
+        </p:nvPicPr>
+        <p:blipFill>
+          <a:blip r:embed="rId3">
+            <a:extLst>
+              <a:ext uri="{28A0092B-C50C-407E-A947-70E740481C1C}">
+                <a14:useLocalDpi xmlns:a14="http://schemas.microsoft.com/office/drawing/2010/main" val="0"/>
+              </a:ext>
+            </a:extLst>
+          </a:blip>
+          <a:stretch>
+            <a:fillRect/>
+          </a:stretch>
+        </p:blipFill>
+        <p:spPr>
+          <a:xfrm>
+            <a:off x="9062366" y="1796702"/>
+            <a:ext cx="1721524" cy="2237026"/>
+          </a:xfrm>
+          <a:prstGeom prst="rect">
+            <a:avLst/>
+          </a:prstGeom>
+        </p:spPr>
+      </p:pic>
+      <p:sp>
+        <p:nvSpPr>
+          <p:cNvPr id="8" name="Arrow: Right 7">
+            <a:extLst>
+              <a:ext uri="{FF2B5EF4-FFF2-40B4-BE49-F238E27FC236}">
+                <a16:creationId xmlns:a16="http://schemas.microsoft.com/office/drawing/2014/main" id="{4F18266B-E03B-50D7-CE8F-A929E66E41A6}"/>
+              </a:ext>
+            </a:extLst>
+          </p:cNvPr>
+          <p:cNvSpPr/>
+          <p:nvPr/>
+        </p:nvSpPr>
+        <p:spPr>
+          <a:xfrm>
+            <a:off x="8153400" y="2547257"/>
+            <a:ext cx="707571" cy="391886"/>
+          </a:xfrm>
+          <a:prstGeom prst="rightArrow">
+            <a:avLst/>
+          </a:prstGeom>
+        </p:spPr>
+        <p:style>
+          <a:lnRef idx="2">
+            <a:schemeClr val="accent1">
+              <a:shade val="15000"/>
+            </a:schemeClr>
+          </a:lnRef>
+          <a:fillRef idx="1">
+            <a:schemeClr val="accent1"/>
+          </a:fillRef>
+          <a:effectRef idx="0">
+            <a:schemeClr val="accent1"/>
+          </a:effectRef>
+          <a:fontRef idx="minor">
+            <a:schemeClr val="lt1"/>
+          </a:fontRef>
+        </p:style>
+        <p:txBody>
+          <a:bodyPr rtlCol="0" anchor="ctr"/>
+          <a:lstStyle/>
+          <a:p>
+            <a:pPr algn="ctr"/>
+            <a:endParaRPr lang="en-IN"/>
+          </a:p>
+        </p:txBody>
+      </p:sp>
+      <p:pic>
+        <p:nvPicPr>
+          <p:cNvPr id="6" name="Picture 5">
+            <a:extLst>
+              <a:ext uri="{FF2B5EF4-FFF2-40B4-BE49-F238E27FC236}">
+                <a16:creationId xmlns:a16="http://schemas.microsoft.com/office/drawing/2014/main" id="{D5B4A927-4653-44F8-5E81-DFC8A36378CB}"/>
+              </a:ext>
+            </a:extLst>
+          </p:cNvPr>
+          <p:cNvPicPr>
+            <a:picLocks noChangeAspect="1"/>
+          </p:cNvPicPr>
+          <p:nvPr/>
+        </p:nvPicPr>
+        <p:blipFill>
+          <a:blip r:embed="rId4">
+            <a:extLst>
+              <a:ext uri="{28A0092B-C50C-407E-A947-70E740481C1C}">
+                <a14:useLocalDpi xmlns:a14="http://schemas.microsoft.com/office/drawing/2010/main" val="0"/>
+              </a:ext>
+            </a:extLst>
+          </a:blip>
+          <a:stretch>
+            <a:fillRect/>
+          </a:stretch>
+        </p:blipFill>
+        <p:spPr>
+          <a:xfrm>
+            <a:off x="6163399" y="4391256"/>
+            <a:ext cx="1727427" cy="2270241"/>
+          </a:xfrm>
+          <a:prstGeom prst="rect">
+            <a:avLst/>
+          </a:prstGeom>
+        </p:spPr>
+      </p:pic>
+      <p:pic>
+        <p:nvPicPr>
+          <p:cNvPr id="10" name="Picture 9">
+            <a:extLst>
+              <a:ext uri="{FF2B5EF4-FFF2-40B4-BE49-F238E27FC236}">
+                <a16:creationId xmlns:a16="http://schemas.microsoft.com/office/drawing/2014/main" id="{DEEECD0A-533D-C1D2-FFFC-794F4E16D8DB}"/>
+              </a:ext>
+            </a:extLst>
+          </p:cNvPr>
+          <p:cNvPicPr>
+            <a:picLocks noChangeAspect="1"/>
+          </p:cNvPicPr>
+          <p:nvPr/>
+        </p:nvPicPr>
+        <p:blipFill>
+          <a:blip r:embed="rId5">
+            <a:extLst>
+              <a:ext uri="{28A0092B-C50C-407E-A947-70E740481C1C}">
+                <a14:useLocalDpi xmlns:a14="http://schemas.microsoft.com/office/drawing/2010/main" val="0"/>
+              </a:ext>
+            </a:extLst>
+          </a:blip>
+          <a:stretch>
+            <a:fillRect/>
+          </a:stretch>
+        </p:blipFill>
+        <p:spPr>
+          <a:xfrm>
+            <a:off x="9062366" y="4328749"/>
+            <a:ext cx="1782325" cy="2332748"/>
+          </a:xfrm>
+          <a:prstGeom prst="rect">
+            <a:avLst/>
+          </a:prstGeom>
+        </p:spPr>
+      </p:pic>
+      <p:sp>
+        <p:nvSpPr>
+          <p:cNvPr id="11" name="Arrow: Right 10">
+            <a:extLst>
+              <a:ext uri="{FF2B5EF4-FFF2-40B4-BE49-F238E27FC236}">
+                <a16:creationId xmlns:a16="http://schemas.microsoft.com/office/drawing/2014/main" id="{5687C08E-08E7-6B14-C6BC-59AADAE082D4}"/>
+              </a:ext>
+            </a:extLst>
+          </p:cNvPr>
+          <p:cNvSpPr/>
+          <p:nvPr/>
+        </p:nvSpPr>
+        <p:spPr>
+          <a:xfrm>
+            <a:off x="8055429" y="5170714"/>
+            <a:ext cx="805542" cy="391886"/>
+          </a:xfrm>
+          <a:prstGeom prst="rightArrow">
+            <a:avLst/>
+          </a:prstGeom>
+        </p:spPr>
+        <p:style>
+          <a:lnRef idx="2">
+            <a:schemeClr val="accent1">
+              <a:shade val="15000"/>
+            </a:schemeClr>
+          </a:lnRef>
+          <a:fillRef idx="1">
+            <a:schemeClr val="accent1"/>
+          </a:fillRef>
+          <a:effectRef idx="0">
+            <a:schemeClr val="accent1"/>
+          </a:effectRef>
+          <a:fontRef idx="minor">
+            <a:schemeClr val="lt1"/>
+          </a:fontRef>
+        </p:style>
+        <p:txBody>
+          <a:bodyPr rtlCol="0" anchor="ctr"/>
+          <a:lstStyle/>
+          <a:p>
+            <a:pPr algn="ctr"/>
+            <a:endParaRPr lang="en-IN"/>
+          </a:p>
+        </p:txBody>
+      </p:sp>
+    </p:spTree>
+    <p:extLst>
+      <p:ext uri="{BB962C8B-B14F-4D97-AF65-F5344CB8AC3E}">
+        <p14:creationId xmlns:p14="http://schemas.microsoft.com/office/powerpoint/2010/main" val="3793839044"/>
+      </p:ext>
+    </p:extLst>
+  </p:cSld>
+  <p:clrMapOvr>
+    <a:masterClrMapping/>
+  </p:clrMapOvr>
+</p:sld>
+</file>
+
+<file path=ppt/slides/slide5.xml><?xml version="1.0" encoding="utf-8"?>
+<p:sld xmlns:a="http://schemas.openxmlformats.org/drawingml/2006/main" xmlns:r="http://schemas.openxmlformats.org/officeDocument/2006/relationships" xmlns:p="http://schemas.openxmlformats.org/presentationml/2006/main">
+  <p:cSld>
+    <p:spTree>
+      <p:nvGrpSpPr>
+        <p:cNvPr id="1" name=""/>
+        <p:cNvGrpSpPr/>
+        <p:nvPr/>
+      </p:nvGrpSpPr>
+      <p:grpSpPr>
+        <a:xfrm>
+          <a:off x="0" y="0"/>
+          <a:ext cx="0" cy="0"/>
+          <a:chOff x="0" y="0"/>
+          <a:chExt cx="0" cy="0"/>
+        </a:xfrm>
+      </p:grpSpPr>
+      <p:sp>
+        <p:nvSpPr>
+          <p:cNvPr id="2" name="Title 1">
+            <a:extLst>
+              <a:ext uri="{FF2B5EF4-FFF2-40B4-BE49-F238E27FC236}">
+                <a16:creationId xmlns:a16="http://schemas.microsoft.com/office/drawing/2014/main" id="{81595BF3-5FBA-A4B8-986D-D6D6CBB7CC77}"/>
+              </a:ext>
+            </a:extLst>
+          </p:cNvPr>
+          <p:cNvSpPr>
+            <a:spLocks noGrp="1"/>
+          </p:cNvSpPr>
+          <p:nvPr>
+            <p:ph type="title"/>
+          </p:nvPr>
+        </p:nvSpPr>
+        <p:spPr>
+          <a:xfrm>
+            <a:off x="1484311" y="685801"/>
+            <a:ext cx="10018713" cy="1230086"/>
+          </a:xfrm>
+        </p:spPr>
+        <p:txBody>
+          <a:bodyPr>
+            <a:normAutofit/>
+          </a:bodyPr>
+          <a:lstStyle/>
+          <a:p>
+            <a:r>
+              <a:rPr lang="en-IN" sz="6000" u="sng" dirty="0">
+                <a:latin typeface="Algerian" panose="04020705040A02060702" pitchFamily="82" charset="0"/>
+              </a:rPr>
+              <a:t>Includes</a:t>
+            </a:r>
+            <a:endParaRPr lang="en-IN" sz="5400" dirty="0"/>
+          </a:p>
+        </p:txBody>
+      </p:sp>
+      <p:sp>
+        <p:nvSpPr>
+          <p:cNvPr id="3" name="Content Placeholder 2">
+            <a:extLst>
+              <a:ext uri="{FF2B5EF4-FFF2-40B4-BE49-F238E27FC236}">
+                <a16:creationId xmlns:a16="http://schemas.microsoft.com/office/drawing/2014/main" id="{1534D1BC-0D1A-604A-42B2-539D5B841DC7}"/>
+              </a:ext>
+            </a:extLst>
+          </p:cNvPr>
+          <p:cNvSpPr>
+            <a:spLocks noGrp="1"/>
+          </p:cNvSpPr>
+          <p:nvPr>
+            <p:ph idx="1"/>
+          </p:nvPr>
+        </p:nvSpPr>
+        <p:spPr>
+          <a:xfrm>
+            <a:off x="1484310" y="3145971"/>
+            <a:ext cx="10018713" cy="3222172"/>
+          </a:xfrm>
+        </p:spPr>
+        <p:txBody>
+          <a:bodyPr/>
+          <a:lstStyle/>
+          <a:p>
+            <a:r>
+              <a:rPr lang="en-IN" sz="2800" b="1" dirty="0"/>
+              <a:t>MULTIPLICATION</a:t>
+            </a:r>
+          </a:p>
+          <a:p>
+            <a:endParaRPr lang="en-IN" dirty="0"/>
+          </a:p>
+          <a:p>
+            <a:endParaRPr lang="en-IN" dirty="0"/>
+          </a:p>
+          <a:p>
+            <a:endParaRPr lang="en-IN" dirty="0"/>
+          </a:p>
+          <a:p>
+            <a:r>
+              <a:rPr lang="en-IN" sz="2800" b="1" dirty="0"/>
+              <a:t>DIVISION</a:t>
+            </a:r>
+          </a:p>
+          <a:p>
+            <a:endParaRPr lang="en-IN" dirty="0"/>
+          </a:p>
+          <a:p>
+            <a:endParaRPr lang="en-IN" dirty="0"/>
+          </a:p>
+          <a:p>
+            <a:endParaRPr lang="en-IN" dirty="0"/>
+          </a:p>
+          <a:p>
+            <a:endParaRPr lang="en-IN" dirty="0"/>
+          </a:p>
+          <a:p>
+            <a:endParaRPr lang="en-IN" dirty="0"/>
+          </a:p>
+        </p:txBody>
+      </p:sp>
+      <p:pic>
+        <p:nvPicPr>
+          <p:cNvPr id="5" name="Picture 4">
+            <a:extLst>
+              <a:ext uri="{FF2B5EF4-FFF2-40B4-BE49-F238E27FC236}">
+                <a16:creationId xmlns:a16="http://schemas.microsoft.com/office/drawing/2014/main" id="{6BE1EDFB-A4F2-236C-B8F7-DB96E0F2925A}"/>
+              </a:ext>
+            </a:extLst>
+          </p:cNvPr>
+          <p:cNvPicPr>
+            <a:picLocks noChangeAspect="1"/>
+          </p:cNvPicPr>
+          <p:nvPr/>
+        </p:nvPicPr>
+        <p:blipFill>
+          <a:blip r:embed="rId2">
+            <a:extLst>
+              <a:ext uri="{28A0092B-C50C-407E-A947-70E740481C1C}">
+                <a14:useLocalDpi xmlns:a14="http://schemas.microsoft.com/office/drawing/2010/main" val="0"/>
+              </a:ext>
+            </a:extLst>
+          </a:blip>
+          <a:stretch>
+            <a:fillRect/>
+          </a:stretch>
+        </p:blipFill>
+        <p:spPr>
+          <a:xfrm>
+            <a:off x="6444343" y="1772272"/>
+            <a:ext cx="1752600" cy="2075633"/>
+          </a:xfrm>
+          <a:prstGeom prst="rect">
+            <a:avLst/>
+          </a:prstGeom>
+        </p:spPr>
+      </p:pic>
+      <p:pic>
+        <p:nvPicPr>
+          <p:cNvPr id="7" name="Picture 6">
+            <a:extLst>
+              <a:ext uri="{FF2B5EF4-FFF2-40B4-BE49-F238E27FC236}">
+                <a16:creationId xmlns:a16="http://schemas.microsoft.com/office/drawing/2014/main" id="{73B93447-7CFF-8356-7994-6AD2CC401965}"/>
+              </a:ext>
+            </a:extLst>
+          </p:cNvPr>
+          <p:cNvPicPr>
+            <a:picLocks noChangeAspect="1"/>
+          </p:cNvPicPr>
+          <p:nvPr/>
+        </p:nvPicPr>
+        <p:blipFill>
+          <a:blip r:embed="rId3">
+            <a:extLst>
+              <a:ext uri="{28A0092B-C50C-407E-A947-70E740481C1C}">
+                <a14:useLocalDpi xmlns:a14="http://schemas.microsoft.com/office/drawing/2010/main" val="0"/>
+              </a:ext>
+            </a:extLst>
+          </a:blip>
+          <a:stretch>
+            <a:fillRect/>
+          </a:stretch>
+        </p:blipFill>
+        <p:spPr>
+          <a:xfrm>
+            <a:off x="9427029" y="1772273"/>
+            <a:ext cx="1752601" cy="2090926"/>
+          </a:xfrm>
+          <a:prstGeom prst="rect">
+            <a:avLst/>
+          </a:prstGeom>
+        </p:spPr>
+      </p:pic>
+      <p:sp>
+        <p:nvSpPr>
+          <p:cNvPr id="8" name="Arrow: Right 7">
+            <a:extLst>
+              <a:ext uri="{FF2B5EF4-FFF2-40B4-BE49-F238E27FC236}">
+                <a16:creationId xmlns:a16="http://schemas.microsoft.com/office/drawing/2014/main" id="{130F766D-E921-595D-E02C-BD1BC212FD94}"/>
+              </a:ext>
+            </a:extLst>
+          </p:cNvPr>
+          <p:cNvSpPr/>
+          <p:nvPr/>
+        </p:nvSpPr>
+        <p:spPr>
+          <a:xfrm>
+            <a:off x="8305800" y="2492829"/>
+            <a:ext cx="925286" cy="446314"/>
+          </a:xfrm>
+          <a:prstGeom prst="rightArrow">
+            <a:avLst/>
+          </a:prstGeom>
+        </p:spPr>
+        <p:style>
+          <a:lnRef idx="2">
+            <a:schemeClr val="accent1">
+              <a:shade val="15000"/>
+            </a:schemeClr>
+          </a:lnRef>
+          <a:fillRef idx="1">
+            <a:schemeClr val="accent1"/>
+          </a:fillRef>
+          <a:effectRef idx="0">
+            <a:schemeClr val="accent1"/>
+          </a:effectRef>
+          <a:fontRef idx="minor">
+            <a:schemeClr val="lt1"/>
+          </a:fontRef>
+        </p:style>
+        <p:txBody>
+          <a:bodyPr rtlCol="0" anchor="ctr"/>
+          <a:lstStyle/>
+          <a:p>
+            <a:pPr algn="ctr"/>
+            <a:endParaRPr lang="en-IN"/>
+          </a:p>
+        </p:txBody>
+      </p:sp>
+      <p:pic>
+        <p:nvPicPr>
+          <p:cNvPr id="10" name="Picture 9">
+            <a:extLst>
+              <a:ext uri="{FF2B5EF4-FFF2-40B4-BE49-F238E27FC236}">
+                <a16:creationId xmlns:a16="http://schemas.microsoft.com/office/drawing/2014/main" id="{A31574CF-6768-E9CF-EDB8-8F6C022F9C58}"/>
+              </a:ext>
+            </a:extLst>
+          </p:cNvPr>
+          <p:cNvPicPr>
+            <a:picLocks noChangeAspect="1"/>
+          </p:cNvPicPr>
+          <p:nvPr/>
+        </p:nvPicPr>
+        <p:blipFill>
+          <a:blip r:embed="rId4">
+            <a:extLst>
+              <a:ext uri="{28A0092B-C50C-407E-A947-70E740481C1C}">
+                <a14:useLocalDpi xmlns:a14="http://schemas.microsoft.com/office/drawing/2010/main" val="0"/>
+              </a:ext>
+            </a:extLst>
+          </a:blip>
+          <a:stretch>
+            <a:fillRect/>
+          </a:stretch>
+        </p:blipFill>
+        <p:spPr>
+          <a:xfrm>
+            <a:off x="6444343" y="4197933"/>
+            <a:ext cx="1752600" cy="2306395"/>
+          </a:xfrm>
+          <a:prstGeom prst="rect">
+            <a:avLst/>
+          </a:prstGeom>
+        </p:spPr>
+      </p:pic>
+      <p:pic>
+        <p:nvPicPr>
+          <p:cNvPr id="12" name="Picture 11">
+            <a:extLst>
+              <a:ext uri="{FF2B5EF4-FFF2-40B4-BE49-F238E27FC236}">
+                <a16:creationId xmlns:a16="http://schemas.microsoft.com/office/drawing/2014/main" id="{8482CC3F-8076-E437-F791-22BDC18108B0}"/>
+              </a:ext>
+            </a:extLst>
+          </p:cNvPr>
+          <p:cNvPicPr>
+            <a:picLocks noChangeAspect="1"/>
+          </p:cNvPicPr>
+          <p:nvPr/>
+        </p:nvPicPr>
+        <p:blipFill>
+          <a:blip r:embed="rId5">
+            <a:extLst>
+              <a:ext uri="{28A0092B-C50C-407E-A947-70E740481C1C}">
+                <a14:useLocalDpi xmlns:a14="http://schemas.microsoft.com/office/drawing/2010/main" val="0"/>
+              </a:ext>
+            </a:extLst>
+          </a:blip>
+          <a:stretch>
+            <a:fillRect/>
+          </a:stretch>
+        </p:blipFill>
+        <p:spPr>
+          <a:xfrm>
+            <a:off x="9385037" y="4142898"/>
+            <a:ext cx="1794593" cy="2306396"/>
+          </a:xfrm>
+          <a:prstGeom prst="rect">
+            <a:avLst/>
+          </a:prstGeom>
+        </p:spPr>
+      </p:pic>
+      <p:sp>
+        <p:nvSpPr>
+          <p:cNvPr id="13" name="Arrow: Right 12">
+            <a:extLst>
+              <a:ext uri="{FF2B5EF4-FFF2-40B4-BE49-F238E27FC236}">
+                <a16:creationId xmlns:a16="http://schemas.microsoft.com/office/drawing/2014/main" id="{954495F7-DBAF-77D3-AC45-9CCAB87BF5C2}"/>
+              </a:ext>
+            </a:extLst>
+          </p:cNvPr>
+          <p:cNvSpPr/>
+          <p:nvPr/>
+        </p:nvSpPr>
+        <p:spPr>
+          <a:xfrm>
+            <a:off x="8305800" y="5214257"/>
+            <a:ext cx="925286" cy="413657"/>
+          </a:xfrm>
+          <a:prstGeom prst="rightArrow">
+            <a:avLst/>
+          </a:prstGeom>
+        </p:spPr>
+        <p:style>
+          <a:lnRef idx="2">
+            <a:schemeClr val="accent1">
+              <a:shade val="15000"/>
+            </a:schemeClr>
+          </a:lnRef>
+          <a:fillRef idx="1">
+            <a:schemeClr val="accent1"/>
+          </a:fillRef>
+          <a:effectRef idx="0">
+            <a:schemeClr val="accent1"/>
+          </a:effectRef>
+          <a:fontRef idx="minor">
+            <a:schemeClr val="lt1"/>
+          </a:fontRef>
+        </p:style>
+        <p:txBody>
+          <a:bodyPr rtlCol="0" anchor="ctr"/>
+          <a:lstStyle/>
+          <a:p>
+            <a:pPr algn="ctr"/>
+            <a:endParaRPr lang="en-IN"/>
+          </a:p>
+        </p:txBody>
+      </p:sp>
+    </p:spTree>
+    <p:extLst>
+      <p:ext uri="{BB962C8B-B14F-4D97-AF65-F5344CB8AC3E}">
+        <p14:creationId xmlns:p14="http://schemas.microsoft.com/office/powerpoint/2010/main" val="2691806028"/>
+      </p:ext>
+    </p:extLst>
+  </p:cSld>
+  <p:clrMapOvr>
+    <a:masterClrMapping/>
+  </p:clrMapOvr>
+</p:sld>
+</file>
+
+<file path=ppt/slides/slide6.xml><?xml version="1.0" encoding="utf-8"?>
+<p:sld xmlns:a="http://schemas.openxmlformats.org/drawingml/2006/main" xmlns:r="http://schemas.openxmlformats.org/officeDocument/2006/relationships" xmlns:p="http://schemas.openxmlformats.org/presentationml/2006/main">
+  <p:cSld>
+    <p:spTree>
+      <p:nvGrpSpPr>
+        <p:cNvPr id="1" name=""/>
+        <p:cNvGrpSpPr/>
+        <p:nvPr/>
+      </p:nvGrpSpPr>
+      <p:grpSpPr>
+        <a:xfrm>
+          <a:off x="0" y="0"/>
+          <a:ext cx="0" cy="0"/>
+          <a:chOff x="0" y="0"/>
+          <a:chExt cx="0" cy="0"/>
+        </a:xfrm>
+      </p:grpSpPr>
+      <p:sp>
+        <p:nvSpPr>
+          <p:cNvPr id="2" name="Title 1">
+            <a:extLst>
+              <a:ext uri="{FF2B5EF4-FFF2-40B4-BE49-F238E27FC236}">
+                <a16:creationId xmlns:a16="http://schemas.microsoft.com/office/drawing/2014/main" id="{7BE2E920-A9FA-F995-D619-E26A48C3CA49}"/>
+              </a:ext>
+            </a:extLst>
+          </p:cNvPr>
+          <p:cNvSpPr>
+            <a:spLocks noGrp="1"/>
+          </p:cNvSpPr>
+          <p:nvPr>
+            <p:ph type="title"/>
+          </p:nvPr>
+        </p:nvSpPr>
+        <p:spPr/>
+        <p:txBody>
+          <a:bodyPr>
+            <a:normAutofit/>
+          </a:bodyPr>
+          <a:lstStyle/>
+          <a:p>
+            <a:r>
+              <a:rPr lang="en-IN" sz="6000" b="1" u="sng" dirty="0">
+                <a:latin typeface="Algerian" panose="04020705040A02060702" pitchFamily="82" charset="0"/>
+              </a:rPr>
+              <a:t>CONCLUSION</a:t>
+            </a:r>
+          </a:p>
+        </p:txBody>
+      </p:sp>
+      <p:sp>
+        <p:nvSpPr>
+          <p:cNvPr id="3" name="Content Placeholder 2">
+            <a:extLst>
+              <a:ext uri="{FF2B5EF4-FFF2-40B4-BE49-F238E27FC236}">
+                <a16:creationId xmlns:a16="http://schemas.microsoft.com/office/drawing/2014/main" id="{35775857-E316-8E4B-F52B-105D58F00445}"/>
+              </a:ext>
+            </a:extLst>
+          </p:cNvPr>
+          <p:cNvSpPr>
+            <a:spLocks noGrp="1"/>
+          </p:cNvSpPr>
+          <p:nvPr>
+            <p:ph idx="1"/>
+          </p:nvPr>
+        </p:nvSpPr>
+        <p:spPr/>
+        <p:txBody>
+          <a:bodyPr/>
+          <a:lstStyle/>
+          <a:p>
+            <a:r>
+              <a:rPr lang="en-IN" dirty="0"/>
+              <a:t>Have done with the help of </a:t>
+            </a:r>
+            <a:r>
+              <a:rPr lang="en-IN" dirty="0" err="1"/>
+              <a:t>GreeksforGreeks</a:t>
+            </a:r>
+            <a:r>
+              <a:rPr lang="en-IN" dirty="0"/>
+              <a:t> , </a:t>
+            </a:r>
+            <a:r>
+              <a:rPr lang="en-IN" dirty="0" err="1"/>
+              <a:t>youtube</a:t>
+            </a:r>
+            <a:r>
+              <a:rPr lang="en-IN" dirty="0"/>
+              <a:t> , and with some other browser.</a:t>
+            </a:r>
+          </a:p>
+          <a:p>
+            <a:r>
+              <a:rPr lang="en-IN" dirty="0"/>
+              <a:t>It is still in progress for better adjustment.</a:t>
+            </a:r>
+          </a:p>
+        </p:txBody>
+      </p:sp>
+    </p:spTree>
+    <p:extLst>
+      <p:ext uri="{BB962C8B-B14F-4D97-AF65-F5344CB8AC3E}">
+        <p14:creationId xmlns:p14="http://schemas.microsoft.com/office/powerpoint/2010/main" val="2648616868"/>
+      </p:ext>
+    </p:extLst>
+  </p:cSld>
+  <p:clrMapOvr>
+    <a:masterClrMapping/>
+  </p:clrMapOvr>
+</p:sld>
+</file>
+
+<file path=ppt/slides/slide7.xml><?xml version="1.0" encoding="utf-8"?>
+<p:sld xmlns:a="http://schemas.openxmlformats.org/drawingml/2006/main" xmlns:r="http://schemas.openxmlformats.org/officeDocument/2006/relationships" xmlns:p="http://schemas.openxmlformats.org/presentationml/2006/main">
+  <p:cSld>
+    <p:spTree>
+      <p:nvGrpSpPr>
+        <p:cNvPr id="1" name=""/>
+        <p:cNvGrpSpPr/>
+        <p:nvPr/>
+      </p:nvGrpSpPr>
+      <p:grpSpPr>
+        <a:xfrm>
+          <a:off x="0" y="0"/>
+          <a:ext cx="0" cy="0"/>
+          <a:chOff x="0" y="0"/>
+          <a:chExt cx="0" cy="0"/>
+        </a:xfrm>
+      </p:grpSpPr>
+      <p:sp>
+        <p:nvSpPr>
+          <p:cNvPr id="2" name="Title 1">
+            <a:extLst>
+              <a:ext uri="{FF2B5EF4-FFF2-40B4-BE49-F238E27FC236}">
+                <a16:creationId xmlns:a16="http://schemas.microsoft.com/office/drawing/2014/main" id="{4E86F6C3-84F5-E90D-E311-A68693F5F11F}"/>
+              </a:ext>
+            </a:extLst>
+          </p:cNvPr>
+          <p:cNvSpPr>
+            <a:spLocks noGrp="1"/>
+          </p:cNvSpPr>
+          <p:nvPr>
+            <p:ph type="title"/>
+          </p:nvPr>
+        </p:nvSpPr>
+        <p:spPr>
+          <a:xfrm>
+            <a:off x="1484311" y="685800"/>
+            <a:ext cx="10018713" cy="5236029"/>
+          </a:xfrm>
+        </p:spPr>
+        <p:txBody>
+          <a:bodyPr>
+            <a:normAutofit/>
+          </a:bodyPr>
+          <a:lstStyle/>
+          <a:p>
+            <a:r>
+              <a:rPr lang="en-IN" sz="11500" dirty="0">
+                <a:latin typeface="Berlin Sans FB Demi" panose="020E0802020502020306" pitchFamily="34" charset="0"/>
+              </a:rPr>
+              <a:t>THANKYOU</a:t>
+            </a:r>
+            <a:endParaRPr lang="en-IN" sz="4400" dirty="0">
+              <a:latin typeface="Berlin Sans FB Demi" panose="020E0802020502020306" pitchFamily="34" charset="0"/>
+            </a:endParaRPr>
+          </a:p>
+        </p:txBody>
+      </p:sp>
+    </p:spTree>
+    <p:extLst>
+      <p:ext uri="{BB962C8B-B14F-4D97-AF65-F5344CB8AC3E}">
+        <p14:creationId xmlns:p14="http://schemas.microsoft.com/office/powerpoint/2010/main" val="2687693465"/>
+      </p:ext>
+    </p:extLst>
+  </p:cSld>
+  <p:clrMapOvr>
+    <a:masterClrMapping/>
+  </p:clrMapOvr>
+</p:sld>
+</file>
+
 <file path=ppt/theme/theme1.xml><?xml version="1.0" encoding="utf-8"?>
+<a:theme xmlns:a="http://schemas.openxmlformats.org/drawingml/2006/main" name="Parallax">
+  <a:themeElements>
+    <a:clrScheme name="Parallax">
+      <a:dk1>
+        <a:sysClr val="windowText" lastClr="000000"/>
+      </a:dk1>
+      <a:lt1>
+        <a:sysClr val="window" lastClr="FFFFFF"/>
+      </a:lt1>
+      <a:dk2>
+        <a:srgbClr val="212121"/>
+      </a:dk2>
+      <a:lt2>
+        <a:srgbClr val="CDD0D1"/>
+      </a:lt2>
+      <a:accent1>
+        <a:srgbClr val="30ACEC"/>
+      </a:accent1>
+      <a:accent2>
+        <a:srgbClr val="80C34F"/>
+      </a:accent2>
+      <a:accent3>
+        <a:srgbClr val="E29D3E"/>
+      </a:accent3>
+      <a:accent4>
+        <a:srgbClr val="D64A3B"/>
+      </a:accent4>
+      <a:accent5>
+        <a:srgbClr val="D64787"/>
+      </a:accent5>
+      <a:accent6>
+        <a:srgbClr val="A666E1"/>
+      </a:accent6>
+      <a:hlink>
+        <a:srgbClr val="3085ED"/>
+      </a:hlink>
+      <a:folHlink>
+        <a:srgbClr val="82B6F4"/>
+      </a:folHlink>
+    </a:clrScheme>
+    <a:fontScheme name="Parallax">
+      <a:majorFont>
+        <a:latin typeface="Corbel" panose="020B0503020204020204"/>
+        <a:ea typeface=""/>
+        <a:cs typeface=""/>
+        <a:font script="Jpan" typeface="HGｺﾞｼｯｸM"/>
+        <a:font script="Hang" typeface="HY엽서L"/>
+        <a:font script="Hans" typeface="华文楷体"/>
+        <a:font script="Hant" typeface="新細明體"/>
+        <a:font script="Arab" typeface="Tahoma"/>
+        <a:font script="Hebr" typeface="Miriam"/>
+        <a:font script="Thai" typeface="DilleniaUPC"/>
+        <a:font script="Ethi" typeface="Nyala"/>
+        <a:font script="Beng" typeface="Vrinda"/>
+        <a:font script="Gujr" typeface="Shruti"/>
+        <a:font script="Khmr" typeface="DaunPenh"/>
+        <a:font script="Knda" typeface="Tunga"/>
+        <a:font script="Guru" typeface="Raavi"/>
+        <a:font script="Cans" typeface="Euphemia"/>
+        <a:font script="Cher" typeface="Plantagenet Cherokee"/>
+        <a:font script="Yiii" typeface="Microsoft Yi Baiti"/>
+        <a:font script="Tibt" typeface="Microsoft Himalaya"/>
+        <a:font script="Thaa" typeface="MV Boli"/>
+        <a:font script="Deva" typeface="Mangal"/>
+        <a:font script="Telu" typeface="Gautami"/>
+        <a:font script="Taml" typeface="Latha"/>
+        <a:font script="Syrc" typeface="Estrangelo Edessa"/>
+        <a:font script="Orya" typeface="Kalinga"/>
+        <a:font script="Mlym" typeface="Kartika"/>
+        <a:font script="Laoo" typeface="DokChampa"/>
+        <a:font script="Sinh" typeface="Iskoola Pota"/>
+        <a:font script="Mong" typeface="Mongolian Baiti"/>
+        <a:font script="Viet" typeface="Arial"/>
+        <a:font script="Uigh" typeface="Microsoft Uighur"/>
+        <a:font script="Geor" typeface="Sylfaen"/>
+      </a:majorFont>
+      <a:minorFont>
+        <a:latin typeface="Corbel" panose="020B0503020204020204"/>
+        <a:ea typeface=""/>
+        <a:cs typeface=""/>
+        <a:font script="Jpan" typeface="HGｺﾞｼｯｸM"/>
+        <a:font script="Hang" typeface="HY엽서L"/>
+        <a:font script="Hans" typeface="华文楷体"/>
+        <a:font script="Hant" typeface="新細明體"/>
+        <a:font script="Arab" typeface="Tahoma"/>
+        <a:font script="Hebr" typeface="Miriam"/>
+        <a:font script="Thai" typeface="DilleniaUPC"/>
+        <a:font script="Ethi" typeface="Nyala"/>
+        <a:font script="Beng" typeface="Vrinda"/>
+        <a:font script="Gujr" typeface="Shruti"/>
+        <a:font script="Khmr" typeface="DaunPenh"/>
+        <a:font script="Knda" typeface="Tunga"/>
+        <a:font script="Guru" typeface="Raavi"/>
+        <a:font script="Cans" typeface="Euphemia"/>
+        <a:font script="Cher" typeface="Plantagenet Cherokee"/>
+        <a:font script="Yiii" typeface="Microsoft Yi Baiti"/>
+        <a:font script="Tibt" typeface="Microsoft Himalaya"/>
+        <a:font script="Thaa" typeface="MV Boli"/>
+        <a:font script="Deva" typeface="Mangal"/>
+        <a:font script="Telu" typeface="Gautami"/>
+        <a:font script="Taml" typeface="Latha"/>
+        <a:font script="Syrc" typeface="Estrangelo Edessa"/>
+        <a:font script="Orya" typeface="Kalinga"/>
+        <a:font script="Mlym" typeface="Kartika"/>
+        <a:font script="Laoo" typeface="DokChampa"/>
+        <a:font script="Sinh" typeface="Iskoola Pota"/>
+        <a:font script="Mong" typeface="Mongolian Baiti"/>
+        <a:font script="Viet" typeface="Arial"/>
+        <a:font script="Uigh" typeface="Microsoft Uighur"/>
+        <a:font script="Geor" typeface="Sylfaen"/>
+      </a:minorFont>
+    </a:fontScheme>
+    <a:fmtScheme name="Parallax">
+      <a:fillStyleLst>
+        <a:solidFill>
+          <a:schemeClr val="phClr"/>
+        </a:solidFill>
+        <a:gradFill rotWithShape="1">
+          <a:gsLst>
+            <a:gs pos="0">
+              <a:schemeClr val="phClr">
+                <a:tint val="60000"/>
+                <a:lumMod val="104000"/>
+              </a:schemeClr>
+            </a:gs>
+            <a:gs pos="100000">
+              <a:schemeClr val="phClr">
+                <a:tint val="84000"/>
+              </a:schemeClr>
+            </a:gs>
+          </a:gsLst>
+          <a:lin ang="5400000" scaled="0"/>
+        </a:gradFill>
+        <a:gradFill rotWithShape="1">
+          <a:gsLst>
+            <a:gs pos="0">
+              <a:schemeClr val="phClr">
+                <a:tint val="96000"/>
+                <a:lumMod val="102000"/>
+              </a:schemeClr>
+            </a:gs>
+            <a:gs pos="100000">
+              <a:schemeClr val="phClr">
+                <a:shade val="88000"/>
+                <a:lumMod val="94000"/>
+              </a:schemeClr>
+            </a:gs>
+          </a:gsLst>
+          <a:path path="circle">
+            <a:fillToRect l="50000" t="100000" r="100000" b="50000"/>
+          </a:path>
+        </a:gradFill>
+      </a:fillStyleLst>
+      <a:lnStyleLst>
+        <a:ln w="9525" cap="rnd" cmpd="sng" algn="ctr">
+          <a:solidFill>
+            <a:schemeClr val="phClr">
+              <a:tint val="60000"/>
+            </a:schemeClr>
+          </a:solidFill>
+          <a:prstDash val="solid"/>
+        </a:ln>
+        <a:ln w="15875" cap="rnd" cmpd="sng" algn="ctr">
+          <a:solidFill>
+            <a:schemeClr val="phClr"/>
+          </a:solidFill>
+          <a:prstDash val="solid"/>
+        </a:ln>
+        <a:ln w="22225" cap="rnd" cmpd="sng" algn="ctr">
+          <a:solidFill>
+            <a:schemeClr val="phClr"/>
+          </a:solidFill>
+          <a:prstDash val="solid"/>
+        </a:ln>
+      </a:lnStyleLst>
+      <a:effectStyleLst>
+        <a:effectStyle>
+          <a:effectLst/>
+        </a:effectStyle>
+        <a:effectStyle>
+          <a:effectLst>
+            <a:reflection blurRad="12700" stA="26000" endPos="32000" dist="12700" dir="5400000" sy="-100000" rotWithShape="0"/>
+          </a:effectLst>
+        </a:effectStyle>
+        <a:effectStyle>
+          <a:effectLst>
+            <a:outerShdw blurRad="38100" dist="25400" dir="5400000" rotWithShape="0">
+              <a:srgbClr val="000000">
+                <a:alpha val="64000"/>
+              </a:srgbClr>
+            </a:outerShdw>
+          </a:effectLst>
+          <a:scene3d>
+            <a:camera prst="orthographicFront">
+              <a:rot lat="0" lon="0" rev="0"/>
+            </a:camera>
+            <a:lightRig rig="threePt" dir="tl">
+              <a:rot lat="0" lon="0" rev="1200000"/>
+            </a:lightRig>
+          </a:scene3d>
+          <a:sp3d>
+            <a:bevelT w="25400" h="12700"/>
+          </a:sp3d>
+        </a:effectStyle>
+      </a:effectStyleLst>
+      <a:bgFillStyleLst>
+        <a:solidFill>
+          <a:schemeClr val="phClr"/>
+        </a:solidFill>
+        <a:gradFill rotWithShape="1">
+          <a:gsLst>
+            <a:gs pos="0">
+              <a:schemeClr val="phClr">
+                <a:tint val="90000"/>
+                <a:lumMod val="110000"/>
+              </a:schemeClr>
+            </a:gs>
+            <a:gs pos="100000">
+              <a:schemeClr val="phClr">
+                <a:shade val="64000"/>
+                <a:lumMod val="98000"/>
+              </a:schemeClr>
+            </a:gs>
+          </a:gsLst>
+          <a:lin ang="5400000" scaled="0"/>
+        </a:gradFill>
+        <a:blipFill rotWithShape="1">
+          <a:blip xmlns:r="http://schemas.openxmlformats.org/officeDocument/2006/relationships" r:embed="rId1">
+            <a:duotone>
+              <a:schemeClr val="phClr">
+                <a:shade val="76000"/>
+                <a:satMod val="180000"/>
+              </a:schemeClr>
+              <a:schemeClr val="phClr">
+                <a:tint val="80000"/>
+                <a:satMod val="120000"/>
+                <a:lumMod val="180000"/>
+              </a:schemeClr>
+            </a:duotone>
+          </a:blip>
+          <a:stretch/>
+        </a:blipFill>
+      </a:bgFillStyleLst>
+    </a:fmtScheme>
+  </a:themeElements>
+  <a:objectDefaults/>
+  <a:extraClrSchemeLst/>
+  <a:extLst>
+    <a:ext uri="{05A4C25C-085E-4340-85A3-A5531E510DB2}">
+      <thm15:themeFamily xmlns:thm15="http://schemas.microsoft.com/office/thememl/2012/main" name="Parallax" id="{3388167B-A2EB-4685-9635-1831D9AEF8C4}" vid="{4F7A876A-7598-49CA-AFC8-8EDA2551E4A7}"/>
+    </a:ext>
+  </a:extLst>
+</a:theme>
+</file>
+
+<file path=ppt/theme/theme2.xml><?xml version="1.0" encoding="utf-8"?>
 <a:theme xmlns:a="http://schemas.openxmlformats.org/drawingml/2006/main" name="Office Theme">
   <a:themeElements>
     <a:clrScheme name="Office">
